--- a/undergraduate/lectures/communication.pptx
+++ b/undergraduate/lectures/communication.pptx
@@ -5,51 +5,46 @@
     <p:sldMasterId id="2147483786" r:id="rId1"/>
   </p:sldMasterIdLst>
   <p:notesMasterIdLst>
-    <p:notesMasterId r:id="rId44"/>
+    <p:notesMasterId r:id="rId39"/>
   </p:notesMasterIdLst>
   <p:sldIdLst>
     <p:sldId id="256" r:id="rId2"/>
-    <p:sldId id="257" r:id="rId3"/>
-    <p:sldId id="258" r:id="rId4"/>
-    <p:sldId id="259" r:id="rId5"/>
-    <p:sldId id="260" r:id="rId6"/>
-    <p:sldId id="261" r:id="rId7"/>
-    <p:sldId id="262" r:id="rId8"/>
-    <p:sldId id="263" r:id="rId9"/>
-    <p:sldId id="264" r:id="rId10"/>
-    <p:sldId id="265" r:id="rId11"/>
-    <p:sldId id="266" r:id="rId12"/>
-    <p:sldId id="267" r:id="rId13"/>
-    <p:sldId id="268" r:id="rId14"/>
-    <p:sldId id="292" r:id="rId15"/>
-    <p:sldId id="293" r:id="rId16"/>
-    <p:sldId id="294" r:id="rId17"/>
-    <p:sldId id="295" r:id="rId18"/>
-    <p:sldId id="296" r:id="rId19"/>
-    <p:sldId id="297" r:id="rId20"/>
-    <p:sldId id="298" r:id="rId21"/>
-    <p:sldId id="269" r:id="rId22"/>
-    <p:sldId id="270" r:id="rId23"/>
-    <p:sldId id="274" r:id="rId24"/>
-    <p:sldId id="275" r:id="rId25"/>
-    <p:sldId id="276" r:id="rId26"/>
-    <p:sldId id="277" r:id="rId27"/>
-    <p:sldId id="278" r:id="rId28"/>
-    <p:sldId id="279" r:id="rId29"/>
-    <p:sldId id="280" r:id="rId30"/>
-    <p:sldId id="281" r:id="rId31"/>
-    <p:sldId id="282" r:id="rId32"/>
-    <p:sldId id="283" r:id="rId33"/>
-    <p:sldId id="284" r:id="rId34"/>
-    <p:sldId id="285" r:id="rId35"/>
-    <p:sldId id="286" r:id="rId36"/>
-    <p:sldId id="287" r:id="rId37"/>
-    <p:sldId id="288" r:id="rId38"/>
-    <p:sldId id="289" r:id="rId39"/>
-    <p:sldId id="290" r:id="rId40"/>
-    <p:sldId id="291" r:id="rId41"/>
-    <p:sldId id="273" r:id="rId42"/>
-    <p:sldId id="272" r:id="rId43"/>
+    <p:sldId id="259" r:id="rId3"/>
+    <p:sldId id="260" r:id="rId4"/>
+    <p:sldId id="261" r:id="rId5"/>
+    <p:sldId id="262" r:id="rId6"/>
+    <p:sldId id="263" r:id="rId7"/>
+    <p:sldId id="264" r:id="rId8"/>
+    <p:sldId id="265" r:id="rId9"/>
+    <p:sldId id="266" r:id="rId10"/>
+    <p:sldId id="267" r:id="rId11"/>
+    <p:sldId id="268" r:id="rId12"/>
+    <p:sldId id="292" r:id="rId13"/>
+    <p:sldId id="293" r:id="rId14"/>
+    <p:sldId id="294" r:id="rId15"/>
+    <p:sldId id="295" r:id="rId16"/>
+    <p:sldId id="296" r:id="rId17"/>
+    <p:sldId id="297" r:id="rId18"/>
+    <p:sldId id="298" r:id="rId19"/>
+    <p:sldId id="269" r:id="rId20"/>
+    <p:sldId id="270" r:id="rId21"/>
+    <p:sldId id="274" r:id="rId22"/>
+    <p:sldId id="275" r:id="rId23"/>
+    <p:sldId id="276" r:id="rId24"/>
+    <p:sldId id="277" r:id="rId25"/>
+    <p:sldId id="278" r:id="rId26"/>
+    <p:sldId id="279" r:id="rId27"/>
+    <p:sldId id="280" r:id="rId28"/>
+    <p:sldId id="281" r:id="rId29"/>
+    <p:sldId id="282" r:id="rId30"/>
+    <p:sldId id="283" r:id="rId31"/>
+    <p:sldId id="284" r:id="rId32"/>
+    <p:sldId id="285" r:id="rId33"/>
+    <p:sldId id="286" r:id="rId34"/>
+    <p:sldId id="287" r:id="rId35"/>
+    <p:sldId id="288" r:id="rId36"/>
+    <p:sldId id="290" r:id="rId37"/>
+    <p:sldId id="291" r:id="rId38"/>
   </p:sldIdLst>
   <p:sldSz cx="12192000" cy="6858000"/>
   <p:notesSz cx="6858000" cy="9144000"/>
@@ -154,8 +149,6 @@
         <p14:section name="Default Section" id="{85867D2A-44B2-0241-A01E-7E2473D67ED4}">
           <p14:sldIdLst>
             <p14:sldId id="256"/>
-            <p14:sldId id="257"/>
-            <p14:sldId id="258"/>
             <p14:sldId id="259"/>
             <p14:sldId id="260"/>
             <p14:sldId id="261"/>
@@ -194,11 +187,8 @@
             <p14:sldId id="286"/>
             <p14:sldId id="287"/>
             <p14:sldId id="288"/>
-            <p14:sldId id="289"/>
             <p14:sldId id="290"/>
             <p14:sldId id="291"/>
-            <p14:sldId id="273"/>
-            <p14:sldId id="272"/>
           </p14:sldIdLst>
         </p14:section>
       </p14:sectionLst>
@@ -292,7 +282,7 @@
           <a:p>
             <a:fld id="{EC53E720-1243-6043-B4C4-6E31C619CC0A}" type="datetimeFigureOut">
               <a:rPr lang="en-US" smtClean="0"/>
-              <a:t>2/1/17</a:t>
+              <a:t>3/1/17</a:t>
             </a:fld>
             <a:endParaRPr lang="en-US"/>
           </a:p>
@@ -873,9 +863,9 @@
           <a:bodyPr/>
           <a:lstStyle/>
           <a:p>
-            <a:fld id="{26E720F5-B36D-F044-8ECF-58C3AADD4FFA}" type="datetime1">
+            <a:fld id="{F79DDBF0-3636-F349-A63E-87EA8E725129}" type="datetime1">
               <a:rPr lang="en-US" smtClean="0"/>
-              <a:t>2/1/17</a:t>
+              <a:t>3/1/17</a:t>
             </a:fld>
             <a:endParaRPr lang="en-US"/>
           </a:p>
@@ -898,7 +888,7 @@
           <a:p>
             <a:r>
               <a:rPr lang="en-US" smtClean="0"/>
-              <a:t>A Look Inside FreeBSD with DTrace</a:t>
+              <a:t>Introduction to Operating Systems</a:t>
             </a:r>
             <a:endParaRPr lang="en-US" dirty="0"/>
           </a:p>
@@ -1152,9 +1142,9 @@
           <a:bodyPr/>
           <a:lstStyle/>
           <a:p>
-            <a:fld id="{3A7898FD-2DE3-2242-AB42-1050745E6125}" type="datetime1">
+            <a:fld id="{AEC2C5E4-A750-3041-8F7B-41CA1ABED345}" type="datetime1">
               <a:rPr lang="en-US" smtClean="0"/>
-              <a:t>2/1/17</a:t>
+              <a:t>3/1/17</a:t>
             </a:fld>
             <a:endParaRPr lang="en-US"/>
           </a:p>
@@ -1177,7 +1167,7 @@
           <a:p>
             <a:r>
               <a:rPr lang="en-US" smtClean="0"/>
-              <a:t>A Look Inside FreeBSD with DTrace</a:t>
+              <a:t>Introduction to Operating Systems</a:t>
             </a:r>
             <a:endParaRPr lang="en-US"/>
           </a:p>
@@ -1407,9 +1397,9 @@
           <a:bodyPr/>
           <a:lstStyle/>
           <a:p>
-            <a:fld id="{D3004C58-1FC4-1540-81EE-6BBA0CF83C34}" type="datetime1">
+            <a:fld id="{6365D259-09FA-E243-9ED1-B8CBC4B9338D}" type="datetime1">
               <a:rPr lang="en-US" smtClean="0"/>
-              <a:t>2/1/17</a:t>
+              <a:t>3/1/17</a:t>
             </a:fld>
             <a:endParaRPr lang="en-US"/>
           </a:p>
@@ -1432,7 +1422,7 @@
           <a:p>
             <a:r>
               <a:rPr lang="en-US" smtClean="0"/>
-              <a:t>A Look Inside FreeBSD with DTrace</a:t>
+              <a:t>Introduction to Operating Systems</a:t>
             </a:r>
             <a:endParaRPr lang="en-US"/>
           </a:p>
@@ -1798,9 +1788,9 @@
           <a:bodyPr/>
           <a:lstStyle/>
           <a:p>
-            <a:fld id="{1A262375-3BBF-904C-8051-E98C412ED03A}" type="datetime1">
+            <a:fld id="{401DC392-471B-074A-B57B-79F47189A2FB}" type="datetime1">
               <a:rPr lang="en-US" smtClean="0"/>
-              <a:t>2/1/17</a:t>
+              <a:t>3/1/17</a:t>
             </a:fld>
             <a:endParaRPr lang="en-US"/>
           </a:p>
@@ -1823,7 +1813,7 @@
           <a:p>
             <a:r>
               <a:rPr lang="en-US" smtClean="0"/>
-              <a:t>A Look Inside FreeBSD with DTrace</a:t>
+              <a:t>Introduction to Operating Systems</a:t>
             </a:r>
             <a:endParaRPr lang="en-US" dirty="0"/>
           </a:p>
@@ -2147,9 +2137,9 @@
           <a:bodyPr/>
           <a:lstStyle/>
           <a:p>
-            <a:fld id="{014586BC-7856-1741-AD0B-EE33EC4E518D}" type="datetime1">
+            <a:fld id="{D6EBFE72-FC35-584F-AF27-A73D59AC3D3E}" type="datetime1">
               <a:rPr lang="en-US" smtClean="0"/>
-              <a:t>2/1/17</a:t>
+              <a:t>3/1/17</a:t>
             </a:fld>
             <a:endParaRPr lang="en-US"/>
           </a:p>
@@ -2172,7 +2162,7 @@
           <a:p>
             <a:r>
               <a:rPr lang="en-US" smtClean="0"/>
-              <a:t>A Look Inside FreeBSD with DTrace</a:t>
+              <a:t>Introduction to Operating Systems</a:t>
             </a:r>
             <a:endParaRPr lang="en-US"/>
           </a:p>
@@ -2441,9 +2431,9 @@
           <a:bodyPr/>
           <a:lstStyle/>
           <a:p>
-            <a:fld id="{1FCAC5D8-AF87-324D-95D3-D6D54E182293}" type="datetime1">
+            <a:fld id="{23CB21EC-5D43-D34E-B7FD-D052953ECF29}" type="datetime1">
               <a:rPr lang="en-US" smtClean="0"/>
-              <a:t>2/1/17</a:t>
+              <a:t>3/1/17</a:t>
             </a:fld>
             <a:endParaRPr lang="en-US" dirty="0"/>
           </a:p>
@@ -2466,7 +2456,7 @@
           <a:p>
             <a:r>
               <a:rPr lang="en-US" smtClean="0"/>
-              <a:t>A Look Inside FreeBSD with DTrace</a:t>
+              <a:t>Introduction to Operating Systems</a:t>
             </a:r>
             <a:endParaRPr lang="en-US" dirty="0"/>
           </a:p>
@@ -2828,9 +2818,9 @@
           <a:bodyPr/>
           <a:lstStyle/>
           <a:p>
-            <a:fld id="{EFE068BA-6094-444C-97BA-6FC7A2877310}" type="datetime1">
+            <a:fld id="{3674428A-18CC-0540-B9D8-A1A05BC877C8}" type="datetime1">
               <a:rPr lang="en-US" smtClean="0"/>
-              <a:t>2/1/17</a:t>
+              <a:t>3/1/17</a:t>
             </a:fld>
             <a:endParaRPr lang="en-US"/>
           </a:p>
@@ -2853,7 +2843,7 @@
           <a:p>
             <a:r>
               <a:rPr lang="en-US" smtClean="0"/>
-              <a:t>A Look Inside FreeBSD with DTrace</a:t>
+              <a:t>Introduction to Operating Systems</a:t>
             </a:r>
             <a:endParaRPr lang="en-US"/>
           </a:p>
@@ -2952,9 +2942,9 @@
           <a:bodyPr/>
           <a:lstStyle/>
           <a:p>
-            <a:fld id="{7B52FD35-E83C-5548-B1FB-76D71419F52A}" type="datetime1">
+            <a:fld id="{5CC21DE8-283E-BD40-AA91-CBDA5F2BCFB0}" type="datetime1">
               <a:rPr lang="en-US" smtClean="0"/>
-              <a:t>2/1/17</a:t>
+              <a:t>3/1/17</a:t>
             </a:fld>
             <a:endParaRPr lang="en-US"/>
           </a:p>
@@ -2977,7 +2967,7 @@
           <a:p>
             <a:r>
               <a:rPr lang="en-US" smtClean="0"/>
-              <a:t>A Look Inside FreeBSD with DTrace</a:t>
+              <a:t>Introduction to Operating Systems</a:t>
             </a:r>
             <a:endParaRPr lang="en-US"/>
           </a:p>
@@ -3129,9 +3119,9 @@
           <a:bodyPr/>
           <a:lstStyle/>
           <a:p>
-            <a:fld id="{980E0633-7A4C-7745-9F88-15180C289BA2}" type="datetime1">
+            <a:fld id="{166E6584-D854-0347-A3CB-42458A842856}" type="datetime1">
               <a:rPr lang="en-US" smtClean="0"/>
-              <a:t>2/1/17</a:t>
+              <a:t>3/1/17</a:t>
             </a:fld>
             <a:endParaRPr lang="en-US"/>
           </a:p>
@@ -3162,7 +3152,7 @@
           <a:p>
             <a:r>
               <a:rPr lang="en-US" smtClean="0"/>
-              <a:t>A Look Inside FreeBSD with DTrace</a:t>
+              <a:t>Introduction to Operating Systems</a:t>
             </a:r>
             <a:endParaRPr lang="en-US"/>
           </a:p>
@@ -3489,9 +3479,9 @@
             </a:lvl1pPr>
           </a:lstStyle>
           <a:p>
-            <a:fld id="{BFA6BC41-C466-2842-BADB-5022C22F5798}" type="datetime1">
+            <a:fld id="{1280FD15-21DF-6949-AFDC-DCC075365FC0}" type="datetime1">
               <a:rPr lang="en-US" smtClean="0"/>
-              <a:t>2/1/17</a:t>
+              <a:t>3/1/17</a:t>
             </a:fld>
             <a:endParaRPr lang="en-US"/>
           </a:p>
@@ -3527,7 +3517,7 @@
           <a:p>
             <a:r>
               <a:rPr lang="en-US" smtClean="0"/>
-              <a:t>A Look Inside FreeBSD with DTrace</a:t>
+              <a:t>Introduction to Operating Systems</a:t>
             </a:r>
             <a:endParaRPr lang="en-US"/>
           </a:p>
@@ -3874,9 +3864,9 @@
           <a:bodyPr/>
           <a:lstStyle/>
           <a:p>
-            <a:fld id="{C455B2BC-05B3-8145-BF40-0F0FCDD2882A}" type="datetime1">
+            <a:fld id="{504E9A0E-A9A1-D248-8DA7-B6A8637FCA12}" type="datetime1">
               <a:rPr lang="en-US" smtClean="0"/>
-              <a:t>2/1/17</a:t>
+              <a:t>3/1/17</a:t>
             </a:fld>
             <a:endParaRPr lang="en-US"/>
           </a:p>
@@ -3899,7 +3889,7 @@
           <a:p>
             <a:r>
               <a:rPr lang="en-US" smtClean="0"/>
-              <a:t>A Look Inside FreeBSD with DTrace</a:t>
+              <a:t>Introduction to Operating Systems</a:t>
             </a:r>
             <a:endParaRPr lang="en-US"/>
           </a:p>
@@ -4160,9 +4150,9 @@
             </a:lvl1pPr>
           </a:lstStyle>
           <a:p>
-            <a:fld id="{AFC88FFC-6D65-4647-AF0B-491B52EDC8EB}" type="datetime1">
+            <a:fld id="{7DAFD488-C0BF-4946-812D-11E2CE4B0945}" type="datetime1">
               <a:rPr lang="en-US" smtClean="0"/>
-              <a:t>2/1/17</a:t>
+              <a:t>3/1/17</a:t>
             </a:fld>
             <a:endParaRPr lang="en-US" dirty="0"/>
           </a:p>
@@ -4201,7 +4191,7 @@
           <a:p>
             <a:r>
               <a:rPr lang="en-US" smtClean="0"/>
-              <a:t>A Look Inside FreeBSD with DTrace</a:t>
+              <a:t>Introduction to Operating Systems</a:t>
             </a:r>
             <a:endParaRPr lang="en-US" dirty="0"/>
           </a:p>
@@ -4807,7 +4797,6 @@
               <a:rPr lang="en-US" dirty="0" smtClean="0"/>
               <a:t>Through tracing, analysis and experimentation</a:t>
             </a:r>
-            <a:endParaRPr lang="en-US" dirty="0" smtClean="0"/>
           </a:p>
           <a:p>
             <a:r>
@@ -4880,7 +4869,7 @@
           <a:p>
             <a:r>
               <a:rPr lang="en-US" dirty="0" smtClean="0"/>
-              <a:t>Tracing Signals</a:t>
+              <a:t>Pipe Demonstration</a:t>
             </a:r>
             <a:endParaRPr lang="en-US" dirty="0"/>
           </a:p>
@@ -4888,6 +4877,25 @@
       </p:sp>
       <p:sp>
         <p:nvSpPr>
+          <p:cNvPr id="4" name="Content Placeholder 3"/>
+          <p:cNvSpPr>
+            <a:spLocks noGrp="1"/>
+          </p:cNvSpPr>
+          <p:nvPr>
+            <p:ph idx="1"/>
+          </p:nvPr>
+        </p:nvSpPr>
+        <p:spPr/>
+        <p:txBody>
+          <a:bodyPr/>
+          <a:lstStyle/>
+          <a:p>
+            <a:endParaRPr lang="en-US"/>
+          </a:p>
+        </p:txBody>
+      </p:sp>
+      <p:sp>
+        <p:nvSpPr>
           <p:cNvPr id="3" name="Footer Placeholder 2"/>
           <p:cNvSpPr>
             <a:spLocks noGrp="1"/>
@@ -4903,7 +4911,7 @@
           <a:p>
             <a:r>
               <a:rPr lang="en-US" smtClean="0"/>
-              <a:t>A Look Inside FreeBSD with DTrace</a:t>
+              <a:t>Introduction to Operating Systems</a:t>
             </a:r>
             <a:endParaRPr lang="en-US"/>
           </a:p>
@@ -4912,13 +4920,20 @@
     </p:spTree>
     <p:extLst>
       <p:ext uri="{BB962C8B-B14F-4D97-AF65-F5344CB8AC3E}">
-        <p14:creationId xmlns:p14="http://schemas.microsoft.com/office/powerpoint/2010/main" val="1717655612"/>
+        <p14:creationId xmlns:p14="http://schemas.microsoft.com/office/powerpoint/2010/main" val="1190710487"/>
       </p:ext>
     </p:extLst>
   </p:cSld>
   <p:clrMapOvr>
     <a:masterClrMapping/>
   </p:clrMapOvr>
+  <p:timing>
+    <p:tnLst>
+      <p:par>
+        <p:cTn id="1" dur="indefinite" restart="never" nodeType="tmRoot"/>
+      </p:par>
+    </p:tnLst>
+  </p:timing>
 </p:sld>
 </file>
 
@@ -4956,7 +4971,7 @@
           <a:p>
             <a:r>
               <a:rPr lang="en-US" dirty="0" smtClean="0"/>
-              <a:t>Pipes</a:t>
+              <a:t>Networking and FreeBSD</a:t>
             </a:r>
             <a:endParaRPr lang="en-US" dirty="0"/>
           </a:p>
@@ -4979,22 +4994,76 @@
           <a:p>
             <a:r>
               <a:rPr lang="en-US" smtClean="0"/>
-              <a:t>A Look Inside FreeBSD with DTrace</a:t>
+              <a:t>Introduction to Operating Systems</a:t>
             </a:r>
             <a:endParaRPr lang="en-US"/>
+          </a:p>
+        </p:txBody>
+      </p:sp>
+      <p:sp>
+        <p:nvSpPr>
+          <p:cNvPr id="4" name="Text Placeholder 3"/>
+          <p:cNvSpPr>
+            <a:spLocks noGrp="1"/>
+          </p:cNvSpPr>
+          <p:nvPr>
+            <p:ph type="body" idx="4294967295"/>
+          </p:nvPr>
+        </p:nvSpPr>
+        <p:spPr/>
+        <p:txBody>
+          <a:bodyPr/>
+          <a:lstStyle/>
+          <a:p>
+            <a:r>
+              <a:rPr lang="en-US" dirty="0" smtClean="0"/>
+              <a:t>Everyone's TCP/IP Stack</a:t>
+            </a:r>
+          </a:p>
+          <a:p>
+            <a:r>
+              <a:rPr lang="en-US" dirty="0" smtClean="0"/>
+              <a:t>IPv4, IPv6, UDP, TCP, SCTP</a:t>
+            </a:r>
+          </a:p>
+          <a:p>
+            <a:r>
+              <a:rPr lang="en-US" dirty="0" smtClean="0"/>
+              <a:t>Various drivers</a:t>
+            </a:r>
+          </a:p>
+          <a:p>
+            <a:r>
+              <a:rPr lang="en-US" dirty="0" smtClean="0"/>
+              <a:t>Multiple firewalls</a:t>
+            </a:r>
+          </a:p>
+          <a:p>
+            <a:r>
+              <a:rPr lang="en-US" dirty="0" smtClean="0"/>
+              <a:t>Network stack often re-used in other projects</a:t>
+            </a:r>
+            <a:endParaRPr lang="en-US" dirty="0"/>
           </a:p>
         </p:txBody>
       </p:sp>
     </p:spTree>
     <p:extLst>
       <p:ext uri="{BB962C8B-B14F-4D97-AF65-F5344CB8AC3E}">
-        <p14:creationId xmlns:p14="http://schemas.microsoft.com/office/powerpoint/2010/main" val="1631286513"/>
+        <p14:creationId xmlns:p14="http://schemas.microsoft.com/office/powerpoint/2010/main" val="123273984"/>
       </p:ext>
     </p:extLst>
   </p:cSld>
   <p:clrMapOvr>
     <a:masterClrMapping/>
   </p:clrMapOvr>
+  <p:timing>
+    <p:tnLst>
+      <p:par>
+        <p:cTn id="1" dur="indefinite" restart="never" nodeType="tmRoot"/>
+      </p:par>
+    </p:tnLst>
+  </p:timing>
 </p:sld>
 </file>
 
@@ -5017,7 +5086,7 @@
       </p:grpSpPr>
       <p:sp>
         <p:nvSpPr>
-          <p:cNvPr id="2" name="Title 1"/>
+          <p:cNvPr id="122" name="Shape 122"/>
           <p:cNvSpPr>
             <a:spLocks noGrp="1"/>
           </p:cNvSpPr>
@@ -5025,59 +5094,73 @@
             <p:ph type="title"/>
           </p:nvPr>
         </p:nvSpPr>
-        <p:spPr/>
+        <p:spPr>
+          <a:prstGeom prst="rect">
+            <a:avLst/>
+          </a:prstGeom>
+        </p:spPr>
+        <p:txBody>
+          <a:bodyPr>
+            <a:normAutofit fontScale="90000"/>
+          </a:bodyPr>
+          <a:lstStyle>
+            <a:lvl1pPr defTabSz="543305">
+              <a:defRPr sz="7440"/>
+            </a:lvl1pPr>
+          </a:lstStyle>
+          <a:p>
+            <a:r>
+              <a:t>Latency and Bandwidth </a:t>
+            </a:r>
+          </a:p>
+        </p:txBody>
+      </p:sp>
+      <p:sp>
+        <p:nvSpPr>
+          <p:cNvPr id="123" name="Shape 123"/>
+          <p:cNvSpPr>
+            <a:spLocks noGrp="1"/>
+          </p:cNvSpPr>
+          <p:nvPr>
+            <p:ph type="body" idx="1"/>
+          </p:nvPr>
+        </p:nvSpPr>
+        <p:spPr>
+          <a:prstGeom prst="rect">
+            <a:avLst/>
+          </a:prstGeom>
+        </p:spPr>
         <p:txBody>
           <a:bodyPr/>
           <a:lstStyle/>
           <a:p>
             <a:r>
-              <a:rPr lang="en-US" dirty="0" smtClean="0"/>
-              <a:t>Pipe Demonstration</a:t>
-            </a:r>
-            <a:endParaRPr lang="en-US" dirty="0"/>
-          </a:p>
-        </p:txBody>
-      </p:sp>
-      <p:sp>
-        <p:nvSpPr>
-          <p:cNvPr id="3" name="Footer Placeholder 2"/>
-          <p:cNvSpPr>
-            <a:spLocks noGrp="1"/>
-          </p:cNvSpPr>
-          <p:nvPr>
-            <p:ph type="ftr" sz="quarter" idx="11"/>
-          </p:nvPr>
-        </p:nvSpPr>
-        <p:spPr/>
-        <p:txBody>
-          <a:bodyPr/>
-          <a:lstStyle/>
-          <a:p>
-            <a:r>
-              <a:rPr lang="en-US" smtClean="0"/>
-              <a:t>A Look Inside FreeBSD with DTrace</a:t>
-            </a:r>
-            <a:endParaRPr lang="en-US"/>
+              <a:t>Bandwidth is how much data can be moved per unit of time</a:t>
+            </a:r>
+          </a:p>
+          <a:p>
+            <a:r>
+              <a:t>Latency is how long it takes any piece of data to go from A to B</a:t>
+            </a:r>
+          </a:p>
+          <a:p>
+            <a:r>
+              <a:t>Latency has a strong influence on bandwidth</a:t>
+            </a:r>
           </a:p>
         </p:txBody>
       </p:sp>
     </p:spTree>
     <p:extLst>
       <p:ext uri="{BB962C8B-B14F-4D97-AF65-F5344CB8AC3E}">
-        <p14:creationId xmlns:p14="http://schemas.microsoft.com/office/powerpoint/2010/main" val="1190710487"/>
+        <p14:creationId xmlns:p14="http://schemas.microsoft.com/office/powerpoint/2010/main" val="1653763511"/>
       </p:ext>
     </p:extLst>
   </p:cSld>
   <p:clrMapOvr>
     <a:masterClrMapping/>
   </p:clrMapOvr>
-  <p:timing>
-    <p:tnLst>
-      <p:par>
-        <p:cTn id="1" dur="indefinite" restart="never" nodeType="tmRoot"/>
-      </p:par>
-    </p:tnLst>
-  </p:timing>
+  <p:transition spd="med"/>
 </p:sld>
 </file>
 
@@ -5100,7 +5183,7 @@
       </p:grpSpPr>
       <p:sp>
         <p:nvSpPr>
-          <p:cNvPr id="2" name="Title 1"/>
+          <p:cNvPr id="125" name="Shape 125"/>
           <p:cNvSpPr>
             <a:spLocks noGrp="1"/>
           </p:cNvSpPr>
@@ -5108,59 +5191,32 @@
             <p:ph type="title"/>
           </p:nvPr>
         </p:nvSpPr>
-        <p:spPr/>
+        <p:spPr>
+          <a:prstGeom prst="rect">
+            <a:avLst/>
+          </a:prstGeom>
+        </p:spPr>
         <p:txBody>
           <a:bodyPr/>
           <a:lstStyle/>
           <a:p>
             <a:r>
-              <a:rPr lang="en-US" dirty="0" smtClean="0"/>
-              <a:t>Networking and FreeBSD</a:t>
-            </a:r>
-            <a:endParaRPr lang="en-US" dirty="0"/>
-          </a:p>
-        </p:txBody>
-      </p:sp>
-      <p:sp>
-        <p:nvSpPr>
-          <p:cNvPr id="3" name="Footer Placeholder 2"/>
-          <p:cNvSpPr>
-            <a:spLocks noGrp="1"/>
-          </p:cNvSpPr>
-          <p:nvPr>
-            <p:ph type="ftr" sz="quarter" idx="11"/>
-          </p:nvPr>
-        </p:nvSpPr>
-        <p:spPr/>
-        <p:txBody>
-          <a:bodyPr/>
-          <a:lstStyle/>
-          <a:p>
-            <a:r>
-              <a:rPr lang="en-US" smtClean="0"/>
-              <a:t>A Look Inside FreeBSD with DTrace</a:t>
-            </a:r>
-            <a:endParaRPr lang="en-US"/>
+              <a:t>Latency</a:t>
+            </a:r>
           </a:p>
         </p:txBody>
       </p:sp>
     </p:spTree>
     <p:extLst>
       <p:ext uri="{BB962C8B-B14F-4D97-AF65-F5344CB8AC3E}">
-        <p14:creationId xmlns:p14="http://schemas.microsoft.com/office/powerpoint/2010/main" val="123273984"/>
+        <p14:creationId xmlns:p14="http://schemas.microsoft.com/office/powerpoint/2010/main" val="749078321"/>
       </p:ext>
     </p:extLst>
   </p:cSld>
   <p:clrMapOvr>
     <a:masterClrMapping/>
   </p:clrMapOvr>
-  <p:timing>
-    <p:tnLst>
-      <p:par>
-        <p:cTn id="1" dur="indefinite" restart="never" nodeType="tmRoot"/>
-      </p:par>
-    </p:tnLst>
-  </p:timing>
+  <p:transition spd="med"/>
 </p:sld>
 </file>
 
@@ -5183,7 +5239,7 @@
       </p:grpSpPr>
       <p:sp>
         <p:nvSpPr>
-          <p:cNvPr id="122" name="Shape 122"/>
+          <p:cNvPr id="127" name="Shape 127"/>
           <p:cNvSpPr>
             <a:spLocks noGrp="1"/>
           </p:cNvSpPr>
@@ -5197,24 +5253,18 @@
           </a:prstGeom>
         </p:spPr>
         <p:txBody>
-          <a:bodyPr>
-            <a:normAutofit fontScale="90000"/>
-          </a:bodyPr>
-          <a:lstStyle>
-            <a:lvl1pPr defTabSz="543305">
-              <a:defRPr sz="7440"/>
-            </a:lvl1pPr>
-          </a:lstStyle>
-          <a:p>
-            <a:r>
-              <a:t>Latency and Bandwidth </a:t>
-            </a:r>
-          </a:p>
-        </p:txBody>
-      </p:sp>
-      <p:sp>
-        <p:nvSpPr>
-          <p:cNvPr id="123" name="Shape 123"/>
+          <a:bodyPr/>
+          <a:lstStyle/>
+          <a:p>
+            <a:r>
+              <a:t>Latency</a:t>
+            </a:r>
+          </a:p>
+        </p:txBody>
+      </p:sp>
+      <p:sp>
+        <p:nvSpPr>
+          <p:cNvPr id="128" name="Shape 128"/>
           <p:cNvSpPr>
             <a:spLocks noGrp="1"/>
           </p:cNvSpPr>
@@ -5231,18 +5281,80 @@
           <a:bodyPr/>
           <a:lstStyle/>
           <a:p>
-            <a:r>
-              <a:t>Bandwidth is how much data can be moved per unit of time</a:t>
-            </a:r>
-          </a:p>
-          <a:p>
-            <a:r>
-              <a:t>Latency is how long it takes any piece of data to go from A to B</a:t>
-            </a:r>
-          </a:p>
-          <a:p>
-            <a:r>
-              <a:t>Latency has a strong influence on bandwidth</a:t>
+            <a:pPr marL="215644" indent="-215644" defTabSz="283418">
+              <a:spcBef>
+                <a:spcPts val="1969"/>
+              </a:spcBef>
+              <a:defRPr sz="2484"/>
+            </a:pPr>
+            <a:r>
+              <a:t>A nanosecond</a:t>
+            </a:r>
+          </a:p>
+          <a:p>
+            <a:pPr marL="215644" indent="-215644" defTabSz="283418">
+              <a:spcBef>
+                <a:spcPts val="1969"/>
+              </a:spcBef>
+              <a:defRPr sz="2484"/>
+            </a:pPr>
+            <a:r>
+              <a:t>A microseconds</a:t>
+            </a:r>
+          </a:p>
+          <a:p>
+            <a:pPr marL="215644" indent="-215644" defTabSz="283418">
+              <a:spcBef>
+                <a:spcPts val="1969"/>
+              </a:spcBef>
+              <a:defRPr sz="2484"/>
+            </a:pPr>
+            <a:r>
+              <a:t>Impediments</a:t>
+            </a:r>
+          </a:p>
+          <a:p>
+            <a:pPr marL="215644" indent="-215644" defTabSz="283418">
+              <a:spcBef>
+                <a:spcPts val="1969"/>
+              </a:spcBef>
+              <a:defRPr sz="2484"/>
+            </a:pPr>
+            <a:r>
+              <a:t>Switches</a:t>
+            </a:r>
+          </a:p>
+          <a:p>
+            <a:pPr marL="215644" indent="-215644" defTabSz="283418">
+              <a:spcBef>
+                <a:spcPts val="1969"/>
+              </a:spcBef>
+              <a:defRPr sz="2484"/>
+            </a:pPr>
+            <a:r>
+              <a:t>Routers</a:t>
+            </a:r>
+          </a:p>
+          <a:p>
+            <a:pPr marL="215644" indent="-215644" defTabSz="283418">
+              <a:spcBef>
+                <a:spcPts val="1969"/>
+              </a:spcBef>
+              <a:defRPr sz="2484"/>
+            </a:pPr>
+            <a:r>
+              <a:t>Links</a:t>
+            </a:r>
+          </a:p>
+          <a:p>
+            <a:pPr marL="215644" indent="-215644" defTabSz="283418">
+              <a:spcBef>
+                <a:spcPts val="1969"/>
+              </a:spcBef>
+              <a:defRPr sz="2484"/>
+            </a:pPr>
+            <a:r>
+              <a:t>Firewalls</a:t>
             </a:r>
           </a:p>
         </p:txBody>
@@ -5250,7 +5362,7 @@
     </p:spTree>
     <p:extLst>
       <p:ext uri="{BB962C8B-B14F-4D97-AF65-F5344CB8AC3E}">
-        <p14:creationId xmlns:p14="http://schemas.microsoft.com/office/powerpoint/2010/main" val="1653763511"/>
+        <p14:creationId xmlns:p14="http://schemas.microsoft.com/office/powerpoint/2010/main" val="1210202333"/>
       </p:ext>
     </p:extLst>
   </p:cSld>
@@ -5280,7 +5392,7 @@
       </p:grpSpPr>
       <p:sp>
         <p:nvSpPr>
-          <p:cNvPr id="125" name="Shape 125"/>
+          <p:cNvPr id="130" name="Shape 130"/>
           <p:cNvSpPr>
             <a:spLocks noGrp="1"/>
           </p:cNvSpPr>
@@ -5298,15 +5410,38 @@
           <a:lstStyle/>
           <a:p>
             <a:r>
-              <a:t>Latency</a:t>
-            </a:r>
+              <a:t>Longest known path</a:t>
+            </a:r>
+          </a:p>
+        </p:txBody>
+      </p:sp>
+      <p:sp>
+        <p:nvSpPr>
+          <p:cNvPr id="131" name="Shape 131"/>
+          <p:cNvSpPr>
+            <a:spLocks noGrp="1"/>
+          </p:cNvSpPr>
+          <p:nvPr>
+            <p:ph type="body" idx="1"/>
+          </p:nvPr>
+        </p:nvSpPr>
+        <p:spPr>
+          <a:prstGeom prst="rect">
+            <a:avLst/>
+          </a:prstGeom>
+        </p:spPr>
+        <p:txBody>
+          <a:bodyPr/>
+          <a:lstStyle/>
+          <a:p>
+            <a:endParaRPr/>
           </a:p>
         </p:txBody>
       </p:sp>
     </p:spTree>
     <p:extLst>
       <p:ext uri="{BB962C8B-B14F-4D97-AF65-F5344CB8AC3E}">
-        <p14:creationId xmlns:p14="http://schemas.microsoft.com/office/powerpoint/2010/main" val="749078321"/>
+        <p14:creationId xmlns:p14="http://schemas.microsoft.com/office/powerpoint/2010/main" val="1052989994"/>
       </p:ext>
     </p:extLst>
   </p:cSld>
@@ -5336,7 +5471,7 @@
       </p:grpSpPr>
       <p:sp>
         <p:nvSpPr>
-          <p:cNvPr id="127" name="Shape 127"/>
+          <p:cNvPr id="133" name="Shape 133"/>
           <p:cNvSpPr>
             <a:spLocks noGrp="1"/>
           </p:cNvSpPr>
@@ -5350,18 +5485,24 @@
           </a:prstGeom>
         </p:spPr>
         <p:txBody>
-          <a:bodyPr/>
-          <a:lstStyle/>
-          <a:p>
-            <a:r>
-              <a:t>Latency</a:t>
-            </a:r>
-          </a:p>
-        </p:txBody>
-      </p:sp>
-      <p:sp>
-        <p:nvSpPr>
-          <p:cNvPr id="128" name="Shape 128"/>
+          <a:bodyPr>
+            <a:normAutofit fontScale="90000"/>
+          </a:bodyPr>
+          <a:lstStyle>
+            <a:lvl1pPr defTabSz="473201">
+              <a:defRPr sz="6480"/>
+            </a:lvl1pPr>
+          </a:lstStyle>
+          <a:p>
+            <a:r>
+              <a:t>Effect on state maintenance</a:t>
+            </a:r>
+          </a:p>
+        </p:txBody>
+      </p:sp>
+      <p:sp>
+        <p:nvSpPr>
+          <p:cNvPr id="134" name="Shape 134"/>
           <p:cNvSpPr>
             <a:spLocks noGrp="1"/>
           </p:cNvSpPr>
@@ -5378,88 +5519,14 @@
           <a:bodyPr/>
           <a:lstStyle/>
           <a:p>
-            <a:pPr marL="215644" indent="-215644" defTabSz="283418">
-              <a:spcBef>
-                <a:spcPts val="1969"/>
-              </a:spcBef>
-              <a:defRPr sz="2484"/>
-            </a:pPr>
-            <a:r>
-              <a:t>A nanosecond</a:t>
-            </a:r>
-          </a:p>
-          <a:p>
-            <a:pPr marL="215644" indent="-215644" defTabSz="283418">
-              <a:spcBef>
-                <a:spcPts val="1969"/>
-              </a:spcBef>
-              <a:defRPr sz="2484"/>
-            </a:pPr>
-            <a:r>
-              <a:t>A microseconds</a:t>
-            </a:r>
-          </a:p>
-          <a:p>
-            <a:pPr marL="215644" indent="-215644" defTabSz="283418">
-              <a:spcBef>
-                <a:spcPts val="1969"/>
-              </a:spcBef>
-              <a:defRPr sz="2484"/>
-            </a:pPr>
-            <a:r>
-              <a:t>Impediments</a:t>
-            </a:r>
-          </a:p>
-          <a:p>
-            <a:pPr marL="215644" indent="-215644" defTabSz="283418">
-              <a:spcBef>
-                <a:spcPts val="1969"/>
-              </a:spcBef>
-              <a:defRPr sz="2484"/>
-            </a:pPr>
-            <a:r>
-              <a:t>Switches</a:t>
-            </a:r>
-          </a:p>
-          <a:p>
-            <a:pPr marL="215644" indent="-215644" defTabSz="283418">
-              <a:spcBef>
-                <a:spcPts val="1969"/>
-              </a:spcBef>
-              <a:defRPr sz="2484"/>
-            </a:pPr>
-            <a:r>
-              <a:t>Routers</a:t>
-            </a:r>
-          </a:p>
-          <a:p>
-            <a:pPr marL="215644" indent="-215644" defTabSz="283418">
-              <a:spcBef>
-                <a:spcPts val="1969"/>
-              </a:spcBef>
-              <a:defRPr sz="2484"/>
-            </a:pPr>
-            <a:r>
-              <a:t>Links</a:t>
-            </a:r>
-          </a:p>
-          <a:p>
-            <a:pPr marL="215644" indent="-215644" defTabSz="283418">
-              <a:spcBef>
-                <a:spcPts val="1969"/>
-              </a:spcBef>
-              <a:defRPr sz="2484"/>
-            </a:pPr>
-            <a:r>
-              <a:t>Firewalls</a:t>
-            </a:r>
+            <a:endParaRPr/>
           </a:p>
         </p:txBody>
       </p:sp>
     </p:spTree>
     <p:extLst>
       <p:ext uri="{BB962C8B-B14F-4D97-AF65-F5344CB8AC3E}">
-        <p14:creationId xmlns:p14="http://schemas.microsoft.com/office/powerpoint/2010/main" val="1210202333"/>
+        <p14:creationId xmlns:p14="http://schemas.microsoft.com/office/powerpoint/2010/main" val="190094231"/>
       </p:ext>
     </p:extLst>
   </p:cSld>
@@ -5489,7 +5556,7 @@
       </p:grpSpPr>
       <p:sp>
         <p:nvSpPr>
-          <p:cNvPr id="130" name="Shape 130"/>
+          <p:cNvPr id="136" name="Shape 136"/>
           <p:cNvSpPr>
             <a:spLocks noGrp="1"/>
           </p:cNvSpPr>
@@ -5507,14 +5574,14 @@
           <a:lstStyle/>
           <a:p>
             <a:r>
-              <a:t>Longest known path</a:t>
-            </a:r>
-          </a:p>
-        </p:txBody>
-      </p:sp>
-      <p:sp>
-        <p:nvSpPr>
-          <p:cNvPr id="131" name="Shape 131"/>
+              <a:t>Stop and go protocol</a:t>
+            </a:r>
+          </a:p>
+        </p:txBody>
+      </p:sp>
+      <p:sp>
+        <p:nvSpPr>
+          <p:cNvPr id="137" name="Shape 137"/>
           <p:cNvSpPr>
             <a:spLocks noGrp="1"/>
           </p:cNvSpPr>
@@ -5538,7 +5605,7 @@
     </p:spTree>
     <p:extLst>
       <p:ext uri="{BB962C8B-B14F-4D97-AF65-F5344CB8AC3E}">
-        <p14:creationId xmlns:p14="http://schemas.microsoft.com/office/powerpoint/2010/main" val="1052989994"/>
+        <p14:creationId xmlns:p14="http://schemas.microsoft.com/office/powerpoint/2010/main" val="1605557328"/>
       </p:ext>
     </p:extLst>
   </p:cSld>
@@ -5568,7 +5635,7 @@
       </p:grpSpPr>
       <p:sp>
         <p:nvSpPr>
-          <p:cNvPr id="133" name="Shape 133"/>
+          <p:cNvPr id="139" name="Shape 139"/>
           <p:cNvSpPr>
             <a:spLocks noGrp="1"/>
           </p:cNvSpPr>
@@ -5582,24 +5649,18 @@
           </a:prstGeom>
         </p:spPr>
         <p:txBody>
-          <a:bodyPr>
-            <a:normAutofit fontScale="90000"/>
-          </a:bodyPr>
-          <a:lstStyle>
-            <a:lvl1pPr defTabSz="473201">
-              <a:defRPr sz="6480"/>
-            </a:lvl1pPr>
-          </a:lstStyle>
-          <a:p>
-            <a:r>
-              <a:t>Effect on state maintenance</a:t>
-            </a:r>
-          </a:p>
-        </p:txBody>
-      </p:sp>
-      <p:sp>
-        <p:nvSpPr>
-          <p:cNvPr id="134" name="Shape 134"/>
+          <a:bodyPr/>
+          <a:lstStyle/>
+          <a:p>
+            <a:r>
+              <a:t>Sliding window</a:t>
+            </a:r>
+          </a:p>
+        </p:txBody>
+      </p:sp>
+      <p:sp>
+        <p:nvSpPr>
+          <p:cNvPr id="140" name="Shape 140"/>
           <p:cNvSpPr>
             <a:spLocks noGrp="1"/>
           </p:cNvSpPr>
@@ -5623,7 +5684,7 @@
     </p:spTree>
     <p:extLst>
       <p:ext uri="{BB962C8B-B14F-4D97-AF65-F5344CB8AC3E}">
-        <p14:creationId xmlns:p14="http://schemas.microsoft.com/office/powerpoint/2010/main" val="190094231"/>
+        <p14:creationId xmlns:p14="http://schemas.microsoft.com/office/powerpoint/2010/main" val="1469987141"/>
       </p:ext>
     </p:extLst>
   </p:cSld>
@@ -5653,7 +5714,7 @@
       </p:grpSpPr>
       <p:sp>
         <p:nvSpPr>
-          <p:cNvPr id="136" name="Shape 136"/>
+          <p:cNvPr id="2" name="Title 1"/>
           <p:cNvSpPr>
             <a:spLocks noGrp="1"/>
           </p:cNvSpPr>
@@ -5661,55 +5722,99 @@
             <p:ph type="title"/>
           </p:nvPr>
         </p:nvSpPr>
-        <p:spPr>
-          <a:prstGeom prst="rect">
-            <a:avLst/>
-          </a:prstGeom>
-        </p:spPr>
+        <p:spPr/>
         <p:txBody>
           <a:bodyPr/>
           <a:lstStyle/>
           <a:p>
             <a:r>
-              <a:t>Stop and go protocol</a:t>
-            </a:r>
-          </a:p>
-        </p:txBody>
-      </p:sp>
-      <p:sp>
-        <p:nvSpPr>
-          <p:cNvPr id="137" name="Shape 137"/>
-          <p:cNvSpPr>
-            <a:spLocks noGrp="1"/>
-          </p:cNvSpPr>
-          <p:nvPr>
-            <p:ph type="body" idx="1"/>
-          </p:nvPr>
-        </p:nvSpPr>
-        <p:spPr>
-          <a:prstGeom prst="rect">
-            <a:avLst/>
-          </a:prstGeom>
-        </p:spPr>
+              <a:rPr lang="en-US" dirty="0"/>
+              <a:t>Networking: The ISO Model</a:t>
+            </a:r>
+          </a:p>
+        </p:txBody>
+      </p:sp>
+      <p:sp>
+        <p:nvSpPr>
+          <p:cNvPr id="3" name="Footer Placeholder 2"/>
+          <p:cNvSpPr>
+            <a:spLocks noGrp="1"/>
+          </p:cNvSpPr>
+          <p:nvPr>
+            <p:ph type="ftr" sz="quarter" idx="11"/>
+          </p:nvPr>
+        </p:nvSpPr>
+        <p:spPr/>
         <p:txBody>
           <a:bodyPr/>
           <a:lstStyle/>
           <a:p>
-            <a:endParaRPr/>
+            <a:r>
+              <a:rPr lang="en-US" smtClean="0"/>
+              <a:t>Introduction to Operating Systems</a:t>
+            </a:r>
+            <a:endParaRPr lang="en-US"/>
+          </a:p>
+        </p:txBody>
+      </p:sp>
+      <p:sp>
+        <p:nvSpPr>
+          <p:cNvPr id="4" name="Text Placeholder 3"/>
+          <p:cNvSpPr>
+            <a:spLocks noGrp="1"/>
+          </p:cNvSpPr>
+          <p:nvPr>
+            <p:ph type="body" idx="4294967295"/>
+          </p:nvPr>
+        </p:nvSpPr>
+        <p:spPr/>
+        <p:txBody>
+          <a:bodyPr/>
+          <a:lstStyle/>
+          <a:p>
+            <a:r>
+              <a:rPr lang="en-US" dirty="0" smtClean="0"/>
+              <a:t>Canonical description of network protocols</a:t>
+            </a:r>
+          </a:p>
+          <a:p>
+            <a:r>
+              <a:rPr lang="en-US" dirty="0" smtClean="0"/>
+              <a:t>Each protocol is layered on top of another</a:t>
+            </a:r>
+          </a:p>
+          <a:p>
+            <a:r>
+              <a:rPr lang="en-US" dirty="0" smtClean="0"/>
+              <a:t>Seven layers in all</a:t>
+            </a:r>
+          </a:p>
+          <a:p>
+            <a:r>
+              <a:rPr lang="en-US" dirty="0" smtClean="0"/>
+              <a:t>Beware Van Jacobsen's warning!</a:t>
+            </a:r>
+            <a:endParaRPr lang="en-US" dirty="0"/>
           </a:p>
         </p:txBody>
       </p:sp>
     </p:spTree>
     <p:extLst>
       <p:ext uri="{BB962C8B-B14F-4D97-AF65-F5344CB8AC3E}">
-        <p14:creationId xmlns:p14="http://schemas.microsoft.com/office/powerpoint/2010/main" val="1605557328"/>
+        <p14:creationId xmlns:p14="http://schemas.microsoft.com/office/powerpoint/2010/main" val="1782851518"/>
       </p:ext>
     </p:extLst>
   </p:cSld>
   <p:clrMapOvr>
     <a:masterClrMapping/>
   </p:clrMapOvr>
-  <p:transition spd="med"/>
+  <p:timing>
+    <p:tnLst>
+      <p:par>
+        <p:cTn id="1" dur="indefinite" restart="never" nodeType="tmRoot"/>
+      </p:par>
+    </p:tnLst>
+  </p:timing>
 </p:sld>
 </file>
 
@@ -5747,7 +5852,7 @@
           <a:p>
             <a:r>
               <a:rPr lang="en-US" dirty="0" smtClean="0"/>
-              <a:t>Review</a:t>
+              <a:t>Goals of IPC</a:t>
             </a:r>
             <a:endParaRPr lang="en-US" dirty="0"/>
           </a:p>
@@ -5755,7 +5860,7 @@
       </p:sp>
       <p:sp>
         <p:nvSpPr>
-          <p:cNvPr id="3" name="Content Placeholder 2"/>
+          <p:cNvPr id="4" name="Text Placeholder 3"/>
           <p:cNvSpPr>
             <a:spLocks noGrp="1"/>
           </p:cNvSpPr>
@@ -5768,13 +5873,29 @@
           <a:bodyPr/>
           <a:lstStyle/>
           <a:p>
+            <a:r>
+              <a:rPr lang="en-US" dirty="0" smtClean="0"/>
+              <a:t>Data Sharing</a:t>
+            </a:r>
+          </a:p>
+          <a:p>
+            <a:r>
+              <a:rPr lang="en-US" dirty="0" smtClean="0"/>
+              <a:t>Signaling events</a:t>
+            </a:r>
+          </a:p>
+          <a:p>
+            <a:r>
+              <a:rPr lang="en-US" dirty="0" smtClean="0"/>
+              <a:t>Control of multiple processes</a:t>
+            </a:r>
             <a:endParaRPr lang="en-US" dirty="0"/>
           </a:p>
         </p:txBody>
       </p:sp>
       <p:sp>
         <p:nvSpPr>
-          <p:cNvPr id="5" name="Footer Placeholder 4"/>
+          <p:cNvPr id="3" name="Footer Placeholder 2"/>
           <p:cNvSpPr>
             <a:spLocks noGrp="1"/>
           </p:cNvSpPr>
@@ -5789,29 +5910,22 @@
           <a:p>
             <a:r>
               <a:rPr lang="en-US" smtClean="0"/>
-              <a:t>A Look Inside FreeBSD with DTrace</a:t>
-            </a:r>
-            <a:endParaRPr lang="en-US" dirty="0"/>
+              <a:t>Introduction to Operating Systems</a:t>
+            </a:r>
+            <a:endParaRPr lang="en-US"/>
           </a:p>
         </p:txBody>
       </p:sp>
     </p:spTree>
     <p:extLst>
       <p:ext uri="{BB962C8B-B14F-4D97-AF65-F5344CB8AC3E}">
-        <p14:creationId xmlns:p14="http://schemas.microsoft.com/office/powerpoint/2010/main" val="1886148566"/>
+        <p14:creationId xmlns:p14="http://schemas.microsoft.com/office/powerpoint/2010/main" val="1570897971"/>
       </p:ext>
     </p:extLst>
   </p:cSld>
   <p:clrMapOvr>
     <a:masterClrMapping/>
   </p:clrMapOvr>
-  <p:timing>
-    <p:tnLst>
-      <p:par>
-        <p:cTn id="1" dur="indefinite" restart="never" nodeType="tmRoot"/>
-      </p:par>
-    </p:tnLst>
-  </p:timing>
 </p:sld>
 </file>
 
@@ -5834,167 +5948,6 @@
       </p:grpSpPr>
       <p:sp>
         <p:nvSpPr>
-          <p:cNvPr id="139" name="Shape 139"/>
-          <p:cNvSpPr>
-            <a:spLocks noGrp="1"/>
-          </p:cNvSpPr>
-          <p:nvPr>
-            <p:ph type="title"/>
-          </p:nvPr>
-        </p:nvSpPr>
-        <p:spPr>
-          <a:prstGeom prst="rect">
-            <a:avLst/>
-          </a:prstGeom>
-        </p:spPr>
-        <p:txBody>
-          <a:bodyPr/>
-          <a:lstStyle/>
-          <a:p>
-            <a:r>
-              <a:t>Sliding window</a:t>
-            </a:r>
-          </a:p>
-        </p:txBody>
-      </p:sp>
-      <p:sp>
-        <p:nvSpPr>
-          <p:cNvPr id="140" name="Shape 140"/>
-          <p:cNvSpPr>
-            <a:spLocks noGrp="1"/>
-          </p:cNvSpPr>
-          <p:nvPr>
-            <p:ph type="body" idx="1"/>
-          </p:nvPr>
-        </p:nvSpPr>
-        <p:spPr>
-          <a:prstGeom prst="rect">
-            <a:avLst/>
-          </a:prstGeom>
-        </p:spPr>
-        <p:txBody>
-          <a:bodyPr/>
-          <a:lstStyle/>
-          <a:p>
-            <a:endParaRPr/>
-          </a:p>
-        </p:txBody>
-      </p:sp>
-    </p:spTree>
-    <p:extLst>
-      <p:ext uri="{BB962C8B-B14F-4D97-AF65-F5344CB8AC3E}">
-        <p14:creationId xmlns:p14="http://schemas.microsoft.com/office/powerpoint/2010/main" val="1469987141"/>
-      </p:ext>
-    </p:extLst>
-  </p:cSld>
-  <p:clrMapOvr>
-    <a:masterClrMapping/>
-  </p:clrMapOvr>
-  <p:transition spd="med"/>
-</p:sld>
-</file>
-
-<file path=ppt/slides/slide21.xml><?xml version="1.0" encoding="utf-8"?>
-<p:sld xmlns:a="http://schemas.openxmlformats.org/drawingml/2006/main" xmlns:r="http://schemas.openxmlformats.org/officeDocument/2006/relationships" xmlns:p="http://schemas.openxmlformats.org/presentationml/2006/main">
-  <p:cSld>
-    <p:spTree>
-      <p:nvGrpSpPr>
-        <p:cNvPr id="1" name=""/>
-        <p:cNvGrpSpPr/>
-        <p:nvPr/>
-      </p:nvGrpSpPr>
-      <p:grpSpPr>
-        <a:xfrm>
-          <a:off x="0" y="0"/>
-          <a:ext cx="0" cy="0"/>
-          <a:chOff x="0" y="0"/>
-          <a:chExt cx="0" cy="0"/>
-        </a:xfrm>
-      </p:grpSpPr>
-      <p:sp>
-        <p:nvSpPr>
-          <p:cNvPr id="2" name="Title 1"/>
-          <p:cNvSpPr>
-            <a:spLocks noGrp="1"/>
-          </p:cNvSpPr>
-          <p:nvPr>
-            <p:ph type="title"/>
-          </p:nvPr>
-        </p:nvSpPr>
-        <p:spPr/>
-        <p:txBody>
-          <a:bodyPr/>
-          <a:lstStyle/>
-          <a:p>
-            <a:r>
-              <a:rPr lang="en-US" dirty="0"/>
-              <a:t>Networking: The ISO Model</a:t>
-            </a:r>
-          </a:p>
-        </p:txBody>
-      </p:sp>
-      <p:sp>
-        <p:nvSpPr>
-          <p:cNvPr id="3" name="Footer Placeholder 2"/>
-          <p:cNvSpPr>
-            <a:spLocks noGrp="1"/>
-          </p:cNvSpPr>
-          <p:nvPr>
-            <p:ph type="ftr" sz="quarter" idx="11"/>
-          </p:nvPr>
-        </p:nvSpPr>
-        <p:spPr/>
-        <p:txBody>
-          <a:bodyPr/>
-          <a:lstStyle/>
-          <a:p>
-            <a:r>
-              <a:rPr lang="en-US" smtClean="0"/>
-              <a:t>A Look Inside FreeBSD with DTrace</a:t>
-            </a:r>
-            <a:endParaRPr lang="en-US"/>
-          </a:p>
-        </p:txBody>
-      </p:sp>
-    </p:spTree>
-    <p:extLst>
-      <p:ext uri="{BB962C8B-B14F-4D97-AF65-F5344CB8AC3E}">
-        <p14:creationId xmlns:p14="http://schemas.microsoft.com/office/powerpoint/2010/main" val="1782851518"/>
-      </p:ext>
-    </p:extLst>
-  </p:cSld>
-  <p:clrMapOvr>
-    <a:masterClrMapping/>
-  </p:clrMapOvr>
-  <p:timing>
-    <p:tnLst>
-      <p:par>
-        <p:cTn id="1" dur="indefinite" restart="never" nodeType="tmRoot"/>
-      </p:par>
-    </p:tnLst>
-  </p:timing>
-</p:sld>
-</file>
-
-<file path=ppt/slides/slide22.xml><?xml version="1.0" encoding="utf-8"?>
-<p:sld xmlns:a="http://schemas.openxmlformats.org/drawingml/2006/main" xmlns:r="http://schemas.openxmlformats.org/officeDocument/2006/relationships" xmlns:p="http://schemas.openxmlformats.org/presentationml/2006/main">
-  <p:cSld>
-    <p:spTree>
-      <p:nvGrpSpPr>
-        <p:cNvPr id="1" name=""/>
-        <p:cNvGrpSpPr/>
-        <p:nvPr/>
-      </p:nvGrpSpPr>
-      <p:grpSpPr>
-        <a:xfrm>
-          <a:off x="0" y="0"/>
-          <a:ext cx="0" cy="0"/>
-          <a:chOff x="0" y="0"/>
-          <a:chExt cx="0" cy="0"/>
-        </a:xfrm>
-      </p:grpSpPr>
-      <p:sp>
-        <p:nvSpPr>
           <p:cNvPr id="2" name="Title 1"/>
           <p:cNvSpPr>
             <a:spLocks noGrp="1"/>
@@ -6032,7 +5985,7 @@
           <a:p>
             <a:r>
               <a:rPr lang="en-US" smtClean="0"/>
-              <a:t>A Look Inside FreeBSD with DTrace</a:t>
+              <a:t>Introduction to Operating Systems</a:t>
             </a:r>
             <a:endParaRPr lang="en-US"/>
           </a:p>
@@ -7762,6 +7715,268 @@
 </p:sld>
 </file>
 
+<file path=ppt/slides/slide21.xml><?xml version="1.0" encoding="utf-8"?>
+<p:sld xmlns:a="http://schemas.openxmlformats.org/drawingml/2006/main" xmlns:r="http://schemas.openxmlformats.org/officeDocument/2006/relationships" xmlns:p="http://schemas.openxmlformats.org/presentationml/2006/main">
+  <p:cSld>
+    <p:spTree>
+      <p:nvGrpSpPr>
+        <p:cNvPr id="1" name=""/>
+        <p:cNvGrpSpPr/>
+        <p:nvPr/>
+      </p:nvGrpSpPr>
+      <p:grpSpPr>
+        <a:xfrm>
+          <a:off x="0" y="0"/>
+          <a:ext cx="0" cy="0"/>
+          <a:chOff x="0" y="0"/>
+          <a:chExt cx="0" cy="0"/>
+        </a:xfrm>
+      </p:grpSpPr>
+      <p:sp>
+        <p:nvSpPr>
+          <p:cNvPr id="2" name="Title 1"/>
+          <p:cNvSpPr>
+            <a:spLocks noGrp="1"/>
+          </p:cNvSpPr>
+          <p:nvPr>
+            <p:ph type="title"/>
+          </p:nvPr>
+        </p:nvSpPr>
+        <p:spPr/>
+        <p:txBody>
+          <a:bodyPr/>
+          <a:lstStyle/>
+          <a:p>
+            <a:r>
+              <a:rPr lang="en-US" dirty="0" smtClean="0"/>
+              <a:t>The User Program View</a:t>
+            </a:r>
+            <a:endParaRPr lang="en-US" dirty="0"/>
+          </a:p>
+        </p:txBody>
+      </p:sp>
+      <p:sp>
+        <p:nvSpPr>
+          <p:cNvPr id="3" name="Footer Placeholder 2"/>
+          <p:cNvSpPr>
+            <a:spLocks noGrp="1"/>
+          </p:cNvSpPr>
+          <p:nvPr>
+            <p:ph type="ftr" sz="quarter" idx="11"/>
+          </p:nvPr>
+        </p:nvSpPr>
+        <p:spPr/>
+        <p:txBody>
+          <a:bodyPr/>
+          <a:lstStyle/>
+          <a:p>
+            <a:r>
+              <a:rPr lang="en-US" smtClean="0"/>
+              <a:t>Introduction to Operating Systems</a:t>
+            </a:r>
+            <a:endParaRPr lang="en-US"/>
+          </a:p>
+        </p:txBody>
+      </p:sp>
+      <p:sp>
+        <p:nvSpPr>
+          <p:cNvPr id="4" name="Text Placeholder 3"/>
+          <p:cNvSpPr>
+            <a:spLocks noGrp="1"/>
+          </p:cNvSpPr>
+          <p:nvPr>
+            <p:ph type="body" idx="4294967295"/>
+          </p:nvPr>
+        </p:nvSpPr>
+        <p:spPr/>
+        <p:txBody>
+          <a:bodyPr/>
+          <a:lstStyle/>
+          <a:p>
+            <a:r>
+              <a:rPr lang="en-US" dirty="0" smtClean="0"/>
+              <a:t>User programs use sockets</a:t>
+            </a:r>
+          </a:p>
+          <a:p>
+            <a:r>
+              <a:rPr lang="en-US" dirty="0" smtClean="0"/>
+              <a:t>Network programs follow UNIX model</a:t>
+            </a:r>
+          </a:p>
+          <a:p>
+            <a:r>
+              <a:rPr lang="en-US" dirty="0" smtClean="0"/>
+              <a:t>Flexible interfaces for different protocols</a:t>
+            </a:r>
+            <a:endParaRPr lang="en-US" dirty="0"/>
+          </a:p>
+        </p:txBody>
+      </p:sp>
+    </p:spTree>
+    <p:extLst>
+      <p:ext uri="{BB962C8B-B14F-4D97-AF65-F5344CB8AC3E}">
+        <p14:creationId xmlns:p14="http://schemas.microsoft.com/office/powerpoint/2010/main" val="617307164"/>
+      </p:ext>
+    </p:extLst>
+  </p:cSld>
+  <p:clrMapOvr>
+    <a:masterClrMapping/>
+  </p:clrMapOvr>
+  <p:timing>
+    <p:tnLst>
+      <p:par>
+        <p:cTn id="1" dur="indefinite" restart="never" nodeType="tmRoot"/>
+      </p:par>
+    </p:tnLst>
+  </p:timing>
+</p:sld>
+</file>
+
+<file path=ppt/slides/slide22.xml><?xml version="1.0" encoding="utf-8"?>
+<p:sld xmlns:a="http://schemas.openxmlformats.org/drawingml/2006/main" xmlns:r="http://schemas.openxmlformats.org/officeDocument/2006/relationships" xmlns:p="http://schemas.openxmlformats.org/presentationml/2006/main">
+  <p:cSld>
+    <p:spTree>
+      <p:nvGrpSpPr>
+        <p:cNvPr id="1" name=""/>
+        <p:cNvGrpSpPr/>
+        <p:nvPr/>
+      </p:nvGrpSpPr>
+      <p:grpSpPr>
+        <a:xfrm>
+          <a:off x="0" y="0"/>
+          <a:ext cx="0" cy="0"/>
+          <a:chOff x="0" y="0"/>
+          <a:chExt cx="0" cy="0"/>
+        </a:xfrm>
+      </p:grpSpPr>
+      <p:sp>
+        <p:nvSpPr>
+          <p:cNvPr id="2" name="Title 1"/>
+          <p:cNvSpPr>
+            <a:spLocks noGrp="1"/>
+          </p:cNvSpPr>
+          <p:nvPr>
+            <p:ph type="title"/>
+          </p:nvPr>
+        </p:nvSpPr>
+        <p:spPr/>
+        <p:txBody>
+          <a:bodyPr/>
+          <a:lstStyle/>
+          <a:p>
+            <a:r>
+              <a:rPr lang="en-US" dirty="0" smtClean="0"/>
+              <a:t>Sockets</a:t>
+            </a:r>
+            <a:endParaRPr lang="en-US" dirty="0"/>
+          </a:p>
+        </p:txBody>
+      </p:sp>
+      <p:sp>
+        <p:nvSpPr>
+          <p:cNvPr id="3" name="Footer Placeholder 2"/>
+          <p:cNvSpPr>
+            <a:spLocks noGrp="1"/>
+          </p:cNvSpPr>
+          <p:nvPr>
+            <p:ph type="ftr" sz="quarter" idx="11"/>
+          </p:nvPr>
+        </p:nvSpPr>
+        <p:spPr/>
+        <p:txBody>
+          <a:bodyPr/>
+          <a:lstStyle/>
+          <a:p>
+            <a:r>
+              <a:rPr lang="en-US" smtClean="0"/>
+              <a:t>Introduction to Operating Systems</a:t>
+            </a:r>
+            <a:endParaRPr lang="en-US"/>
+          </a:p>
+        </p:txBody>
+      </p:sp>
+      <p:sp>
+        <p:nvSpPr>
+          <p:cNvPr id="4" name="Text Placeholder 3"/>
+          <p:cNvSpPr>
+            <a:spLocks noGrp="1"/>
+          </p:cNvSpPr>
+          <p:nvPr>
+            <p:ph type="body" idx="4294967295"/>
+          </p:nvPr>
+        </p:nvSpPr>
+        <p:spPr/>
+        <p:txBody>
+          <a:bodyPr/>
+          <a:lstStyle/>
+          <a:p>
+            <a:r>
+              <a:rPr lang="en-US" dirty="0" smtClean="0"/>
+              <a:t>Main programmer interface to networking</a:t>
+            </a:r>
+          </a:p>
+          <a:p>
+            <a:r>
+              <a:rPr lang="en-US" dirty="0" smtClean="0"/>
+              <a:t>Generic API</a:t>
+            </a:r>
+          </a:p>
+          <a:p>
+            <a:r>
+              <a:rPr lang="en-US" dirty="0" smtClean="0"/>
+              <a:t>Attempts to support read/write semantics</a:t>
+            </a:r>
+          </a:p>
+          <a:p>
+            <a:r>
+              <a:rPr lang="en-US" dirty="0" smtClean="0">
+                <a:latin typeface="Courier" charset="0"/>
+                <a:ea typeface="Courier" charset="0"/>
+                <a:cs typeface="Courier" charset="0"/>
+              </a:rPr>
+              <a:t>socket() </a:t>
+            </a:r>
+            <a:r>
+              <a:rPr lang="en-US" dirty="0" smtClean="0"/>
+              <a:t>is the equivalent of </a:t>
+            </a:r>
+            <a:r>
+              <a:rPr lang="en-US" dirty="0" smtClean="0">
+                <a:latin typeface="Courier" charset="0"/>
+                <a:ea typeface="Courier" charset="0"/>
+                <a:cs typeface="Courier" charset="0"/>
+              </a:rPr>
+              <a:t>open()</a:t>
+            </a:r>
+            <a:endParaRPr lang="en-US" dirty="0">
+              <a:latin typeface="Courier" charset="0"/>
+              <a:ea typeface="Courier" charset="0"/>
+              <a:cs typeface="Courier" charset="0"/>
+            </a:endParaRPr>
+          </a:p>
+        </p:txBody>
+      </p:sp>
+    </p:spTree>
+    <p:extLst>
+      <p:ext uri="{BB962C8B-B14F-4D97-AF65-F5344CB8AC3E}">
+        <p14:creationId xmlns:p14="http://schemas.microsoft.com/office/powerpoint/2010/main" val="815712111"/>
+      </p:ext>
+    </p:extLst>
+  </p:cSld>
+  <p:clrMapOvr>
+    <a:masterClrMapping/>
+  </p:clrMapOvr>
+  <p:timing>
+    <p:tnLst>
+      <p:par>
+        <p:cTn id="1" dur="indefinite" restart="never" nodeType="tmRoot"/>
+      </p:par>
+    </p:tnLst>
+  </p:timing>
+</p:sld>
+</file>
+
 <file path=ppt/slides/slide23.xml><?xml version="1.0" encoding="utf-8"?>
 <p:sld xmlns:a="http://schemas.openxmlformats.org/drawingml/2006/main" xmlns:r="http://schemas.openxmlformats.org/officeDocument/2006/relationships" xmlns:p="http://schemas.openxmlformats.org/presentationml/2006/main">
   <p:cSld>
@@ -7796,7 +8011,7 @@
           <a:p>
             <a:r>
               <a:rPr lang="en-US" dirty="0" smtClean="0"/>
-              <a:t>The User Program View</a:t>
+              <a:t>Socket System Calls</a:t>
             </a:r>
             <a:endParaRPr lang="en-US" dirty="0"/>
           </a:p>
@@ -7819,16 +8034,240 @@
           <a:p>
             <a:r>
               <a:rPr lang="en-US" smtClean="0"/>
-              <a:t>A Look Inside FreeBSD with DTrace</a:t>
+              <a:t>Introduction to Operating Systems</a:t>
             </a:r>
             <a:endParaRPr lang="en-US"/>
           </a:p>
         </p:txBody>
       </p:sp>
+      <p:graphicFrame>
+        <p:nvGraphicFramePr>
+          <p:cNvPr id="6" name="Table 5"/>
+          <p:cNvGraphicFramePr>
+            <a:graphicFrameLocks noGrp="1"/>
+          </p:cNvGraphicFramePr>
+          <p:nvPr>
+            <p:extLst>
+              <p:ext uri="{D42A27DB-BD31-4B8C-83A1-F6EECF244321}">
+                <p14:modId xmlns:p14="http://schemas.microsoft.com/office/powerpoint/2010/main" val="150439163"/>
+              </p:ext>
+            </p:extLst>
+          </p:nvPr>
+        </p:nvGraphicFramePr>
+        <p:xfrm>
+          <a:off x="1097280" y="1590538"/>
+          <a:ext cx="9939316" cy="2219960"/>
+        </p:xfrm>
+        <a:graphic>
+          <a:graphicData uri="http://schemas.openxmlformats.org/drawingml/2006/table">
+            <a:tbl>
+              <a:tblPr firstRow="1" bandRow="1">
+                <a:tableStyleId>{5C22544A-7EE6-4342-B048-85BDC9FD1C3A}</a:tableStyleId>
+              </a:tblPr>
+              <a:tblGrid>
+                <a:gridCol w="4969658"/>
+                <a:gridCol w="4969658"/>
+              </a:tblGrid>
+              <a:tr h="329834">
+                <a:tc>
+                  <a:txBody>
+                    <a:bodyPr/>
+                    <a:lstStyle/>
+                    <a:p>
+                      <a:r>
+                        <a:rPr lang="en-US" dirty="0" smtClean="0"/>
+                        <a:t>System Call</a:t>
+                      </a:r>
+                      <a:endParaRPr lang="en-US" dirty="0"/>
+                    </a:p>
+                  </a:txBody>
+                  <a:tcPr/>
+                </a:tc>
+                <a:tc>
+                  <a:txBody>
+                    <a:bodyPr/>
+                    <a:lstStyle/>
+                    <a:p>
+                      <a:r>
+                        <a:rPr lang="en-US" dirty="0" smtClean="0"/>
+                        <a:t>Purpose</a:t>
+                      </a:r>
+                      <a:endParaRPr lang="en-US" dirty="0"/>
+                    </a:p>
+                  </a:txBody>
+                  <a:tcPr/>
+                </a:tc>
+              </a:tr>
+              <a:tr h="370840">
+                <a:tc>
+                  <a:txBody>
+                    <a:bodyPr/>
+                    <a:lstStyle/>
+                    <a:p>
+                      <a:r>
+                        <a:rPr lang="en-US" dirty="0" smtClean="0"/>
+                        <a:t>socket()</a:t>
+                      </a:r>
+                      <a:endParaRPr lang="en-US" dirty="0"/>
+                    </a:p>
+                  </a:txBody>
+                  <a:tcPr/>
+                </a:tc>
+                <a:tc>
+                  <a:txBody>
+                    <a:bodyPr/>
+                    <a:lstStyle/>
+                    <a:p>
+                      <a:r>
+                        <a:rPr lang="en-US" dirty="0" smtClean="0"/>
+                        <a:t>Returns a file descriptor.</a:t>
+                      </a:r>
+                      <a:r>
+                        <a:rPr lang="en-US" baseline="0" dirty="0" smtClean="0"/>
+                        <a:t>  Called first.</a:t>
+                      </a:r>
+                      <a:endParaRPr lang="en-US" dirty="0"/>
+                    </a:p>
+                  </a:txBody>
+                  <a:tcPr/>
+                </a:tc>
+              </a:tr>
+              <a:tr h="370840">
+                <a:tc>
+                  <a:txBody>
+                    <a:bodyPr/>
+                    <a:lstStyle/>
+                    <a:p>
+                      <a:r>
+                        <a:rPr lang="en-US" dirty="0" smtClean="0"/>
+                        <a:t>connect()</a:t>
+                      </a:r>
+                      <a:endParaRPr lang="en-US" dirty="0"/>
+                    </a:p>
+                  </a:txBody>
+                  <a:tcPr/>
+                </a:tc>
+                <a:tc>
+                  <a:txBody>
+                    <a:bodyPr/>
+                    <a:lstStyle/>
+                    <a:p>
+                      <a:r>
+                        <a:rPr lang="en-US" dirty="0" smtClean="0"/>
+                        <a:t>Connect to a remote system.</a:t>
+                      </a:r>
+                      <a:endParaRPr lang="en-US" dirty="0"/>
+                    </a:p>
+                  </a:txBody>
+                  <a:tcPr/>
+                </a:tc>
+              </a:tr>
+              <a:tr h="370840">
+                <a:tc>
+                  <a:txBody>
+                    <a:bodyPr/>
+                    <a:lstStyle/>
+                    <a:p>
+                      <a:r>
+                        <a:rPr lang="en-US" dirty="0" smtClean="0"/>
+                        <a:t>bind()</a:t>
+                      </a:r>
+                      <a:endParaRPr lang="en-US" dirty="0"/>
+                    </a:p>
+                  </a:txBody>
+                  <a:tcPr/>
+                </a:tc>
+                <a:tc>
+                  <a:txBody>
+                    <a:bodyPr/>
+                    <a:lstStyle/>
+                    <a:p>
+                      <a:r>
+                        <a:rPr lang="en-US" dirty="0" smtClean="0"/>
+                        <a:t>Bind a local</a:t>
+                      </a:r>
+                      <a:r>
+                        <a:rPr lang="en-US" baseline="0" dirty="0" smtClean="0"/>
+                        <a:t> port for incoming connections.</a:t>
+                      </a:r>
+                      <a:endParaRPr lang="en-US" dirty="0"/>
+                    </a:p>
+                  </a:txBody>
+                  <a:tcPr/>
+                </a:tc>
+              </a:tr>
+              <a:tr h="370840">
+                <a:tc>
+                  <a:txBody>
+                    <a:bodyPr/>
+                    <a:lstStyle/>
+                    <a:p>
+                      <a:r>
+                        <a:rPr lang="en-US" dirty="0" smtClean="0"/>
+                        <a:t>listen()</a:t>
+                      </a:r>
+                      <a:endParaRPr lang="en-US" dirty="0"/>
+                    </a:p>
+                  </a:txBody>
+                  <a:tcPr/>
+                </a:tc>
+                <a:tc>
+                  <a:txBody>
+                    <a:bodyPr/>
+                    <a:lstStyle/>
+                    <a:p>
+                      <a:r>
+                        <a:rPr lang="en-US" dirty="0" smtClean="0"/>
+                        <a:t>Listen for new connections.</a:t>
+                      </a:r>
+                      <a:endParaRPr lang="en-US" dirty="0"/>
+                    </a:p>
+                  </a:txBody>
+                  <a:tcPr/>
+                </a:tc>
+              </a:tr>
+              <a:tr h="370840">
+                <a:tc>
+                  <a:txBody>
+                    <a:bodyPr/>
+                    <a:lstStyle/>
+                    <a:p>
+                      <a:r>
+                        <a:rPr lang="en-US" dirty="0" smtClean="0"/>
+                        <a:t>accept()</a:t>
+                      </a:r>
+                      <a:endParaRPr lang="en-US" dirty="0"/>
+                    </a:p>
+                  </a:txBody>
+                  <a:tcPr/>
+                </a:tc>
+                <a:tc>
+                  <a:txBody>
+                    <a:bodyPr/>
+                    <a:lstStyle/>
+                    <a:p>
+                      <a:r>
+                        <a:rPr lang="en-US" dirty="0" smtClean="0"/>
+                        <a:t>A</a:t>
+                      </a:r>
+                      <a:r>
+                        <a:rPr lang="en-US" baseline="0" dirty="0" smtClean="0"/>
+                        <a:t>ccept a new connection.  Creates a new socket.</a:t>
+                      </a:r>
+                      <a:endParaRPr lang="en-US" dirty="0"/>
+                    </a:p>
+                  </a:txBody>
+                  <a:tcPr/>
+                </a:tc>
+              </a:tr>
+            </a:tbl>
+          </a:graphicData>
+        </a:graphic>
+      </p:graphicFrame>
     </p:spTree>
     <p:extLst>
       <p:ext uri="{BB962C8B-B14F-4D97-AF65-F5344CB8AC3E}">
-        <p14:creationId xmlns:p14="http://schemas.microsoft.com/office/powerpoint/2010/main" val="617307164"/>
+        <p14:creationId xmlns:p14="http://schemas.microsoft.com/office/powerpoint/2010/main" val="601453821"/>
       </p:ext>
     </p:extLst>
   </p:cSld>
@@ -7877,9 +8316,10 @@
           <a:bodyPr/>
           <a:lstStyle/>
           <a:p>
+            <a:pPr algn="ctr"/>
             <a:r>
               <a:rPr lang="en-US" dirty="0" smtClean="0"/>
-              <a:t>Sockets</a:t>
+              <a:t>Transferring Data on Sockets</a:t>
             </a:r>
             <a:endParaRPr lang="en-US" dirty="0"/>
           </a:p>
@@ -7902,16 +8342,278 @@
           <a:p>
             <a:r>
               <a:rPr lang="en-US" smtClean="0"/>
-              <a:t>A Look Inside FreeBSD with DTrace</a:t>
+              <a:t>Introduction to Operating Systems</a:t>
             </a:r>
             <a:endParaRPr lang="en-US"/>
           </a:p>
         </p:txBody>
       </p:sp>
+      <p:graphicFrame>
+        <p:nvGraphicFramePr>
+          <p:cNvPr id="5" name="Table 4"/>
+          <p:cNvGraphicFramePr>
+            <a:graphicFrameLocks noGrp="1"/>
+          </p:cNvGraphicFramePr>
+          <p:nvPr>
+            <p:extLst>
+              <p:ext uri="{D42A27DB-BD31-4B8C-83A1-F6EECF244321}">
+                <p14:modId xmlns:p14="http://schemas.microsoft.com/office/powerpoint/2010/main" val="793124193"/>
+              </p:ext>
+            </p:extLst>
+          </p:nvPr>
+        </p:nvGraphicFramePr>
+        <p:xfrm>
+          <a:off x="2136908" y="1655331"/>
+          <a:ext cx="8128000" cy="2595880"/>
+        </p:xfrm>
+        <a:graphic>
+          <a:graphicData uri="http://schemas.openxmlformats.org/drawingml/2006/table">
+            <a:tbl>
+              <a:tblPr firstRow="1" bandRow="1">
+                <a:tableStyleId>{5C22544A-7EE6-4342-B048-85BDC9FD1C3A}</a:tableStyleId>
+              </a:tblPr>
+              <a:tblGrid>
+                <a:gridCol w="4064000"/>
+                <a:gridCol w="4064000"/>
+              </a:tblGrid>
+              <a:tr h="370840">
+                <a:tc>
+                  <a:txBody>
+                    <a:bodyPr/>
+                    <a:lstStyle/>
+                    <a:p>
+                      <a:r>
+                        <a:rPr lang="en-US" dirty="0" smtClean="0"/>
+                        <a:t>System Call</a:t>
+                      </a:r>
+                      <a:endParaRPr lang="en-US" dirty="0"/>
+                    </a:p>
+                  </a:txBody>
+                  <a:tcPr/>
+                </a:tc>
+                <a:tc>
+                  <a:txBody>
+                    <a:bodyPr/>
+                    <a:lstStyle/>
+                    <a:p>
+                      <a:r>
+                        <a:rPr lang="en-US" dirty="0" smtClean="0"/>
+                        <a:t>Purpose</a:t>
+                      </a:r>
+                      <a:endParaRPr lang="en-US" dirty="0"/>
+                    </a:p>
+                  </a:txBody>
+                  <a:tcPr/>
+                </a:tc>
+              </a:tr>
+              <a:tr h="370840">
+                <a:tc>
+                  <a:txBody>
+                    <a:bodyPr/>
+                    <a:lstStyle/>
+                    <a:p>
+                      <a:r>
+                        <a:rPr lang="en-US" dirty="0" smtClean="0"/>
+                        <a:t>read()</a:t>
+                      </a:r>
+                      <a:endParaRPr lang="en-US" dirty="0"/>
+                    </a:p>
+                  </a:txBody>
+                  <a:tcPr/>
+                </a:tc>
+                <a:tc>
+                  <a:txBody>
+                    <a:bodyPr/>
+                    <a:lstStyle/>
+                    <a:p>
+                      <a:r>
+                        <a:rPr lang="en-US" dirty="0" smtClean="0"/>
+                        <a:t>Just like a file read()</a:t>
+                      </a:r>
+                      <a:endParaRPr lang="en-US" dirty="0"/>
+                    </a:p>
+                  </a:txBody>
+                  <a:tcPr/>
+                </a:tc>
+              </a:tr>
+              <a:tr h="370840">
+                <a:tc>
+                  <a:txBody>
+                    <a:bodyPr/>
+                    <a:lstStyle/>
+                    <a:p>
+                      <a:r>
+                        <a:rPr lang="en-US" dirty="0" smtClean="0"/>
+                        <a:t>write()</a:t>
+                      </a:r>
+                      <a:endParaRPr lang="en-US" dirty="0"/>
+                    </a:p>
+                  </a:txBody>
+                  <a:tcPr/>
+                </a:tc>
+                <a:tc>
+                  <a:txBody>
+                    <a:bodyPr/>
+                    <a:lstStyle/>
+                    <a:p>
+                      <a:r>
+                        <a:rPr lang="en-US" dirty="0" smtClean="0"/>
+                        <a:t>Just like a file write()</a:t>
+                      </a:r>
+                      <a:endParaRPr lang="en-US" dirty="0"/>
+                    </a:p>
+                  </a:txBody>
+                  <a:tcPr/>
+                </a:tc>
+              </a:tr>
+              <a:tr h="370840">
+                <a:tc>
+                  <a:txBody>
+                    <a:bodyPr/>
+                    <a:lstStyle/>
+                    <a:p>
+                      <a:r>
+                        <a:rPr lang="en-US" dirty="0" err="1" smtClean="0"/>
+                        <a:t>recv</a:t>
+                      </a:r>
+                      <a:r>
+                        <a:rPr lang="en-US" dirty="0" smtClean="0"/>
+                        <a:t>()</a:t>
+                      </a:r>
+                      <a:endParaRPr lang="en-US" dirty="0"/>
+                    </a:p>
+                  </a:txBody>
+                  <a:tcPr/>
+                </a:tc>
+                <a:tc>
+                  <a:txBody>
+                    <a:bodyPr/>
+                    <a:lstStyle/>
+                    <a:p>
+                      <a:r>
+                        <a:rPr lang="en-US" dirty="0" smtClean="0"/>
+                        <a:t>Receive a single message or datagram</a:t>
+                      </a:r>
+                      <a:endParaRPr lang="en-US" dirty="0"/>
+                    </a:p>
+                  </a:txBody>
+                  <a:tcPr/>
+                </a:tc>
+              </a:tr>
+              <a:tr h="370840">
+                <a:tc>
+                  <a:txBody>
+                    <a:bodyPr/>
+                    <a:lstStyle/>
+                    <a:p>
+                      <a:r>
+                        <a:rPr lang="en-US" dirty="0" smtClean="0"/>
+                        <a:t>send()</a:t>
+                      </a:r>
+                      <a:endParaRPr lang="en-US" dirty="0"/>
+                    </a:p>
+                  </a:txBody>
+                  <a:tcPr/>
+                </a:tc>
+                <a:tc>
+                  <a:txBody>
+                    <a:bodyPr/>
+                    <a:lstStyle/>
+                    <a:p>
+                      <a:r>
+                        <a:rPr lang="en-US" dirty="0" smtClean="0"/>
+                        <a:t>Send a single message or datagram</a:t>
+                      </a:r>
+                      <a:endParaRPr lang="en-US" dirty="0"/>
+                    </a:p>
+                  </a:txBody>
+                  <a:tcPr/>
+                </a:tc>
+              </a:tr>
+              <a:tr h="370840">
+                <a:tc>
+                  <a:txBody>
+                    <a:bodyPr/>
+                    <a:lstStyle/>
+                    <a:p>
+                      <a:r>
+                        <a:rPr lang="en-US" dirty="0" err="1" smtClean="0"/>
+                        <a:t>recvmsg</a:t>
+                      </a:r>
+                      <a:r>
+                        <a:rPr lang="en-US" dirty="0" smtClean="0"/>
+                        <a:t>()</a:t>
+                      </a:r>
+                      <a:endParaRPr lang="en-US" dirty="0"/>
+                    </a:p>
+                  </a:txBody>
+                  <a:tcPr/>
+                </a:tc>
+                <a:tc>
+                  <a:txBody>
+                    <a:bodyPr/>
+                    <a:lstStyle/>
+                    <a:p>
+                      <a:r>
+                        <a:rPr lang="en-US" dirty="0" smtClean="0"/>
+                        <a:t>As </a:t>
+                      </a:r>
+                      <a:r>
+                        <a:rPr lang="en-US" dirty="0" err="1" smtClean="0"/>
+                        <a:t>recv</a:t>
+                      </a:r>
+                      <a:r>
+                        <a:rPr lang="en-US" dirty="0" smtClean="0"/>
+                        <a:t>() with extra meta-data</a:t>
+                      </a:r>
+                      <a:endParaRPr lang="en-US" dirty="0"/>
+                    </a:p>
+                  </a:txBody>
+                  <a:tcPr/>
+                </a:tc>
+              </a:tr>
+              <a:tr h="370840">
+                <a:tc>
+                  <a:txBody>
+                    <a:bodyPr/>
+                    <a:lstStyle/>
+                    <a:p>
+                      <a:r>
+                        <a:rPr lang="en-US" dirty="0" err="1" smtClean="0"/>
+                        <a:t>sendmsg</a:t>
+                      </a:r>
+                      <a:r>
+                        <a:rPr lang="en-US" dirty="0" smtClean="0"/>
+                        <a:t>()</a:t>
+                      </a:r>
+                      <a:endParaRPr lang="en-US" dirty="0"/>
+                    </a:p>
+                  </a:txBody>
+                  <a:tcPr/>
+                </a:tc>
+                <a:tc>
+                  <a:txBody>
+                    <a:bodyPr/>
+                    <a:lstStyle/>
+                    <a:p>
+                      <a:r>
+                        <a:rPr lang="en-US" dirty="0" smtClean="0"/>
+                        <a:t>As send() with extra meta-data</a:t>
+                      </a:r>
+                      <a:endParaRPr lang="en-US" dirty="0"/>
+                    </a:p>
+                  </a:txBody>
+                  <a:tcPr/>
+                </a:tc>
+              </a:tr>
+            </a:tbl>
+          </a:graphicData>
+        </a:graphic>
+      </p:graphicFrame>
     </p:spTree>
     <p:extLst>
       <p:ext uri="{BB962C8B-B14F-4D97-AF65-F5344CB8AC3E}">
-        <p14:creationId xmlns:p14="http://schemas.microsoft.com/office/powerpoint/2010/main" val="815712111"/>
+        <p14:creationId xmlns:p14="http://schemas.microsoft.com/office/powerpoint/2010/main" val="343013659"/>
       </p:ext>
     </p:extLst>
   </p:cSld>
@@ -7962,7 +8664,7 @@
           <a:p>
             <a:r>
               <a:rPr lang="en-US" dirty="0" smtClean="0"/>
-              <a:t>Socket System Calls</a:t>
+              <a:t>Network Stack Internals</a:t>
             </a:r>
             <a:endParaRPr lang="en-US" dirty="0"/>
           </a:p>
@@ -7985,16 +8687,46 @@
           <a:p>
             <a:r>
               <a:rPr lang="en-US" smtClean="0"/>
-              <a:t>A Look Inside FreeBSD with DTrace</a:t>
+              <a:t>Introduction to Operating Systems</a:t>
             </a:r>
             <a:endParaRPr lang="en-US"/>
           </a:p>
         </p:txBody>
       </p:sp>
+      <p:pic>
+        <p:nvPicPr>
+          <p:cNvPr id="4" name="Picture 3"/>
+          <p:cNvPicPr>
+            <a:picLocks noChangeAspect="1"/>
+          </p:cNvPicPr>
+          <p:nvPr/>
+        </p:nvPicPr>
+        <p:blipFill>
+          <a:blip r:embed="rId2">
+            <a:extLst>
+              <a:ext uri="{28A0092B-C50C-407E-A947-70E740481C1C}">
+                <a14:useLocalDpi xmlns:a14="http://schemas.microsoft.com/office/drawing/2010/main" val="0"/>
+              </a:ext>
+            </a:extLst>
+          </a:blip>
+          <a:stretch>
+            <a:fillRect/>
+          </a:stretch>
+        </p:blipFill>
+        <p:spPr>
+          <a:xfrm>
+            <a:off x="2440161" y="1454365"/>
+            <a:ext cx="6068828" cy="4712266"/>
+          </a:xfrm>
+          <a:prstGeom prst="rect">
+            <a:avLst/>
+          </a:prstGeom>
+        </p:spPr>
+      </p:pic>
     </p:spTree>
     <p:extLst>
       <p:ext uri="{BB962C8B-B14F-4D97-AF65-F5344CB8AC3E}">
-        <p14:creationId xmlns:p14="http://schemas.microsoft.com/office/powerpoint/2010/main" val="601453821"/>
+        <p14:creationId xmlns:p14="http://schemas.microsoft.com/office/powerpoint/2010/main" val="1149122477"/>
       </p:ext>
     </p:extLst>
   </p:cSld>
@@ -8043,9 +8775,10 @@
           <a:bodyPr/>
           <a:lstStyle/>
           <a:p>
+            <a:pPr algn="ctr"/>
             <a:r>
               <a:rPr lang="en-US" dirty="0" smtClean="0"/>
-              <a:t>Transferring Data on Sockets</a:t>
+              <a:t>UDP</a:t>
             </a:r>
             <a:endParaRPr lang="en-US" dirty="0"/>
           </a:p>
@@ -8068,16 +8801,95 @@
           <a:p>
             <a:r>
               <a:rPr lang="en-US" smtClean="0"/>
-              <a:t>A Look Inside FreeBSD with DTrace</a:t>
+              <a:t>Introduction to Operating Systems</a:t>
             </a:r>
             <a:endParaRPr lang="en-US"/>
+          </a:p>
+        </p:txBody>
+      </p:sp>
+      <p:sp>
+        <p:nvSpPr>
+          <p:cNvPr id="4" name="Text Placeholder 3"/>
+          <p:cNvSpPr>
+            <a:spLocks noGrp="1"/>
+          </p:cNvSpPr>
+          <p:nvPr>
+            <p:ph type="body" idx="4294967295"/>
+          </p:nvPr>
+        </p:nvSpPr>
+        <p:spPr/>
+        <p:txBody>
+          <a:bodyPr/>
+          <a:lstStyle/>
+          <a:p>
+            <a:r>
+              <a:rPr lang="en-US" dirty="0" smtClean="0"/>
+              <a:t> Simplest transport protocol</a:t>
+            </a:r>
+          </a:p>
+          <a:p>
+            <a:r>
+              <a:rPr lang="en-US" dirty="0" smtClean="0"/>
+              <a:t>No states to maintain</a:t>
+            </a:r>
+          </a:p>
+          <a:p>
+            <a:r>
+              <a:rPr lang="en-US" dirty="0" smtClean="0"/>
+              <a:t>Data is sent immediately</a:t>
+            </a:r>
+          </a:p>
+          <a:p>
+            <a:r>
+              <a:rPr lang="en-US" dirty="0" smtClean="0"/>
+              <a:t>Supports multicast</a:t>
+            </a:r>
+          </a:p>
+          <a:p>
+            <a:r>
+              <a:rPr lang="en-US" dirty="0" smtClean="0"/>
+              <a:t>Only </a:t>
+            </a:r>
+            <a:r>
+              <a:rPr lang="en-US" dirty="0" err="1" smtClean="0"/>
+              <a:t>DTrace</a:t>
+            </a:r>
+            <a:r>
+              <a:rPr lang="en-US" dirty="0" smtClean="0"/>
+              <a:t> probes are </a:t>
+            </a:r>
+            <a:r>
+              <a:rPr lang="en-US" dirty="0" smtClean="0">
+                <a:latin typeface="Courier" charset="0"/>
+                <a:ea typeface="Courier" charset="0"/>
+                <a:cs typeface="Courier" charset="0"/>
+              </a:rPr>
+              <a:t>send</a:t>
+            </a:r>
+            <a:r>
+              <a:rPr lang="en-US" dirty="0" smtClean="0"/>
+              <a:t> and </a:t>
+            </a:r>
+            <a:r>
+              <a:rPr lang="en-US" dirty="0" smtClean="0">
+                <a:latin typeface="Courier" charset="0"/>
+                <a:ea typeface="Courier" charset="0"/>
+                <a:cs typeface="Courier" charset="0"/>
+              </a:rPr>
+              <a:t>receive</a:t>
+            </a:r>
+            <a:endParaRPr lang="en-US" dirty="0">
+              <a:latin typeface="Courier" charset="0"/>
+              <a:ea typeface="Courier" charset="0"/>
+              <a:cs typeface="Courier" charset="0"/>
+            </a:endParaRPr>
           </a:p>
         </p:txBody>
       </p:sp>
     </p:spTree>
     <p:extLst>
       <p:ext uri="{BB962C8B-B14F-4D97-AF65-F5344CB8AC3E}">
-        <p14:creationId xmlns:p14="http://schemas.microsoft.com/office/powerpoint/2010/main" val="343013659"/>
+        <p14:creationId xmlns:p14="http://schemas.microsoft.com/office/powerpoint/2010/main" val="1101299506"/>
       </p:ext>
     </p:extLst>
   </p:cSld>
@@ -8128,7 +8940,7 @@
           <a:p>
             <a:r>
               <a:rPr lang="en-US" dirty="0" smtClean="0"/>
-              <a:t>Network Stack Internals</a:t>
+              <a:t>TCP</a:t>
             </a:r>
             <a:endParaRPr lang="en-US" dirty="0"/>
           </a:p>
@@ -8151,16 +8963,65 @@
           <a:p>
             <a:r>
               <a:rPr lang="en-US" smtClean="0"/>
-              <a:t>A Look Inside FreeBSD with DTrace</a:t>
+              <a:t>Introduction to Operating Systems</a:t>
             </a:r>
             <a:endParaRPr lang="en-US"/>
+          </a:p>
+        </p:txBody>
+      </p:sp>
+      <p:sp>
+        <p:nvSpPr>
+          <p:cNvPr id="4" name="Text Placeholder 3"/>
+          <p:cNvSpPr>
+            <a:spLocks noGrp="1"/>
+          </p:cNvSpPr>
+          <p:nvPr>
+            <p:ph type="body" idx="4294967295"/>
+          </p:nvPr>
+        </p:nvSpPr>
+        <p:spPr/>
+        <p:txBody>
+          <a:bodyPr/>
+          <a:lstStyle/>
+          <a:p>
+            <a:r>
+              <a:rPr lang="en-US" dirty="0" smtClean="0"/>
+              <a:t>Transmission Control Protocol</a:t>
+            </a:r>
+          </a:p>
+          <a:p>
+            <a:r>
+              <a:rPr lang="en-US" dirty="0" smtClean="0"/>
+              <a:t>Stream based</a:t>
+            </a:r>
+          </a:p>
+          <a:p>
+            <a:r>
+              <a:rPr lang="en-US" dirty="0" smtClean="0"/>
+              <a:t>In order delivery</a:t>
+            </a:r>
+          </a:p>
+          <a:p>
+            <a:r>
+              <a:rPr lang="en-US" dirty="0" smtClean="0"/>
+              <a:t>Maintains the </a:t>
+            </a:r>
+            <a:r>
+              <a:rPr lang="en-US" i="1" dirty="0" smtClean="0"/>
+              <a:t>illusion</a:t>
+            </a:r>
+            <a:r>
+              <a:rPr lang="en-US" dirty="0" smtClean="0"/>
+              <a:t> of a byte stream</a:t>
+            </a:r>
+            <a:endParaRPr lang="en-US" dirty="0"/>
           </a:p>
         </p:txBody>
       </p:sp>
     </p:spTree>
     <p:extLst>
       <p:ext uri="{BB962C8B-B14F-4D97-AF65-F5344CB8AC3E}">
-        <p14:creationId xmlns:p14="http://schemas.microsoft.com/office/powerpoint/2010/main" val="1149122477"/>
+        <p14:creationId xmlns:p14="http://schemas.microsoft.com/office/powerpoint/2010/main" val="1533581487"/>
       </p:ext>
     </p:extLst>
   </p:cSld>
@@ -8211,7 +9072,7 @@
           <a:p>
             <a:r>
               <a:rPr lang="en-US" dirty="0" smtClean="0"/>
-              <a:t>UDP</a:t>
+              <a:t>Three Way Handshake</a:t>
             </a:r>
             <a:endParaRPr lang="en-US" dirty="0"/>
           </a:p>
@@ -8234,16 +9095,69 @@
           <a:p>
             <a:r>
               <a:rPr lang="en-US" smtClean="0"/>
-              <a:t>A Look Inside FreeBSD with DTrace</a:t>
+              <a:t>Introduction to Operating Systems</a:t>
             </a:r>
             <a:endParaRPr lang="en-US"/>
+          </a:p>
+        </p:txBody>
+      </p:sp>
+      <p:sp>
+        <p:nvSpPr>
+          <p:cNvPr id="4" name="Text Placeholder 3"/>
+          <p:cNvSpPr>
+            <a:spLocks noGrp="1"/>
+          </p:cNvSpPr>
+          <p:nvPr>
+            <p:ph type="body" idx="4294967295"/>
+          </p:nvPr>
+        </p:nvSpPr>
+        <p:spPr/>
+        <p:txBody>
+          <a:bodyPr/>
+          <a:lstStyle/>
+          <a:p>
+            <a:r>
+              <a:rPr lang="en-US" dirty="0" smtClean="0"/>
+              <a:t>Initiating a connection between two nodes</a:t>
+            </a:r>
+          </a:p>
+          <a:p>
+            <a:pPr marL="457200" indent="-457200">
+              <a:buFont typeface="+mj-lt"/>
+              <a:buAutoNum type="arabicPeriod"/>
+            </a:pPr>
+            <a:r>
+              <a:rPr lang="en-US" dirty="0" smtClean="0"/>
+              <a:t>Start a connection with a Synchronize (SYN) packet.</a:t>
+            </a:r>
+          </a:p>
+          <a:p>
+            <a:pPr marL="457200" indent="-457200">
+              <a:buFont typeface="+mj-lt"/>
+              <a:buAutoNum type="arabicPeriod"/>
+            </a:pPr>
+            <a:r>
+              <a:rPr lang="en-US" dirty="0" smtClean="0"/>
+              <a:t>Acknowledge the first SYN and initiate a full connection (SYN/ACK)</a:t>
+            </a:r>
+          </a:p>
+          <a:p>
+            <a:pPr marL="457200" indent="-457200">
+              <a:buFont typeface="+mj-lt"/>
+              <a:buAutoNum type="arabicPeriod"/>
+            </a:pPr>
+            <a:r>
+              <a:rPr lang="en-US" dirty="0" smtClean="0"/>
+              <a:t>Acknowledge the second SYN.</a:t>
+            </a:r>
+            <a:endParaRPr lang="en-US" dirty="0"/>
           </a:p>
         </p:txBody>
       </p:sp>
     </p:spTree>
     <p:extLst>
       <p:ext uri="{BB962C8B-B14F-4D97-AF65-F5344CB8AC3E}">
-        <p14:creationId xmlns:p14="http://schemas.microsoft.com/office/powerpoint/2010/main" val="1101299506"/>
+        <p14:creationId xmlns:p14="http://schemas.microsoft.com/office/powerpoint/2010/main" val="704180349"/>
       </p:ext>
     </p:extLst>
   </p:cSld>
@@ -8294,7 +9208,7 @@
           <a:p>
             <a:r>
               <a:rPr lang="en-US" dirty="0" smtClean="0"/>
-              <a:t>TCP</a:t>
+              <a:t>Starting a Connection</a:t>
             </a:r>
             <a:endParaRPr lang="en-US" dirty="0"/>
           </a:p>
@@ -8317,16 +9231,703 @@
           <a:p>
             <a:r>
               <a:rPr lang="en-US" smtClean="0"/>
-              <a:t>A Look Inside FreeBSD with DTrace</a:t>
+              <a:t>Introduction to Operating Systems</a:t>
             </a:r>
             <a:endParaRPr lang="en-US"/>
+          </a:p>
+        </p:txBody>
+      </p:sp>
+      <p:cxnSp>
+        <p:nvCxnSpPr>
+          <p:cNvPr id="5" name="Straight Arrow Connector 4"/>
+          <p:cNvCxnSpPr/>
+          <p:nvPr/>
+        </p:nvCxnSpPr>
+        <p:spPr>
+          <a:xfrm>
+            <a:off x="4698989" y="1998921"/>
+            <a:ext cx="31898" cy="4167962"/>
+          </a:xfrm>
+          <a:prstGeom prst="straightConnector1">
+            <a:avLst/>
+          </a:prstGeom>
+          <a:ln w="38100">
+            <a:solidFill>
+              <a:schemeClr val="tx1"/>
+            </a:solidFill>
+            <a:tailEnd type="triangle"/>
+          </a:ln>
+        </p:spPr>
+        <p:style>
+          <a:lnRef idx="1">
+            <a:schemeClr val="accent1"/>
+          </a:lnRef>
+          <a:fillRef idx="0">
+            <a:schemeClr val="accent1"/>
+          </a:fillRef>
+          <a:effectRef idx="0">
+            <a:schemeClr val="accent1"/>
+          </a:effectRef>
+          <a:fontRef idx="minor">
+            <a:schemeClr val="tx1"/>
+          </a:fontRef>
+        </p:style>
+      </p:cxnSp>
+      <p:cxnSp>
+        <p:nvCxnSpPr>
+          <p:cNvPr id="6" name="Straight Arrow Connector 5"/>
+          <p:cNvCxnSpPr/>
+          <p:nvPr/>
+        </p:nvCxnSpPr>
+        <p:spPr>
+          <a:xfrm>
+            <a:off x="7583956" y="1998921"/>
+            <a:ext cx="31898" cy="4167962"/>
+          </a:xfrm>
+          <a:prstGeom prst="straightConnector1">
+            <a:avLst/>
+          </a:prstGeom>
+          <a:ln w="38100">
+            <a:solidFill>
+              <a:schemeClr val="tx1"/>
+            </a:solidFill>
+            <a:tailEnd type="triangle"/>
+          </a:ln>
+        </p:spPr>
+        <p:style>
+          <a:lnRef idx="1">
+            <a:schemeClr val="accent1"/>
+          </a:lnRef>
+          <a:fillRef idx="0">
+            <a:schemeClr val="accent1"/>
+          </a:fillRef>
+          <a:effectRef idx="0">
+            <a:schemeClr val="accent1"/>
+          </a:effectRef>
+          <a:fontRef idx="minor">
+            <a:schemeClr val="tx1"/>
+          </a:fontRef>
+        </p:style>
+      </p:cxnSp>
+      <p:sp>
+        <p:nvSpPr>
+          <p:cNvPr id="17" name="Rectangle 16"/>
+          <p:cNvSpPr/>
+          <p:nvPr/>
+        </p:nvSpPr>
+        <p:spPr>
+          <a:xfrm>
+            <a:off x="2944617" y="1998921"/>
+            <a:ext cx="1594884" cy="523542"/>
+          </a:xfrm>
+          <a:prstGeom prst="rect">
+            <a:avLst/>
+          </a:prstGeom>
+          <a:solidFill>
+            <a:srgbClr val="00B050"/>
+          </a:solidFill>
+          <a:ln>
+            <a:solidFill>
+              <a:srgbClr val="00B050"/>
+            </a:solidFill>
+          </a:ln>
+        </p:spPr>
+        <p:style>
+          <a:lnRef idx="2">
+            <a:schemeClr val="accent1">
+              <a:shade val="50000"/>
+            </a:schemeClr>
+          </a:lnRef>
+          <a:fillRef idx="1">
+            <a:schemeClr val="accent1"/>
+          </a:fillRef>
+          <a:effectRef idx="0">
+            <a:schemeClr val="accent1"/>
+          </a:effectRef>
+          <a:fontRef idx="minor">
+            <a:schemeClr val="lt1"/>
+          </a:fontRef>
+        </p:style>
+        <p:txBody>
+          <a:bodyPr rtlCol="0" anchor="ctr"/>
+          <a:lstStyle/>
+          <a:p>
+            <a:pPr algn="ctr"/>
+            <a:r>
+              <a:rPr lang="en-US" dirty="0" smtClean="0"/>
+              <a:t>Closed</a:t>
+            </a:r>
+            <a:endParaRPr lang="en-US" dirty="0"/>
+          </a:p>
+        </p:txBody>
+      </p:sp>
+      <p:sp>
+        <p:nvSpPr>
+          <p:cNvPr id="18" name="Rectangle 17"/>
+          <p:cNvSpPr/>
+          <p:nvPr/>
+        </p:nvSpPr>
+        <p:spPr>
+          <a:xfrm>
+            <a:off x="7711547" y="2009554"/>
+            <a:ext cx="1594884" cy="523542"/>
+          </a:xfrm>
+          <a:prstGeom prst="rect">
+            <a:avLst/>
+          </a:prstGeom>
+          <a:solidFill>
+            <a:srgbClr val="00B050"/>
+          </a:solidFill>
+          <a:ln>
+            <a:solidFill>
+              <a:srgbClr val="00B050"/>
+            </a:solidFill>
+          </a:ln>
+        </p:spPr>
+        <p:style>
+          <a:lnRef idx="2">
+            <a:schemeClr val="accent1">
+              <a:shade val="50000"/>
+            </a:schemeClr>
+          </a:lnRef>
+          <a:fillRef idx="1">
+            <a:schemeClr val="accent1"/>
+          </a:fillRef>
+          <a:effectRef idx="0">
+            <a:schemeClr val="accent1"/>
+          </a:effectRef>
+          <a:fontRef idx="minor">
+            <a:schemeClr val="lt1"/>
+          </a:fontRef>
+        </p:style>
+        <p:txBody>
+          <a:bodyPr rtlCol="0" anchor="ctr"/>
+          <a:lstStyle/>
+          <a:p>
+            <a:pPr algn="ctr"/>
+            <a:r>
+              <a:rPr lang="en-US" dirty="0" smtClean="0"/>
+              <a:t>Closed</a:t>
+            </a:r>
+            <a:endParaRPr lang="en-US" dirty="0"/>
+          </a:p>
+        </p:txBody>
+      </p:sp>
+      <p:sp>
+        <p:nvSpPr>
+          <p:cNvPr id="20" name="Rectangle 19"/>
+          <p:cNvSpPr/>
+          <p:nvPr/>
+        </p:nvSpPr>
+        <p:spPr>
+          <a:xfrm>
+            <a:off x="7711547" y="2789631"/>
+            <a:ext cx="1594884" cy="523542"/>
+          </a:xfrm>
+          <a:prstGeom prst="rect">
+            <a:avLst/>
+          </a:prstGeom>
+          <a:solidFill>
+            <a:srgbClr val="00B050"/>
+          </a:solidFill>
+          <a:ln>
+            <a:solidFill>
+              <a:srgbClr val="00B050"/>
+            </a:solidFill>
+          </a:ln>
+        </p:spPr>
+        <p:style>
+          <a:lnRef idx="2">
+            <a:schemeClr val="accent1">
+              <a:shade val="50000"/>
+            </a:schemeClr>
+          </a:lnRef>
+          <a:fillRef idx="1">
+            <a:schemeClr val="accent1"/>
+          </a:fillRef>
+          <a:effectRef idx="0">
+            <a:schemeClr val="accent1"/>
+          </a:effectRef>
+          <a:fontRef idx="minor">
+            <a:schemeClr val="lt1"/>
+          </a:fontRef>
+        </p:style>
+        <p:txBody>
+          <a:bodyPr rtlCol="0" anchor="ctr"/>
+          <a:lstStyle/>
+          <a:p>
+            <a:pPr algn="ctr"/>
+            <a:r>
+              <a:rPr lang="en-US" dirty="0" smtClean="0"/>
+              <a:t>SYN RCVD</a:t>
+            </a:r>
+            <a:endParaRPr lang="en-US" dirty="0"/>
+          </a:p>
+        </p:txBody>
+      </p:sp>
+      <p:sp>
+        <p:nvSpPr>
+          <p:cNvPr id="22" name="Rectangle 21"/>
+          <p:cNvSpPr/>
+          <p:nvPr/>
+        </p:nvSpPr>
+        <p:spPr>
+          <a:xfrm>
+            <a:off x="2944617" y="2789631"/>
+            <a:ext cx="1594884" cy="523542"/>
+          </a:xfrm>
+          <a:prstGeom prst="rect">
+            <a:avLst/>
+          </a:prstGeom>
+          <a:solidFill>
+            <a:srgbClr val="00B050"/>
+          </a:solidFill>
+          <a:ln>
+            <a:solidFill>
+              <a:srgbClr val="00B050"/>
+            </a:solidFill>
+          </a:ln>
+        </p:spPr>
+        <p:style>
+          <a:lnRef idx="2">
+            <a:schemeClr val="accent1">
+              <a:shade val="50000"/>
+            </a:schemeClr>
+          </a:lnRef>
+          <a:fillRef idx="1">
+            <a:schemeClr val="accent1"/>
+          </a:fillRef>
+          <a:effectRef idx="0">
+            <a:schemeClr val="accent1"/>
+          </a:effectRef>
+          <a:fontRef idx="minor">
+            <a:schemeClr val="lt1"/>
+          </a:fontRef>
+        </p:style>
+        <p:txBody>
+          <a:bodyPr rtlCol="0" anchor="ctr"/>
+          <a:lstStyle/>
+          <a:p>
+            <a:pPr algn="ctr"/>
+            <a:r>
+              <a:rPr lang="en-US" dirty="0" smtClean="0"/>
+              <a:t>SYN SENT</a:t>
+            </a:r>
+            <a:endParaRPr lang="en-US" dirty="0"/>
+          </a:p>
+        </p:txBody>
+      </p:sp>
+      <p:sp>
+        <p:nvSpPr>
+          <p:cNvPr id="23" name="Rectangle 22"/>
+          <p:cNvSpPr/>
+          <p:nvPr/>
+        </p:nvSpPr>
+        <p:spPr>
+          <a:xfrm>
+            <a:off x="2944617" y="4032651"/>
+            <a:ext cx="1594884" cy="523542"/>
+          </a:xfrm>
+          <a:prstGeom prst="rect">
+            <a:avLst/>
+          </a:prstGeom>
+          <a:solidFill>
+            <a:srgbClr val="00B050"/>
+          </a:solidFill>
+          <a:ln>
+            <a:solidFill>
+              <a:srgbClr val="00B050"/>
+            </a:solidFill>
+          </a:ln>
+        </p:spPr>
+        <p:style>
+          <a:lnRef idx="2">
+            <a:schemeClr val="accent1">
+              <a:shade val="50000"/>
+            </a:schemeClr>
+          </a:lnRef>
+          <a:fillRef idx="1">
+            <a:schemeClr val="accent1"/>
+          </a:fillRef>
+          <a:effectRef idx="0">
+            <a:schemeClr val="accent1"/>
+          </a:effectRef>
+          <a:fontRef idx="minor">
+            <a:schemeClr val="lt1"/>
+          </a:fontRef>
+        </p:style>
+        <p:txBody>
+          <a:bodyPr rtlCol="0" anchor="ctr"/>
+          <a:lstStyle/>
+          <a:p>
+            <a:pPr algn="ctr"/>
+            <a:r>
+              <a:rPr lang="en-US" dirty="0" smtClean="0"/>
+              <a:t>ESTABLISHED</a:t>
+            </a:r>
+            <a:endParaRPr lang="en-US" dirty="0"/>
+          </a:p>
+        </p:txBody>
+      </p:sp>
+      <p:sp>
+        <p:nvSpPr>
+          <p:cNvPr id="25" name="Rectangle 24"/>
+          <p:cNvSpPr/>
+          <p:nvPr/>
+        </p:nvSpPr>
+        <p:spPr>
+          <a:xfrm>
+            <a:off x="7711547" y="5054872"/>
+            <a:ext cx="1594884" cy="523542"/>
+          </a:xfrm>
+          <a:prstGeom prst="rect">
+            <a:avLst/>
+          </a:prstGeom>
+          <a:solidFill>
+            <a:srgbClr val="00B050"/>
+          </a:solidFill>
+          <a:ln>
+            <a:solidFill>
+              <a:srgbClr val="00B050"/>
+            </a:solidFill>
+          </a:ln>
+        </p:spPr>
+        <p:style>
+          <a:lnRef idx="2">
+            <a:schemeClr val="accent1">
+              <a:shade val="50000"/>
+            </a:schemeClr>
+          </a:lnRef>
+          <a:fillRef idx="1">
+            <a:schemeClr val="accent1"/>
+          </a:fillRef>
+          <a:effectRef idx="0">
+            <a:schemeClr val="accent1"/>
+          </a:effectRef>
+          <a:fontRef idx="minor">
+            <a:schemeClr val="lt1"/>
+          </a:fontRef>
+        </p:style>
+        <p:txBody>
+          <a:bodyPr rtlCol="0" anchor="ctr"/>
+          <a:lstStyle/>
+          <a:p>
+            <a:pPr algn="ctr"/>
+            <a:r>
+              <a:rPr lang="en-US" dirty="0" smtClean="0"/>
+              <a:t>ESTABLISHED</a:t>
+            </a:r>
+            <a:endParaRPr lang="en-US" dirty="0"/>
+          </a:p>
+        </p:txBody>
+      </p:sp>
+      <p:grpSp>
+        <p:nvGrpSpPr>
+          <p:cNvPr id="30" name="Group 29"/>
+          <p:cNvGrpSpPr/>
+          <p:nvPr/>
+        </p:nvGrpSpPr>
+        <p:grpSpPr>
+          <a:xfrm>
+            <a:off x="4698989" y="2255565"/>
+            <a:ext cx="2884967" cy="827877"/>
+            <a:chOff x="4827181" y="1925956"/>
+            <a:chExt cx="2884967" cy="827877"/>
+          </a:xfrm>
+        </p:grpSpPr>
+        <p:cxnSp>
+          <p:nvCxnSpPr>
+            <p:cNvPr id="7" name="Straight Arrow Connector 6"/>
+            <p:cNvCxnSpPr/>
+            <p:nvPr/>
+          </p:nvCxnSpPr>
+          <p:spPr>
+            <a:xfrm>
+              <a:off x="4827181" y="1931083"/>
+              <a:ext cx="2884967" cy="822750"/>
+            </a:xfrm>
+            <a:prstGeom prst="straightConnector1">
+              <a:avLst/>
+            </a:prstGeom>
+            <a:ln w="38100">
+              <a:solidFill>
+                <a:schemeClr val="tx1"/>
+              </a:solidFill>
+              <a:tailEnd type="triangle"/>
+            </a:ln>
+          </p:spPr>
+          <p:style>
+            <a:lnRef idx="1">
+              <a:schemeClr val="accent1"/>
+            </a:lnRef>
+            <a:fillRef idx="0">
+              <a:schemeClr val="accent1"/>
+            </a:fillRef>
+            <a:effectRef idx="0">
+              <a:schemeClr val="accent1"/>
+            </a:effectRef>
+            <a:fontRef idx="minor">
+              <a:schemeClr val="tx1"/>
+            </a:fontRef>
+          </p:style>
+        </p:cxnSp>
+        <p:sp>
+          <p:nvSpPr>
+            <p:cNvPr id="27" name="TextBox 26"/>
+            <p:cNvSpPr txBox="1"/>
+            <p:nvPr/>
+          </p:nvSpPr>
+          <p:spPr>
+            <a:xfrm>
+              <a:off x="5964933" y="1925956"/>
+              <a:ext cx="609462" cy="369332"/>
+            </a:xfrm>
+            <a:prstGeom prst="rect">
+              <a:avLst/>
+            </a:prstGeom>
+            <a:noFill/>
+          </p:spPr>
+          <p:txBody>
+            <a:bodyPr wrap="none" rtlCol="0">
+              <a:spAutoFit/>
+            </a:bodyPr>
+            <a:lstStyle/>
+            <a:p>
+              <a:r>
+                <a:rPr lang="en-US" dirty="0" smtClean="0"/>
+                <a:t>SYN</a:t>
+              </a:r>
+              <a:endParaRPr lang="en-US" dirty="0"/>
+            </a:p>
+          </p:txBody>
+        </p:sp>
+      </p:grpSp>
+      <p:grpSp>
+        <p:nvGrpSpPr>
+          <p:cNvPr id="31" name="Group 30"/>
+          <p:cNvGrpSpPr/>
+          <p:nvPr/>
+        </p:nvGrpSpPr>
+        <p:grpSpPr>
+          <a:xfrm>
+            <a:off x="4714938" y="3351609"/>
+            <a:ext cx="2884967" cy="942813"/>
+            <a:chOff x="4843130" y="3022000"/>
+            <a:chExt cx="2884967" cy="942813"/>
+          </a:xfrm>
+        </p:grpSpPr>
+        <p:cxnSp>
+          <p:nvCxnSpPr>
+            <p:cNvPr id="10" name="Straight Arrow Connector 9"/>
+            <p:cNvCxnSpPr/>
+            <p:nvPr/>
+          </p:nvCxnSpPr>
+          <p:spPr>
+            <a:xfrm flipH="1">
+              <a:off x="4843130" y="3189767"/>
+              <a:ext cx="2884967" cy="775046"/>
+            </a:xfrm>
+            <a:prstGeom prst="straightConnector1">
+              <a:avLst/>
+            </a:prstGeom>
+            <a:ln w="38100">
+              <a:solidFill>
+                <a:schemeClr val="tx1"/>
+              </a:solidFill>
+              <a:tailEnd type="triangle"/>
+            </a:ln>
+          </p:spPr>
+          <p:style>
+            <a:lnRef idx="1">
+              <a:schemeClr val="accent1"/>
+            </a:lnRef>
+            <a:fillRef idx="0">
+              <a:schemeClr val="accent1"/>
+            </a:fillRef>
+            <a:effectRef idx="0">
+              <a:schemeClr val="accent1"/>
+            </a:effectRef>
+            <a:fontRef idx="minor">
+              <a:schemeClr val="tx1"/>
+            </a:fontRef>
+          </p:style>
+        </p:cxnSp>
+        <p:sp>
+          <p:nvSpPr>
+            <p:cNvPr id="28" name="TextBox 27"/>
+            <p:cNvSpPr txBox="1"/>
+            <p:nvPr/>
+          </p:nvSpPr>
+          <p:spPr>
+            <a:xfrm>
+              <a:off x="5719400" y="3022000"/>
+              <a:ext cx="1132426" cy="369332"/>
+            </a:xfrm>
+            <a:prstGeom prst="rect">
+              <a:avLst/>
+            </a:prstGeom>
+            <a:noFill/>
+          </p:spPr>
+          <p:txBody>
+            <a:bodyPr wrap="none" rtlCol="0">
+              <a:spAutoFit/>
+            </a:bodyPr>
+            <a:lstStyle/>
+            <a:p>
+              <a:r>
+                <a:rPr lang="en-US" dirty="0" smtClean="0"/>
+                <a:t>SYN/ACK</a:t>
+              </a:r>
+              <a:endParaRPr lang="en-US" dirty="0"/>
+            </a:p>
+          </p:txBody>
+        </p:sp>
+      </p:grpSp>
+      <p:grpSp>
+        <p:nvGrpSpPr>
+          <p:cNvPr id="32" name="Group 31"/>
+          <p:cNvGrpSpPr/>
+          <p:nvPr/>
+        </p:nvGrpSpPr>
+        <p:grpSpPr>
+          <a:xfrm>
+            <a:off x="4730887" y="4547601"/>
+            <a:ext cx="2900916" cy="769042"/>
+            <a:chOff x="4859079" y="4217992"/>
+            <a:chExt cx="2900916" cy="769042"/>
+          </a:xfrm>
+        </p:grpSpPr>
+        <p:cxnSp>
+          <p:nvCxnSpPr>
+            <p:cNvPr id="13" name="Straight Arrow Connector 12"/>
+            <p:cNvCxnSpPr/>
+            <p:nvPr/>
+          </p:nvCxnSpPr>
+          <p:spPr>
+            <a:xfrm>
+              <a:off x="4859079" y="4359713"/>
+              <a:ext cx="2900916" cy="627321"/>
+            </a:xfrm>
+            <a:prstGeom prst="straightConnector1">
+              <a:avLst/>
+            </a:prstGeom>
+            <a:ln w="38100">
+              <a:solidFill>
+                <a:schemeClr val="tx1"/>
+              </a:solidFill>
+              <a:tailEnd type="triangle"/>
+            </a:ln>
+          </p:spPr>
+          <p:style>
+            <a:lnRef idx="1">
+              <a:schemeClr val="accent1"/>
+            </a:lnRef>
+            <a:fillRef idx="0">
+              <a:schemeClr val="accent1"/>
+            </a:fillRef>
+            <a:effectRef idx="0">
+              <a:schemeClr val="accent1"/>
+            </a:effectRef>
+            <a:fontRef idx="minor">
+              <a:schemeClr val="tx1"/>
+            </a:fontRef>
+          </p:style>
+        </p:cxnSp>
+        <p:sp>
+          <p:nvSpPr>
+            <p:cNvPr id="29" name="TextBox 28"/>
+            <p:cNvSpPr txBox="1"/>
+            <p:nvPr/>
+          </p:nvSpPr>
+          <p:spPr>
+            <a:xfrm>
+              <a:off x="5963859" y="4217992"/>
+              <a:ext cx="643509" cy="369332"/>
+            </a:xfrm>
+            <a:prstGeom prst="rect">
+              <a:avLst/>
+            </a:prstGeom>
+            <a:noFill/>
+          </p:spPr>
+          <p:txBody>
+            <a:bodyPr wrap="none" rtlCol="0">
+              <a:spAutoFit/>
+            </a:bodyPr>
+            <a:lstStyle/>
+            <a:p>
+              <a:r>
+                <a:rPr lang="en-US" dirty="0" smtClean="0"/>
+                <a:t>ACK</a:t>
+              </a:r>
+              <a:endParaRPr lang="en-US" dirty="0"/>
+            </a:p>
+          </p:txBody>
+        </p:sp>
+      </p:grpSp>
+      <p:sp>
+        <p:nvSpPr>
+          <p:cNvPr id="33" name="TextBox 32"/>
+          <p:cNvSpPr txBox="1"/>
+          <p:nvPr/>
+        </p:nvSpPr>
+        <p:spPr>
+          <a:xfrm>
+            <a:off x="4274753" y="1415297"/>
+            <a:ext cx="880369" cy="430887"/>
+          </a:xfrm>
+          <a:prstGeom prst="rect">
+            <a:avLst/>
+          </a:prstGeom>
+          <a:noFill/>
+        </p:spPr>
+        <p:txBody>
+          <a:bodyPr wrap="none" rtlCol="0">
+            <a:spAutoFit/>
+          </a:bodyPr>
+          <a:lstStyle/>
+          <a:p>
+            <a:r>
+              <a:rPr lang="en-US" sz="2200" dirty="0" smtClean="0"/>
+              <a:t>Client</a:t>
+            </a:r>
+            <a:endParaRPr lang="en-US" sz="2200" dirty="0"/>
+          </a:p>
+        </p:txBody>
+      </p:sp>
+      <p:sp>
+        <p:nvSpPr>
+          <p:cNvPr id="34" name="TextBox 33"/>
+          <p:cNvSpPr txBox="1"/>
+          <p:nvPr/>
+        </p:nvSpPr>
+        <p:spPr>
+          <a:xfrm>
+            <a:off x="7116841" y="1417747"/>
+            <a:ext cx="934230" cy="430887"/>
+          </a:xfrm>
+          <a:prstGeom prst="rect">
+            <a:avLst/>
+          </a:prstGeom>
+          <a:noFill/>
+        </p:spPr>
+        <p:txBody>
+          <a:bodyPr wrap="none" rtlCol="0">
+            <a:spAutoFit/>
+          </a:bodyPr>
+          <a:lstStyle/>
+          <a:p>
+            <a:r>
+              <a:rPr lang="en-US" sz="2200" dirty="0" smtClean="0"/>
+              <a:t>Server</a:t>
+            </a:r>
+            <a:endParaRPr lang="en-US" sz="2200" dirty="0"/>
           </a:p>
         </p:txBody>
       </p:sp>
     </p:spTree>
     <p:extLst>
       <p:ext uri="{BB962C8B-B14F-4D97-AF65-F5344CB8AC3E}">
-        <p14:creationId xmlns:p14="http://schemas.microsoft.com/office/powerpoint/2010/main" val="1533581487"/>
+        <p14:creationId xmlns:p14="http://schemas.microsoft.com/office/powerpoint/2010/main" val="308725058"/>
       </p:ext>
     </p:extLst>
   </p:cSld>
@@ -8336,9 +9937,537 @@
   <p:timing>
     <p:tnLst>
       <p:par>
-        <p:cTn id="1" dur="indefinite" restart="never" nodeType="tmRoot"/>
+        <p:cTn id="1" dur="indefinite" restart="never" nodeType="tmRoot">
+          <p:childTnLst>
+            <p:seq concurrent="1" nextAc="seek">
+              <p:cTn id="2" dur="indefinite" nodeType="mainSeq">
+                <p:childTnLst>
+                  <p:par>
+                    <p:cTn id="3" fill="hold">
+                      <p:stCondLst>
+                        <p:cond delay="indefinite"/>
+                      </p:stCondLst>
+                      <p:childTnLst>
+                        <p:par>
+                          <p:cTn id="4" fill="hold">
+                            <p:stCondLst>
+                              <p:cond delay="0"/>
+                            </p:stCondLst>
+                            <p:childTnLst>
+                              <p:par>
+                                <p:cTn id="5" presetID="1" presetClass="entr" presetSubtype="0" fill="hold" nodeType="clickEffect">
+                                  <p:stCondLst>
+                                    <p:cond delay="0"/>
+                                  </p:stCondLst>
+                                  <p:childTnLst>
+                                    <p:set>
+                                      <p:cBhvr>
+                                        <p:cTn id="6" dur="1" fill="hold">
+                                          <p:stCondLst>
+                                            <p:cond delay="0"/>
+                                          </p:stCondLst>
+                                        </p:cTn>
+                                        <p:tgtEl>
+                                          <p:spTgt spid="30"/>
+                                        </p:tgtEl>
+                                        <p:attrNameLst>
+                                          <p:attrName>style.visibility</p:attrName>
+                                        </p:attrNameLst>
+                                      </p:cBhvr>
+                                      <p:to>
+                                        <p:strVal val="visible"/>
+                                      </p:to>
+                                    </p:set>
+                                  </p:childTnLst>
+                                </p:cTn>
+                              </p:par>
+                            </p:childTnLst>
+                          </p:cTn>
+                        </p:par>
+                      </p:childTnLst>
+                    </p:cTn>
+                  </p:par>
+                  <p:par>
+                    <p:cTn id="7" fill="hold">
+                      <p:stCondLst>
+                        <p:cond delay="indefinite"/>
+                      </p:stCondLst>
+                      <p:childTnLst>
+                        <p:par>
+                          <p:cTn id="8" fill="hold">
+                            <p:stCondLst>
+                              <p:cond delay="0"/>
+                            </p:stCondLst>
+                            <p:childTnLst>
+                              <p:par>
+                                <p:cTn id="9" presetID="1" presetClass="exit" presetSubtype="0" fill="hold" grpId="0" nodeType="clickEffect">
+                                  <p:stCondLst>
+                                    <p:cond delay="0"/>
+                                  </p:stCondLst>
+                                  <p:childTnLst>
+                                    <p:set>
+                                      <p:cBhvr>
+                                        <p:cTn id="10" dur="1" fill="hold">
+                                          <p:stCondLst>
+                                            <p:cond delay="0"/>
+                                          </p:stCondLst>
+                                        </p:cTn>
+                                        <p:tgtEl>
+                                          <p:spTgt spid="17"/>
+                                        </p:tgtEl>
+                                        <p:attrNameLst>
+                                          <p:attrName>style.visibility</p:attrName>
+                                        </p:attrNameLst>
+                                      </p:cBhvr>
+                                      <p:to>
+                                        <p:strVal val="hidden"/>
+                                      </p:to>
+                                    </p:set>
+                                  </p:childTnLst>
+                                </p:cTn>
+                              </p:par>
+                            </p:childTnLst>
+                          </p:cTn>
+                        </p:par>
+                      </p:childTnLst>
+                    </p:cTn>
+                  </p:par>
+                  <p:par>
+                    <p:cTn id="11" fill="hold">
+                      <p:stCondLst>
+                        <p:cond delay="indefinite"/>
+                      </p:stCondLst>
+                      <p:childTnLst>
+                        <p:par>
+                          <p:cTn id="12" fill="hold">
+                            <p:stCondLst>
+                              <p:cond delay="0"/>
+                            </p:stCondLst>
+                            <p:childTnLst>
+                              <p:par>
+                                <p:cTn id="13" presetID="1" presetClass="entr" presetSubtype="0" fill="hold" grpId="0" nodeType="clickEffect">
+                                  <p:stCondLst>
+                                    <p:cond delay="0"/>
+                                  </p:stCondLst>
+                                  <p:childTnLst>
+                                    <p:set>
+                                      <p:cBhvr>
+                                        <p:cTn id="14" dur="1" fill="hold">
+                                          <p:stCondLst>
+                                            <p:cond delay="0"/>
+                                          </p:stCondLst>
+                                        </p:cTn>
+                                        <p:tgtEl>
+                                          <p:spTgt spid="22"/>
+                                        </p:tgtEl>
+                                        <p:attrNameLst>
+                                          <p:attrName>style.visibility</p:attrName>
+                                        </p:attrNameLst>
+                                      </p:cBhvr>
+                                      <p:to>
+                                        <p:strVal val="visible"/>
+                                      </p:to>
+                                    </p:set>
+                                  </p:childTnLst>
+                                </p:cTn>
+                              </p:par>
+                            </p:childTnLst>
+                          </p:cTn>
+                        </p:par>
+                      </p:childTnLst>
+                    </p:cTn>
+                  </p:par>
+                  <p:par>
+                    <p:cTn id="15" fill="hold">
+                      <p:stCondLst>
+                        <p:cond delay="indefinite"/>
+                      </p:stCondLst>
+                      <p:childTnLst>
+                        <p:par>
+                          <p:cTn id="16" fill="hold">
+                            <p:stCondLst>
+                              <p:cond delay="0"/>
+                            </p:stCondLst>
+                            <p:childTnLst>
+                              <p:par>
+                                <p:cTn id="17" presetID="1" presetClass="entr" presetSubtype="0" fill="hold" grpId="0" nodeType="clickEffect">
+                                  <p:stCondLst>
+                                    <p:cond delay="0"/>
+                                  </p:stCondLst>
+                                  <p:childTnLst>
+                                    <p:set>
+                                      <p:cBhvr>
+                                        <p:cTn id="18" dur="1" fill="hold">
+                                          <p:stCondLst>
+                                            <p:cond delay="0"/>
+                                          </p:stCondLst>
+                                        </p:cTn>
+                                        <p:tgtEl>
+                                          <p:spTgt spid="20"/>
+                                        </p:tgtEl>
+                                        <p:attrNameLst>
+                                          <p:attrName>style.visibility</p:attrName>
+                                        </p:attrNameLst>
+                                      </p:cBhvr>
+                                      <p:to>
+                                        <p:strVal val="visible"/>
+                                      </p:to>
+                                    </p:set>
+                                  </p:childTnLst>
+                                </p:cTn>
+                              </p:par>
+                            </p:childTnLst>
+                          </p:cTn>
+                        </p:par>
+                      </p:childTnLst>
+                    </p:cTn>
+                  </p:par>
+                  <p:par>
+                    <p:cTn id="19" fill="hold">
+                      <p:stCondLst>
+                        <p:cond delay="indefinite"/>
+                      </p:stCondLst>
+                      <p:childTnLst>
+                        <p:par>
+                          <p:cTn id="20" fill="hold">
+                            <p:stCondLst>
+                              <p:cond delay="0"/>
+                            </p:stCondLst>
+                            <p:childTnLst>
+                              <p:par>
+                                <p:cTn id="21" presetID="1" presetClass="exit" presetSubtype="0" fill="hold" grpId="0" nodeType="clickEffect">
+                                  <p:stCondLst>
+                                    <p:cond delay="0"/>
+                                  </p:stCondLst>
+                                  <p:childTnLst>
+                                    <p:set>
+                                      <p:cBhvr>
+                                        <p:cTn id="22" dur="1" fill="hold">
+                                          <p:stCondLst>
+                                            <p:cond delay="0"/>
+                                          </p:stCondLst>
+                                        </p:cTn>
+                                        <p:tgtEl>
+                                          <p:spTgt spid="18"/>
+                                        </p:tgtEl>
+                                        <p:attrNameLst>
+                                          <p:attrName>style.visibility</p:attrName>
+                                        </p:attrNameLst>
+                                      </p:cBhvr>
+                                      <p:to>
+                                        <p:strVal val="hidden"/>
+                                      </p:to>
+                                    </p:set>
+                                  </p:childTnLst>
+                                </p:cTn>
+                              </p:par>
+                            </p:childTnLst>
+                          </p:cTn>
+                        </p:par>
+                      </p:childTnLst>
+                    </p:cTn>
+                  </p:par>
+                  <p:par>
+                    <p:cTn id="23" fill="hold">
+                      <p:stCondLst>
+                        <p:cond delay="indefinite"/>
+                      </p:stCondLst>
+                      <p:childTnLst>
+                        <p:par>
+                          <p:cTn id="24" fill="hold">
+                            <p:stCondLst>
+                              <p:cond delay="0"/>
+                            </p:stCondLst>
+                            <p:childTnLst>
+                              <p:par>
+                                <p:cTn id="25" presetID="1" presetClass="entr" presetSubtype="0" fill="hold" nodeType="clickEffect">
+                                  <p:stCondLst>
+                                    <p:cond delay="0"/>
+                                  </p:stCondLst>
+                                  <p:childTnLst>
+                                    <p:set>
+                                      <p:cBhvr>
+                                        <p:cTn id="26" dur="1" fill="hold">
+                                          <p:stCondLst>
+                                            <p:cond delay="0"/>
+                                          </p:stCondLst>
+                                        </p:cTn>
+                                        <p:tgtEl>
+                                          <p:spTgt spid="31"/>
+                                        </p:tgtEl>
+                                        <p:attrNameLst>
+                                          <p:attrName>style.visibility</p:attrName>
+                                        </p:attrNameLst>
+                                      </p:cBhvr>
+                                      <p:to>
+                                        <p:strVal val="visible"/>
+                                      </p:to>
+                                    </p:set>
+                                  </p:childTnLst>
+                                </p:cTn>
+                              </p:par>
+                            </p:childTnLst>
+                          </p:cTn>
+                        </p:par>
+                      </p:childTnLst>
+                    </p:cTn>
+                  </p:par>
+                  <p:par>
+                    <p:cTn id="27" fill="hold">
+                      <p:stCondLst>
+                        <p:cond delay="indefinite"/>
+                      </p:stCondLst>
+                      <p:childTnLst>
+                        <p:par>
+                          <p:cTn id="28" fill="hold">
+                            <p:stCondLst>
+                              <p:cond delay="0"/>
+                            </p:stCondLst>
+                            <p:childTnLst>
+                              <p:par>
+                                <p:cTn id="29" presetID="1" presetClass="exit" presetSubtype="0" fill="hold" grpId="1" nodeType="clickEffect">
+                                  <p:stCondLst>
+                                    <p:cond delay="0"/>
+                                  </p:stCondLst>
+                                  <p:childTnLst>
+                                    <p:set>
+                                      <p:cBhvr>
+                                        <p:cTn id="30" dur="1" fill="hold">
+                                          <p:stCondLst>
+                                            <p:cond delay="0"/>
+                                          </p:stCondLst>
+                                        </p:cTn>
+                                        <p:tgtEl>
+                                          <p:spTgt spid="22"/>
+                                        </p:tgtEl>
+                                        <p:attrNameLst>
+                                          <p:attrName>style.visibility</p:attrName>
+                                        </p:attrNameLst>
+                                      </p:cBhvr>
+                                      <p:to>
+                                        <p:strVal val="hidden"/>
+                                      </p:to>
+                                    </p:set>
+                                  </p:childTnLst>
+                                </p:cTn>
+                              </p:par>
+                            </p:childTnLst>
+                          </p:cTn>
+                        </p:par>
+                      </p:childTnLst>
+                    </p:cTn>
+                  </p:par>
+                  <p:par>
+                    <p:cTn id="31" fill="hold">
+                      <p:stCondLst>
+                        <p:cond delay="indefinite"/>
+                      </p:stCondLst>
+                      <p:childTnLst>
+                        <p:par>
+                          <p:cTn id="32" fill="hold">
+                            <p:stCondLst>
+                              <p:cond delay="0"/>
+                            </p:stCondLst>
+                            <p:childTnLst>
+                              <p:par>
+                                <p:cTn id="33" presetID="1" presetClass="entr" presetSubtype="0" fill="hold" grpId="0" nodeType="clickEffect">
+                                  <p:stCondLst>
+                                    <p:cond delay="0"/>
+                                  </p:stCondLst>
+                                  <p:childTnLst>
+                                    <p:set>
+                                      <p:cBhvr>
+                                        <p:cTn id="34" dur="1" fill="hold">
+                                          <p:stCondLst>
+                                            <p:cond delay="0"/>
+                                          </p:stCondLst>
+                                        </p:cTn>
+                                        <p:tgtEl>
+                                          <p:spTgt spid="23"/>
+                                        </p:tgtEl>
+                                        <p:attrNameLst>
+                                          <p:attrName>style.visibility</p:attrName>
+                                        </p:attrNameLst>
+                                      </p:cBhvr>
+                                      <p:to>
+                                        <p:strVal val="visible"/>
+                                      </p:to>
+                                    </p:set>
+                                  </p:childTnLst>
+                                </p:cTn>
+                              </p:par>
+                            </p:childTnLst>
+                          </p:cTn>
+                        </p:par>
+                      </p:childTnLst>
+                    </p:cTn>
+                  </p:par>
+                  <p:par>
+                    <p:cTn id="35" fill="hold">
+                      <p:stCondLst>
+                        <p:cond delay="indefinite"/>
+                      </p:stCondLst>
+                      <p:childTnLst>
+                        <p:par>
+                          <p:cTn id="36" fill="hold">
+                            <p:stCondLst>
+                              <p:cond delay="0"/>
+                            </p:stCondLst>
+                            <p:childTnLst>
+                              <p:par>
+                                <p:cTn id="37" presetID="1" presetClass="entr" presetSubtype="0" fill="hold" nodeType="clickEffect">
+                                  <p:stCondLst>
+                                    <p:cond delay="0"/>
+                                  </p:stCondLst>
+                                  <p:childTnLst>
+                                    <p:set>
+                                      <p:cBhvr>
+                                        <p:cTn id="38" dur="1" fill="hold">
+                                          <p:stCondLst>
+                                            <p:cond delay="0"/>
+                                          </p:stCondLst>
+                                        </p:cTn>
+                                        <p:tgtEl>
+                                          <p:spTgt spid="32"/>
+                                        </p:tgtEl>
+                                        <p:attrNameLst>
+                                          <p:attrName>style.visibility</p:attrName>
+                                        </p:attrNameLst>
+                                      </p:cBhvr>
+                                      <p:to>
+                                        <p:strVal val="visible"/>
+                                      </p:to>
+                                    </p:set>
+                                  </p:childTnLst>
+                                </p:cTn>
+                              </p:par>
+                            </p:childTnLst>
+                          </p:cTn>
+                        </p:par>
+                      </p:childTnLst>
+                    </p:cTn>
+                  </p:par>
+                  <p:par>
+                    <p:cTn id="39" fill="hold">
+                      <p:stCondLst>
+                        <p:cond delay="indefinite"/>
+                      </p:stCondLst>
+                      <p:childTnLst>
+                        <p:par>
+                          <p:cTn id="40" fill="hold">
+                            <p:stCondLst>
+                              <p:cond delay="0"/>
+                            </p:stCondLst>
+                            <p:childTnLst>
+                              <p:par>
+                                <p:cTn id="41" presetID="1" presetClass="exit" presetSubtype="0" fill="hold" grpId="1" nodeType="clickEffect">
+                                  <p:stCondLst>
+                                    <p:cond delay="0"/>
+                                  </p:stCondLst>
+                                  <p:childTnLst>
+                                    <p:set>
+                                      <p:cBhvr>
+                                        <p:cTn id="42" dur="1" fill="hold">
+                                          <p:stCondLst>
+                                            <p:cond delay="0"/>
+                                          </p:stCondLst>
+                                        </p:cTn>
+                                        <p:tgtEl>
+                                          <p:spTgt spid="20"/>
+                                        </p:tgtEl>
+                                        <p:attrNameLst>
+                                          <p:attrName>style.visibility</p:attrName>
+                                        </p:attrNameLst>
+                                      </p:cBhvr>
+                                      <p:to>
+                                        <p:strVal val="hidden"/>
+                                      </p:to>
+                                    </p:set>
+                                  </p:childTnLst>
+                                </p:cTn>
+                              </p:par>
+                            </p:childTnLst>
+                          </p:cTn>
+                        </p:par>
+                      </p:childTnLst>
+                    </p:cTn>
+                  </p:par>
+                  <p:par>
+                    <p:cTn id="43" fill="hold">
+                      <p:stCondLst>
+                        <p:cond delay="indefinite"/>
+                      </p:stCondLst>
+                      <p:childTnLst>
+                        <p:par>
+                          <p:cTn id="44" fill="hold">
+                            <p:stCondLst>
+                              <p:cond delay="0"/>
+                            </p:stCondLst>
+                            <p:childTnLst>
+                              <p:par>
+                                <p:cTn id="45" presetID="1" presetClass="entr" presetSubtype="0" fill="hold" grpId="0" nodeType="clickEffect">
+                                  <p:stCondLst>
+                                    <p:cond delay="0"/>
+                                  </p:stCondLst>
+                                  <p:childTnLst>
+                                    <p:set>
+                                      <p:cBhvr>
+                                        <p:cTn id="46" dur="1" fill="hold">
+                                          <p:stCondLst>
+                                            <p:cond delay="0"/>
+                                          </p:stCondLst>
+                                        </p:cTn>
+                                        <p:tgtEl>
+                                          <p:spTgt spid="25"/>
+                                        </p:tgtEl>
+                                        <p:attrNameLst>
+                                          <p:attrName>style.visibility</p:attrName>
+                                        </p:attrNameLst>
+                                      </p:cBhvr>
+                                      <p:to>
+                                        <p:strVal val="visible"/>
+                                      </p:to>
+                                    </p:set>
+                                  </p:childTnLst>
+                                </p:cTn>
+                              </p:par>
+                            </p:childTnLst>
+                          </p:cTn>
+                        </p:par>
+                      </p:childTnLst>
+                    </p:cTn>
+                  </p:par>
+                </p:childTnLst>
+              </p:cTn>
+              <p:prevCondLst>
+                <p:cond evt="onPrev" delay="0">
+                  <p:tgtEl>
+                    <p:sldTgt/>
+                  </p:tgtEl>
+                </p:cond>
+              </p:prevCondLst>
+              <p:nextCondLst>
+                <p:cond evt="onNext" delay="0">
+                  <p:tgtEl>
+                    <p:sldTgt/>
+                  </p:tgtEl>
+                </p:cond>
+              </p:nextCondLst>
+            </p:seq>
+          </p:childTnLst>
+        </p:cTn>
       </p:par>
     </p:tnLst>
+    <p:bldLst>
+      <p:bldP spid="17" grpId="0" animBg="1"/>
+      <p:bldP spid="18" grpId="0" animBg="1"/>
+      <p:bldP spid="20" grpId="0" animBg="1"/>
+      <p:bldP spid="20" grpId="1" animBg="1"/>
+      <p:bldP spid="22" grpId="0" animBg="1"/>
+      <p:bldP spid="22" grpId="1" animBg="1"/>
+      <p:bldP spid="23" grpId="0" animBg="1"/>
+      <p:bldP spid="25" grpId="0" animBg="1"/>
+    </p:bldLst>
   </p:timing>
 </p:sld>
 </file>
@@ -8377,7 +10506,7 @@
           <a:p>
             <a:r>
               <a:rPr lang="en-US" dirty="0" smtClean="0"/>
-              <a:t>Process Model</a:t>
+              <a:t>Mechanisms</a:t>
             </a:r>
             <a:endParaRPr lang="en-US" dirty="0"/>
           </a:p>
@@ -8385,7 +10514,53 @@
       </p:sp>
       <p:sp>
         <p:nvSpPr>
-          <p:cNvPr id="5" name="Footer Placeholder 4"/>
+          <p:cNvPr id="4" name="Text Placeholder 3"/>
+          <p:cNvSpPr>
+            <a:spLocks noGrp="1"/>
+          </p:cNvSpPr>
+          <p:nvPr>
+            <p:ph idx="1"/>
+          </p:nvPr>
+        </p:nvSpPr>
+        <p:spPr/>
+        <p:txBody>
+          <a:bodyPr/>
+          <a:lstStyle/>
+          <a:p>
+            <a:r>
+              <a:rPr lang="en-US" dirty="0" smtClean="0"/>
+              <a:t>Shared files</a:t>
+            </a:r>
+          </a:p>
+          <a:p>
+            <a:r>
+              <a:rPr lang="en-US" dirty="0" smtClean="0"/>
+              <a:t>Semaphores and </a:t>
+            </a:r>
+            <a:r>
+              <a:rPr lang="en-US" dirty="0" err="1" smtClean="0"/>
+              <a:t>Mutexes</a:t>
+            </a:r>
+            <a:endParaRPr lang="en-US" dirty="0" smtClean="0"/>
+          </a:p>
+          <a:p>
+            <a:r>
+              <a:rPr lang="en-US" dirty="0" smtClean="0"/>
+              <a:t>Signals</a:t>
+            </a:r>
+          </a:p>
+          <a:p>
+            <a:r>
+              <a:rPr lang="en-US" dirty="0" smtClean="0"/>
+              <a:t>Sockets</a:t>
+            </a:r>
+            <a:endParaRPr lang="en-US" dirty="0"/>
+          </a:p>
+        </p:txBody>
+      </p:sp>
+      <p:sp>
+        <p:nvSpPr>
+          <p:cNvPr id="3" name="Footer Placeholder 2"/>
           <p:cNvSpPr>
             <a:spLocks noGrp="1"/>
           </p:cNvSpPr>
@@ -8400,29 +10575,22 @@
           <a:p>
             <a:r>
               <a:rPr lang="en-US" smtClean="0"/>
-              <a:t>A Look Inside FreeBSD with DTrace</a:t>
-            </a:r>
-            <a:endParaRPr lang="en-US" dirty="0"/>
+              <a:t>Introduction to Operating Systems</a:t>
+            </a:r>
+            <a:endParaRPr lang="en-US"/>
           </a:p>
         </p:txBody>
       </p:sp>
     </p:spTree>
     <p:extLst>
       <p:ext uri="{BB962C8B-B14F-4D97-AF65-F5344CB8AC3E}">
-        <p14:creationId xmlns:p14="http://schemas.microsoft.com/office/powerpoint/2010/main" val="1033035864"/>
+        <p14:creationId xmlns:p14="http://schemas.microsoft.com/office/powerpoint/2010/main" val="422467323"/>
       </p:ext>
     </p:extLst>
   </p:cSld>
   <p:clrMapOvr>
     <a:masterClrMapping/>
   </p:clrMapOvr>
-  <p:timing>
-    <p:tnLst>
-      <p:par>
-        <p:cTn id="1" dur="indefinite" restart="never" nodeType="tmRoot"/>
-      </p:par>
-    </p:tnLst>
-  </p:timing>
 </p:sld>
 </file>
 
@@ -8460,7 +10628,11 @@
           <a:p>
             <a:r>
               <a:rPr lang="en-US" dirty="0" smtClean="0"/>
-              <a:t>Three Way Handshake</a:t>
+              <a:t>TCP </a:t>
+            </a:r>
+            <a:r>
+              <a:rPr lang="en-US" dirty="0" smtClean="0"/>
+              <a:t>Setup States</a:t>
             </a:r>
             <a:endParaRPr lang="en-US" dirty="0"/>
           </a:p>
@@ -8483,16 +10655,210 @@
           <a:p>
             <a:r>
               <a:rPr lang="en-US" smtClean="0"/>
-              <a:t>A Look Inside FreeBSD with DTrace</a:t>
+              <a:t>Introduction to Operating Systems</a:t>
             </a:r>
             <a:endParaRPr lang="en-US"/>
           </a:p>
         </p:txBody>
       </p:sp>
+      <p:graphicFrame>
+        <p:nvGraphicFramePr>
+          <p:cNvPr id="5" name="Table 4"/>
+          <p:cNvGraphicFramePr>
+            <a:graphicFrameLocks noGrp="1"/>
+          </p:cNvGraphicFramePr>
+          <p:nvPr>
+            <p:extLst>
+              <p:ext uri="{D42A27DB-BD31-4B8C-83A1-F6EECF244321}">
+                <p14:modId xmlns:p14="http://schemas.microsoft.com/office/powerpoint/2010/main" val="1375881097"/>
+              </p:ext>
+            </p:extLst>
+          </p:nvPr>
+        </p:nvGraphicFramePr>
+        <p:xfrm>
+          <a:off x="2062480" y="1517108"/>
+          <a:ext cx="8128000" cy="2123440"/>
+        </p:xfrm>
+        <a:graphic>
+          <a:graphicData uri="http://schemas.openxmlformats.org/drawingml/2006/table">
+            <a:tbl>
+              <a:tblPr firstRow="1" bandRow="1">
+                <a:tableStyleId>{5C22544A-7EE6-4342-B048-85BDC9FD1C3A}</a:tableStyleId>
+              </a:tblPr>
+              <a:tblGrid>
+                <a:gridCol w="4064000"/>
+                <a:gridCol w="4064000"/>
+              </a:tblGrid>
+              <a:tr h="370840">
+                <a:tc>
+                  <a:txBody>
+                    <a:bodyPr/>
+                    <a:lstStyle/>
+                    <a:p>
+                      <a:r>
+                        <a:rPr lang="en-US" dirty="0" smtClean="0"/>
+                        <a:t>State</a:t>
+                      </a:r>
+                      <a:endParaRPr lang="en-US" dirty="0"/>
+                    </a:p>
+                  </a:txBody>
+                  <a:tcPr/>
+                </a:tc>
+                <a:tc>
+                  <a:txBody>
+                    <a:bodyPr/>
+                    <a:lstStyle/>
+                    <a:p>
+                      <a:r>
+                        <a:rPr lang="en-US" dirty="0" smtClean="0"/>
+                        <a:t>Meaning</a:t>
+                      </a:r>
+                      <a:endParaRPr lang="en-US" dirty="0"/>
+                    </a:p>
+                  </a:txBody>
+                  <a:tcPr/>
+                </a:tc>
+              </a:tr>
+              <a:tr h="370840">
+                <a:tc>
+                  <a:txBody>
+                    <a:bodyPr/>
+                    <a:lstStyle/>
+                    <a:p>
+                      <a:r>
+                        <a:rPr lang="en-US" dirty="0" smtClean="0"/>
+                        <a:t>CLOSED</a:t>
+                      </a:r>
+                      <a:endParaRPr lang="en-US" dirty="0"/>
+                    </a:p>
+                  </a:txBody>
+                  <a:tcPr/>
+                </a:tc>
+                <a:tc>
+                  <a:txBody>
+                    <a:bodyPr/>
+                    <a:lstStyle/>
+                    <a:p>
+                      <a:r>
+                        <a:rPr lang="en-US" dirty="0" smtClean="0"/>
+                        <a:t>Socket is ready for use</a:t>
+                      </a:r>
+                      <a:endParaRPr lang="en-US" dirty="0"/>
+                    </a:p>
+                  </a:txBody>
+                  <a:tcPr/>
+                </a:tc>
+              </a:tr>
+              <a:tr h="370840">
+                <a:tc>
+                  <a:txBody>
+                    <a:bodyPr/>
+                    <a:lstStyle/>
+                    <a:p>
+                      <a:r>
+                        <a:rPr lang="en-US" dirty="0" smtClean="0"/>
+                        <a:t>SYN SENT</a:t>
+                      </a:r>
+                      <a:endParaRPr lang="en-US" dirty="0"/>
+                    </a:p>
+                  </a:txBody>
+                  <a:tcPr/>
+                </a:tc>
+                <a:tc>
+                  <a:txBody>
+                    <a:bodyPr/>
+                    <a:lstStyle/>
+                    <a:p>
+                      <a:r>
+                        <a:rPr lang="en-US" dirty="0" smtClean="0"/>
+                        <a:t>Client</a:t>
+                      </a:r>
+                      <a:r>
+                        <a:rPr lang="en-US" baseline="0" dirty="0" smtClean="0"/>
+                        <a:t> has sent a SYN</a:t>
+                      </a:r>
+                      <a:endParaRPr lang="en-US" dirty="0"/>
+                    </a:p>
+                  </a:txBody>
+                  <a:tcPr/>
+                </a:tc>
+              </a:tr>
+              <a:tr h="370840">
+                <a:tc>
+                  <a:txBody>
+                    <a:bodyPr/>
+                    <a:lstStyle/>
+                    <a:p>
+                      <a:r>
+                        <a:rPr lang="en-US" dirty="0" smtClean="0"/>
+                        <a:t>SYN RECVD</a:t>
+                      </a:r>
+                      <a:endParaRPr lang="en-US" dirty="0"/>
+                    </a:p>
+                  </a:txBody>
+                  <a:tcPr/>
+                </a:tc>
+                <a:tc>
+                  <a:txBody>
+                    <a:bodyPr/>
+                    <a:lstStyle/>
+                    <a:p>
+                      <a:r>
+                        <a:rPr lang="en-US" dirty="0" smtClean="0"/>
+                        <a:t>Server</a:t>
+                      </a:r>
+                      <a:r>
+                        <a:rPr lang="en-US" baseline="0" dirty="0" smtClean="0"/>
+                        <a:t> has received SYN and replied with SYN/ACK</a:t>
+                      </a:r>
+                      <a:endParaRPr lang="en-US" dirty="0"/>
+                    </a:p>
+                  </a:txBody>
+                  <a:tcPr/>
+                </a:tc>
+              </a:tr>
+              <a:tr h="370840">
+                <a:tc>
+                  <a:txBody>
+                    <a:bodyPr/>
+                    <a:lstStyle/>
+                    <a:p>
+                      <a:r>
+                        <a:rPr lang="en-US" dirty="0" smtClean="0"/>
+                        <a:t>ESTABLISHED</a:t>
+                      </a:r>
+                      <a:endParaRPr lang="en-US" dirty="0"/>
+                    </a:p>
+                  </a:txBody>
+                  <a:tcPr/>
+                </a:tc>
+                <a:tc>
+                  <a:txBody>
+                    <a:bodyPr/>
+                    <a:lstStyle/>
+                    <a:p>
+                      <a:r>
+                        <a:rPr lang="en-US" dirty="0" smtClean="0"/>
+                        <a:t>Communication can</a:t>
+                      </a:r>
+                      <a:r>
+                        <a:rPr lang="en-US" baseline="0" dirty="0" smtClean="0"/>
+                        <a:t> proceed</a:t>
+                      </a:r>
+                      <a:endParaRPr lang="en-US" dirty="0"/>
+                    </a:p>
+                  </a:txBody>
+                  <a:tcPr/>
+                </a:tc>
+              </a:tr>
+            </a:tbl>
+          </a:graphicData>
+        </a:graphic>
+      </p:graphicFrame>
     </p:spTree>
     <p:extLst>
       <p:ext uri="{BB962C8B-B14F-4D97-AF65-F5344CB8AC3E}">
-        <p14:creationId xmlns:p14="http://schemas.microsoft.com/office/powerpoint/2010/main" val="704180349"/>
+        <p14:creationId xmlns:p14="http://schemas.microsoft.com/office/powerpoint/2010/main" val="1209062781"/>
       </p:ext>
     </p:extLst>
   </p:cSld>
@@ -8543,7 +10909,7 @@
           <a:p>
             <a:r>
               <a:rPr lang="en-US" dirty="0" smtClean="0"/>
-              <a:t>Starting a Connection</a:t>
+              <a:t>TCP Data Flow</a:t>
             </a:r>
             <a:endParaRPr lang="en-US" dirty="0"/>
           </a:p>
@@ -8566,16 +10932,69 @@
           <a:p>
             <a:r>
               <a:rPr lang="en-US" smtClean="0"/>
-              <a:t>A Look Inside FreeBSD with DTrace</a:t>
+              <a:t>Introduction to Operating Systems</a:t>
             </a:r>
             <a:endParaRPr lang="en-US"/>
+          </a:p>
+        </p:txBody>
+      </p:sp>
+      <p:sp>
+        <p:nvSpPr>
+          <p:cNvPr id="4" name="Text Placeholder 3"/>
+          <p:cNvSpPr>
+            <a:spLocks noGrp="1"/>
+          </p:cNvSpPr>
+          <p:nvPr>
+            <p:ph type="body" idx="4294967295"/>
+          </p:nvPr>
+        </p:nvSpPr>
+        <p:spPr/>
+        <p:txBody>
+          <a:bodyPr/>
+          <a:lstStyle/>
+          <a:p>
+            <a:r>
+              <a:rPr lang="en-US" dirty="0" smtClean="0"/>
+              <a:t>After the connection is set up</a:t>
+            </a:r>
+          </a:p>
+          <a:p>
+            <a:r>
+              <a:rPr lang="en-US" dirty="0" smtClean="0"/>
+              <a:t>Maintaining proper data transmission</a:t>
+            </a:r>
+          </a:p>
+          <a:p>
+            <a:r>
+              <a:rPr lang="en-US" dirty="0" smtClean="0"/>
+              <a:t>Sequence Numbers</a:t>
+            </a:r>
+          </a:p>
+          <a:p>
+            <a:r>
+              <a:rPr lang="en-US" dirty="0" smtClean="0"/>
+              <a:t>Acknowledgements</a:t>
+            </a:r>
+          </a:p>
+          <a:p>
+            <a:r>
+              <a:rPr lang="en-US" dirty="0" smtClean="0"/>
+              <a:t>The sliding window</a:t>
+            </a:r>
+          </a:p>
+          <a:p>
+            <a:r>
+              <a:rPr lang="en-US" dirty="0" smtClean="0"/>
+              <a:t>Congestion Control</a:t>
+            </a:r>
+            <a:endParaRPr lang="en-US" dirty="0"/>
           </a:p>
         </p:txBody>
       </p:sp>
     </p:spTree>
     <p:extLst>
       <p:ext uri="{BB962C8B-B14F-4D97-AF65-F5344CB8AC3E}">
-        <p14:creationId xmlns:p14="http://schemas.microsoft.com/office/powerpoint/2010/main" val="308725058"/>
+        <p14:creationId xmlns:p14="http://schemas.microsoft.com/office/powerpoint/2010/main" val="1550454414"/>
       </p:ext>
     </p:extLst>
   </p:cSld>
@@ -8626,7 +11045,7 @@
           <a:p>
             <a:r>
               <a:rPr lang="en-US" dirty="0" smtClean="0"/>
-              <a:t>TCP States</a:t>
+              <a:t>The Sliding Window</a:t>
             </a:r>
             <a:endParaRPr lang="en-US" dirty="0"/>
           </a:p>
@@ -8649,8 +11068,248 @@
           <a:p>
             <a:r>
               <a:rPr lang="en-US" smtClean="0"/>
-              <a:t>A Look Inside FreeBSD with DTrace</a:t>
-            </a:r>
+              <a:t>Introduction to Operating Systems</a:t>
+            </a:r>
+            <a:endParaRPr lang="en-US"/>
+          </a:p>
+        </p:txBody>
+      </p:sp>
+      <p:sp>
+        <p:nvSpPr>
+          <p:cNvPr id="4" name="Rectangle 3"/>
+          <p:cNvSpPr/>
+          <p:nvPr/>
+        </p:nvSpPr>
+        <p:spPr>
+          <a:xfrm>
+            <a:off x="9080204" y="3544684"/>
+            <a:ext cx="1286540" cy="531628"/>
+          </a:xfrm>
+          <a:prstGeom prst="rect">
+            <a:avLst/>
+          </a:prstGeom>
+        </p:spPr>
+        <p:style>
+          <a:lnRef idx="2">
+            <a:schemeClr val="accent1">
+              <a:shade val="50000"/>
+            </a:schemeClr>
+          </a:lnRef>
+          <a:fillRef idx="1">
+            <a:schemeClr val="accent1"/>
+          </a:fillRef>
+          <a:effectRef idx="0">
+            <a:schemeClr val="accent1"/>
+          </a:effectRef>
+          <a:fontRef idx="minor">
+            <a:schemeClr val="lt1"/>
+          </a:fontRef>
+        </p:style>
+        <p:txBody>
+          <a:bodyPr rtlCol="0" anchor="ctr"/>
+          <a:lstStyle/>
+          <a:p>
+            <a:pPr algn="ctr"/>
+            <a:endParaRPr lang="en-US"/>
+          </a:p>
+        </p:txBody>
+      </p:sp>
+      <p:sp>
+        <p:nvSpPr>
+          <p:cNvPr id="5" name="Rectangle 4"/>
+          <p:cNvSpPr/>
+          <p:nvPr/>
+        </p:nvSpPr>
+        <p:spPr>
+          <a:xfrm>
+            <a:off x="7701516" y="3544684"/>
+            <a:ext cx="1286540" cy="531628"/>
+          </a:xfrm>
+          <a:prstGeom prst="rect">
+            <a:avLst/>
+          </a:prstGeom>
+        </p:spPr>
+        <p:style>
+          <a:lnRef idx="2">
+            <a:schemeClr val="accent1">
+              <a:shade val="50000"/>
+            </a:schemeClr>
+          </a:lnRef>
+          <a:fillRef idx="1">
+            <a:schemeClr val="accent1"/>
+          </a:fillRef>
+          <a:effectRef idx="0">
+            <a:schemeClr val="accent1"/>
+          </a:effectRef>
+          <a:fontRef idx="minor">
+            <a:schemeClr val="lt1"/>
+          </a:fontRef>
+        </p:style>
+        <p:txBody>
+          <a:bodyPr rtlCol="0" anchor="ctr"/>
+          <a:lstStyle/>
+          <a:p>
+            <a:pPr algn="ctr"/>
+            <a:endParaRPr lang="en-US"/>
+          </a:p>
+        </p:txBody>
+      </p:sp>
+      <p:sp>
+        <p:nvSpPr>
+          <p:cNvPr id="6" name="Rectangle 5"/>
+          <p:cNvSpPr/>
+          <p:nvPr/>
+        </p:nvSpPr>
+        <p:spPr>
+          <a:xfrm>
+            <a:off x="6296247" y="3544684"/>
+            <a:ext cx="1286540" cy="531628"/>
+          </a:xfrm>
+          <a:prstGeom prst="rect">
+            <a:avLst/>
+          </a:prstGeom>
+        </p:spPr>
+        <p:style>
+          <a:lnRef idx="2">
+            <a:schemeClr val="accent1">
+              <a:shade val="50000"/>
+            </a:schemeClr>
+          </a:lnRef>
+          <a:fillRef idx="1">
+            <a:schemeClr val="accent1"/>
+          </a:fillRef>
+          <a:effectRef idx="0">
+            <a:schemeClr val="accent1"/>
+          </a:effectRef>
+          <a:fontRef idx="minor">
+            <a:schemeClr val="lt1"/>
+          </a:fontRef>
+        </p:style>
+        <p:txBody>
+          <a:bodyPr rtlCol="0" anchor="ctr"/>
+          <a:lstStyle/>
+          <a:p>
+            <a:pPr algn="ctr"/>
+            <a:endParaRPr lang="en-US"/>
+          </a:p>
+        </p:txBody>
+      </p:sp>
+      <p:sp>
+        <p:nvSpPr>
+          <p:cNvPr id="7" name="Rectangle 6"/>
+          <p:cNvSpPr/>
+          <p:nvPr/>
+        </p:nvSpPr>
+        <p:spPr>
+          <a:xfrm>
+            <a:off x="4890978" y="3544684"/>
+            <a:ext cx="1286540" cy="531628"/>
+          </a:xfrm>
+          <a:prstGeom prst="rect">
+            <a:avLst/>
+          </a:prstGeom>
+        </p:spPr>
+        <p:style>
+          <a:lnRef idx="2">
+            <a:schemeClr val="accent1">
+              <a:shade val="50000"/>
+            </a:schemeClr>
+          </a:lnRef>
+          <a:fillRef idx="1">
+            <a:schemeClr val="accent1"/>
+          </a:fillRef>
+          <a:effectRef idx="0">
+            <a:schemeClr val="accent1"/>
+          </a:effectRef>
+          <a:fontRef idx="minor">
+            <a:schemeClr val="lt1"/>
+          </a:fontRef>
+        </p:style>
+        <p:txBody>
+          <a:bodyPr rtlCol="0" anchor="ctr"/>
+          <a:lstStyle/>
+          <a:p>
+            <a:pPr algn="ctr"/>
+            <a:endParaRPr lang="en-US"/>
+          </a:p>
+        </p:txBody>
+      </p:sp>
+      <p:sp>
+        <p:nvSpPr>
+          <p:cNvPr id="8" name="Rectangle 7"/>
+          <p:cNvSpPr/>
+          <p:nvPr/>
+        </p:nvSpPr>
+        <p:spPr>
+          <a:xfrm>
+            <a:off x="3469761" y="3544684"/>
+            <a:ext cx="1286540" cy="531628"/>
+          </a:xfrm>
+          <a:prstGeom prst="rect">
+            <a:avLst/>
+          </a:prstGeom>
+        </p:spPr>
+        <p:style>
+          <a:lnRef idx="2">
+            <a:schemeClr val="accent1">
+              <a:shade val="50000"/>
+            </a:schemeClr>
+          </a:lnRef>
+          <a:fillRef idx="1">
+            <a:schemeClr val="accent1"/>
+          </a:fillRef>
+          <a:effectRef idx="0">
+            <a:schemeClr val="accent1"/>
+          </a:effectRef>
+          <a:fontRef idx="minor">
+            <a:schemeClr val="lt1"/>
+          </a:fontRef>
+        </p:style>
+        <p:txBody>
+          <a:bodyPr rtlCol="0" anchor="ctr"/>
+          <a:lstStyle/>
+          <a:p>
+            <a:pPr algn="ctr"/>
+            <a:endParaRPr lang="en-US"/>
+          </a:p>
+        </p:txBody>
+      </p:sp>
+      <p:sp>
+        <p:nvSpPr>
+          <p:cNvPr id="9" name="Rectangle 8"/>
+          <p:cNvSpPr/>
+          <p:nvPr/>
+        </p:nvSpPr>
+        <p:spPr>
+          <a:xfrm>
+            <a:off x="2091073" y="3544684"/>
+            <a:ext cx="1286540" cy="531628"/>
+          </a:xfrm>
+          <a:prstGeom prst="rect">
+            <a:avLst/>
+          </a:prstGeom>
+        </p:spPr>
+        <p:style>
+          <a:lnRef idx="2">
+            <a:schemeClr val="accent1">
+              <a:shade val="50000"/>
+            </a:schemeClr>
+          </a:lnRef>
+          <a:fillRef idx="1">
+            <a:schemeClr val="accent1"/>
+          </a:fillRef>
+          <a:effectRef idx="0">
+            <a:schemeClr val="accent1"/>
+          </a:effectRef>
+          <a:fontRef idx="minor">
+            <a:schemeClr val="lt1"/>
+          </a:fontRef>
+        </p:style>
+        <p:txBody>
+          <a:bodyPr rtlCol="0" anchor="ctr"/>
+          <a:lstStyle/>
+          <a:p>
+            <a:pPr algn="ctr"/>
             <a:endParaRPr lang="en-US"/>
           </a:p>
         </p:txBody>
@@ -8658,7 +11317,7 @@
     </p:spTree>
     <p:extLst>
       <p:ext uri="{BB962C8B-B14F-4D97-AF65-F5344CB8AC3E}">
-        <p14:creationId xmlns:p14="http://schemas.microsoft.com/office/powerpoint/2010/main" val="1209062781"/>
+        <p14:creationId xmlns:p14="http://schemas.microsoft.com/office/powerpoint/2010/main" val="791559181"/>
       </p:ext>
     </p:extLst>
   </p:cSld>
@@ -8668,7 +11327,507 @@
   <p:timing>
     <p:tnLst>
       <p:par>
-        <p:cTn id="1" dur="indefinite" restart="never" nodeType="tmRoot"/>
+        <p:cTn id="1" dur="indefinite" restart="never" nodeType="tmRoot">
+          <p:childTnLst>
+            <p:seq concurrent="1" nextAc="seek">
+              <p:cTn id="2" dur="indefinite" nodeType="mainSeq">
+                <p:childTnLst>
+                  <p:par>
+                    <p:cTn id="3" fill="hold">
+                      <p:stCondLst>
+                        <p:cond delay="indefinite"/>
+                      </p:stCondLst>
+                      <p:childTnLst>
+                        <p:par>
+                          <p:cTn id="4" fill="hold">
+                            <p:stCondLst>
+                              <p:cond delay="0"/>
+                            </p:stCondLst>
+                            <p:childTnLst>
+                              <p:par>
+                                <p:cTn id="5" presetID="1" presetClass="emph" presetSubtype="2" fill="hold" nodeType="clickEffect">
+                                  <p:stCondLst>
+                                    <p:cond delay="0"/>
+                                  </p:stCondLst>
+                                  <p:childTnLst>
+                                    <p:animClr clrSpc="rgb" dir="cw">
+                                      <p:cBhvr>
+                                        <p:cTn id="6" dur="2000" fill="hold"/>
+                                        <p:tgtEl>
+                                          <p:spTgt spid="4"/>
+                                        </p:tgtEl>
+                                        <p:attrNameLst>
+                                          <p:attrName>fillcolor</p:attrName>
+                                        </p:attrNameLst>
+                                      </p:cBhvr>
+                                      <p:to>
+                                        <a:srgbClr val="00FA00"/>
+                                      </p:to>
+                                    </p:animClr>
+                                    <p:set>
+                                      <p:cBhvr>
+                                        <p:cTn id="7" dur="2000" fill="hold"/>
+                                        <p:tgtEl>
+                                          <p:spTgt spid="4"/>
+                                        </p:tgtEl>
+                                        <p:attrNameLst>
+                                          <p:attrName>fill.type</p:attrName>
+                                        </p:attrNameLst>
+                                      </p:cBhvr>
+                                      <p:to>
+                                        <p:strVal val="solid"/>
+                                      </p:to>
+                                    </p:set>
+                                    <p:set>
+                                      <p:cBhvr>
+                                        <p:cTn id="8" dur="2000" fill="hold"/>
+                                        <p:tgtEl>
+                                          <p:spTgt spid="4"/>
+                                        </p:tgtEl>
+                                        <p:attrNameLst>
+                                          <p:attrName>fill.on</p:attrName>
+                                        </p:attrNameLst>
+                                      </p:cBhvr>
+                                      <p:to>
+                                        <p:strVal val="true"/>
+                                      </p:to>
+                                    </p:set>
+                                  </p:childTnLst>
+                                </p:cTn>
+                              </p:par>
+                            </p:childTnLst>
+                          </p:cTn>
+                        </p:par>
+                      </p:childTnLst>
+                    </p:cTn>
+                  </p:par>
+                  <p:par>
+                    <p:cTn id="9" fill="hold">
+                      <p:stCondLst>
+                        <p:cond delay="indefinite"/>
+                      </p:stCondLst>
+                      <p:childTnLst>
+                        <p:par>
+                          <p:cTn id="10" fill="hold">
+                            <p:stCondLst>
+                              <p:cond delay="0"/>
+                            </p:stCondLst>
+                            <p:childTnLst>
+                              <p:par>
+                                <p:cTn id="11" presetID="1" presetClass="exit" presetSubtype="0" fill="hold" nodeType="clickEffect">
+                                  <p:stCondLst>
+                                    <p:cond delay="0"/>
+                                  </p:stCondLst>
+                                  <p:childTnLst>
+                                    <p:set>
+                                      <p:cBhvr>
+                                        <p:cTn id="12" dur="1" fill="hold">
+                                          <p:stCondLst>
+                                            <p:cond delay="0"/>
+                                          </p:stCondLst>
+                                        </p:cTn>
+                                        <p:tgtEl>
+                                          <p:spTgt spid="4"/>
+                                        </p:tgtEl>
+                                        <p:attrNameLst>
+                                          <p:attrName>style.visibility</p:attrName>
+                                        </p:attrNameLst>
+                                      </p:cBhvr>
+                                      <p:to>
+                                        <p:strVal val="hidden"/>
+                                      </p:to>
+                                    </p:set>
+                                  </p:childTnLst>
+                                </p:cTn>
+                              </p:par>
+                              <p:par>
+                                <p:cTn id="13" presetID="1" presetClass="emph" presetSubtype="2" fill="hold" nodeType="withEffect">
+                                  <p:stCondLst>
+                                    <p:cond delay="0"/>
+                                  </p:stCondLst>
+                                  <p:childTnLst>
+                                    <p:animClr clrSpc="rgb" dir="cw">
+                                      <p:cBhvr>
+                                        <p:cTn id="14" dur="2000" fill="hold"/>
+                                        <p:tgtEl>
+                                          <p:spTgt spid="5"/>
+                                        </p:tgtEl>
+                                        <p:attrNameLst>
+                                          <p:attrName>fillcolor</p:attrName>
+                                        </p:attrNameLst>
+                                      </p:cBhvr>
+                                      <p:to>
+                                        <a:srgbClr val="00FA00"/>
+                                      </p:to>
+                                    </p:animClr>
+                                    <p:set>
+                                      <p:cBhvr>
+                                        <p:cTn id="15" dur="2000" fill="hold"/>
+                                        <p:tgtEl>
+                                          <p:spTgt spid="5"/>
+                                        </p:tgtEl>
+                                        <p:attrNameLst>
+                                          <p:attrName>fill.type</p:attrName>
+                                        </p:attrNameLst>
+                                      </p:cBhvr>
+                                      <p:to>
+                                        <p:strVal val="solid"/>
+                                      </p:to>
+                                    </p:set>
+                                    <p:set>
+                                      <p:cBhvr>
+                                        <p:cTn id="16" dur="2000" fill="hold"/>
+                                        <p:tgtEl>
+                                          <p:spTgt spid="5"/>
+                                        </p:tgtEl>
+                                        <p:attrNameLst>
+                                          <p:attrName>fill.on</p:attrName>
+                                        </p:attrNameLst>
+                                      </p:cBhvr>
+                                      <p:to>
+                                        <p:strVal val="true"/>
+                                      </p:to>
+                                    </p:set>
+                                  </p:childTnLst>
+                                </p:cTn>
+                              </p:par>
+                            </p:childTnLst>
+                          </p:cTn>
+                        </p:par>
+                      </p:childTnLst>
+                    </p:cTn>
+                  </p:par>
+                  <p:par>
+                    <p:cTn id="17" fill="hold">
+                      <p:stCondLst>
+                        <p:cond delay="indefinite"/>
+                      </p:stCondLst>
+                      <p:childTnLst>
+                        <p:par>
+                          <p:cTn id="18" fill="hold">
+                            <p:stCondLst>
+                              <p:cond delay="0"/>
+                            </p:stCondLst>
+                            <p:childTnLst>
+                              <p:par>
+                                <p:cTn id="19" presetID="1" presetClass="emph" presetSubtype="2" fill="hold" nodeType="clickEffect">
+                                  <p:stCondLst>
+                                    <p:cond delay="0"/>
+                                  </p:stCondLst>
+                                  <p:childTnLst>
+                                    <p:animClr clrSpc="rgb" dir="cw">
+                                      <p:cBhvr>
+                                        <p:cTn id="20" dur="2000" fill="hold"/>
+                                        <p:tgtEl>
+                                          <p:spTgt spid="6"/>
+                                        </p:tgtEl>
+                                        <p:attrNameLst>
+                                          <p:attrName>fillcolor</p:attrName>
+                                        </p:attrNameLst>
+                                      </p:cBhvr>
+                                      <p:to>
+                                        <a:srgbClr val="00FA00"/>
+                                      </p:to>
+                                    </p:animClr>
+                                    <p:set>
+                                      <p:cBhvr>
+                                        <p:cTn id="21" dur="2000" fill="hold"/>
+                                        <p:tgtEl>
+                                          <p:spTgt spid="6"/>
+                                        </p:tgtEl>
+                                        <p:attrNameLst>
+                                          <p:attrName>fill.type</p:attrName>
+                                        </p:attrNameLst>
+                                      </p:cBhvr>
+                                      <p:to>
+                                        <p:strVal val="solid"/>
+                                      </p:to>
+                                    </p:set>
+                                    <p:set>
+                                      <p:cBhvr>
+                                        <p:cTn id="22" dur="2000" fill="hold"/>
+                                        <p:tgtEl>
+                                          <p:spTgt spid="6"/>
+                                        </p:tgtEl>
+                                        <p:attrNameLst>
+                                          <p:attrName>fill.on</p:attrName>
+                                        </p:attrNameLst>
+                                      </p:cBhvr>
+                                      <p:to>
+                                        <p:strVal val="true"/>
+                                      </p:to>
+                                    </p:set>
+                                  </p:childTnLst>
+                                </p:cTn>
+                              </p:par>
+                            </p:childTnLst>
+                          </p:cTn>
+                        </p:par>
+                      </p:childTnLst>
+                    </p:cTn>
+                  </p:par>
+                  <p:par>
+                    <p:cTn id="23" fill="hold">
+                      <p:stCondLst>
+                        <p:cond delay="indefinite"/>
+                      </p:stCondLst>
+                      <p:childTnLst>
+                        <p:par>
+                          <p:cTn id="24" fill="hold">
+                            <p:stCondLst>
+                              <p:cond delay="0"/>
+                            </p:stCondLst>
+                            <p:childTnLst>
+                              <p:par>
+                                <p:cTn id="25" presetID="1" presetClass="exit" presetSubtype="0" fill="hold" nodeType="clickEffect">
+                                  <p:stCondLst>
+                                    <p:cond delay="0"/>
+                                  </p:stCondLst>
+                                  <p:childTnLst>
+                                    <p:set>
+                                      <p:cBhvr>
+                                        <p:cTn id="26" dur="1" fill="hold">
+                                          <p:stCondLst>
+                                            <p:cond delay="0"/>
+                                          </p:stCondLst>
+                                        </p:cTn>
+                                        <p:tgtEl>
+                                          <p:spTgt spid="5"/>
+                                        </p:tgtEl>
+                                        <p:attrNameLst>
+                                          <p:attrName>style.visibility</p:attrName>
+                                        </p:attrNameLst>
+                                      </p:cBhvr>
+                                      <p:to>
+                                        <p:strVal val="hidden"/>
+                                      </p:to>
+                                    </p:set>
+                                  </p:childTnLst>
+                                </p:cTn>
+                              </p:par>
+                              <p:par>
+                                <p:cTn id="27" presetID="1" presetClass="exit" presetSubtype="0" fill="hold" nodeType="withEffect">
+                                  <p:stCondLst>
+                                    <p:cond delay="0"/>
+                                  </p:stCondLst>
+                                  <p:childTnLst>
+                                    <p:set>
+                                      <p:cBhvr>
+                                        <p:cTn id="28" dur="1" fill="hold">
+                                          <p:stCondLst>
+                                            <p:cond delay="0"/>
+                                          </p:stCondLst>
+                                        </p:cTn>
+                                        <p:tgtEl>
+                                          <p:spTgt spid="6"/>
+                                        </p:tgtEl>
+                                        <p:attrNameLst>
+                                          <p:attrName>style.visibility</p:attrName>
+                                        </p:attrNameLst>
+                                      </p:cBhvr>
+                                      <p:to>
+                                        <p:strVal val="hidden"/>
+                                      </p:to>
+                                    </p:set>
+                                  </p:childTnLst>
+                                </p:cTn>
+                              </p:par>
+                            </p:childTnLst>
+                          </p:cTn>
+                        </p:par>
+                      </p:childTnLst>
+                    </p:cTn>
+                  </p:par>
+                  <p:par>
+                    <p:cTn id="29" fill="hold">
+                      <p:stCondLst>
+                        <p:cond delay="indefinite"/>
+                      </p:stCondLst>
+                      <p:childTnLst>
+                        <p:par>
+                          <p:cTn id="30" fill="hold">
+                            <p:stCondLst>
+                              <p:cond delay="0"/>
+                            </p:stCondLst>
+                            <p:childTnLst>
+                              <p:par>
+                                <p:cTn id="31" presetID="1" presetClass="emph" presetSubtype="2" fill="hold" nodeType="clickEffect">
+                                  <p:stCondLst>
+                                    <p:cond delay="0"/>
+                                  </p:stCondLst>
+                                  <p:childTnLst>
+                                    <p:animClr clrSpc="rgb" dir="cw">
+                                      <p:cBhvr>
+                                        <p:cTn id="32" dur="2000" fill="hold"/>
+                                        <p:tgtEl>
+                                          <p:spTgt spid="9"/>
+                                        </p:tgtEl>
+                                        <p:attrNameLst>
+                                          <p:attrName>fillcolor</p:attrName>
+                                        </p:attrNameLst>
+                                      </p:cBhvr>
+                                      <p:to>
+                                        <a:srgbClr val="00FA00"/>
+                                      </p:to>
+                                    </p:animClr>
+                                    <p:set>
+                                      <p:cBhvr>
+                                        <p:cTn id="33" dur="2000" fill="hold"/>
+                                        <p:tgtEl>
+                                          <p:spTgt spid="9"/>
+                                        </p:tgtEl>
+                                        <p:attrNameLst>
+                                          <p:attrName>fill.type</p:attrName>
+                                        </p:attrNameLst>
+                                      </p:cBhvr>
+                                      <p:to>
+                                        <p:strVal val="solid"/>
+                                      </p:to>
+                                    </p:set>
+                                    <p:set>
+                                      <p:cBhvr>
+                                        <p:cTn id="34" dur="2000" fill="hold"/>
+                                        <p:tgtEl>
+                                          <p:spTgt spid="9"/>
+                                        </p:tgtEl>
+                                        <p:attrNameLst>
+                                          <p:attrName>fill.on</p:attrName>
+                                        </p:attrNameLst>
+                                      </p:cBhvr>
+                                      <p:to>
+                                        <p:strVal val="true"/>
+                                      </p:to>
+                                    </p:set>
+                                  </p:childTnLst>
+                                </p:cTn>
+                              </p:par>
+                              <p:par>
+                                <p:cTn id="35" presetID="1" presetClass="emph" presetSubtype="2" fill="hold" nodeType="withEffect">
+                                  <p:stCondLst>
+                                    <p:cond delay="0"/>
+                                  </p:stCondLst>
+                                  <p:childTnLst>
+                                    <p:animClr clrSpc="rgb" dir="cw">
+                                      <p:cBhvr>
+                                        <p:cTn id="36" dur="2000" fill="hold"/>
+                                        <p:tgtEl>
+                                          <p:spTgt spid="8"/>
+                                        </p:tgtEl>
+                                        <p:attrNameLst>
+                                          <p:attrName>fillcolor</p:attrName>
+                                        </p:attrNameLst>
+                                      </p:cBhvr>
+                                      <p:to>
+                                        <a:srgbClr val="00FA00"/>
+                                      </p:to>
+                                    </p:animClr>
+                                    <p:set>
+                                      <p:cBhvr>
+                                        <p:cTn id="37" dur="2000" fill="hold"/>
+                                        <p:tgtEl>
+                                          <p:spTgt spid="8"/>
+                                        </p:tgtEl>
+                                        <p:attrNameLst>
+                                          <p:attrName>fill.type</p:attrName>
+                                        </p:attrNameLst>
+                                      </p:cBhvr>
+                                      <p:to>
+                                        <p:strVal val="solid"/>
+                                      </p:to>
+                                    </p:set>
+                                    <p:set>
+                                      <p:cBhvr>
+                                        <p:cTn id="38" dur="2000" fill="hold"/>
+                                        <p:tgtEl>
+                                          <p:spTgt spid="8"/>
+                                        </p:tgtEl>
+                                        <p:attrNameLst>
+                                          <p:attrName>fill.on</p:attrName>
+                                        </p:attrNameLst>
+                                      </p:cBhvr>
+                                      <p:to>
+                                        <p:strVal val="true"/>
+                                      </p:to>
+                                    </p:set>
+                                  </p:childTnLst>
+                                </p:cTn>
+                              </p:par>
+                              <p:par>
+                                <p:cTn id="39" presetID="1" presetClass="emph" presetSubtype="2" fill="hold" nodeType="withEffect">
+                                  <p:stCondLst>
+                                    <p:cond delay="0"/>
+                                  </p:stCondLst>
+                                  <p:childTnLst>
+                                    <p:animClr clrSpc="rgb" dir="cw">
+                                      <p:cBhvr>
+                                        <p:cTn id="40" dur="2000" fill="hold"/>
+                                        <p:tgtEl>
+                                          <p:spTgt spid="7"/>
+                                        </p:tgtEl>
+                                        <p:attrNameLst>
+                                          <p:attrName>fillcolor</p:attrName>
+                                        </p:attrNameLst>
+                                      </p:cBhvr>
+                                      <p:to>
+                                        <a:srgbClr val="00FA00"/>
+                                      </p:to>
+                                    </p:animClr>
+                                    <p:set>
+                                      <p:cBhvr>
+                                        <p:cTn id="41" dur="2000" fill="hold"/>
+                                        <p:tgtEl>
+                                          <p:spTgt spid="7"/>
+                                        </p:tgtEl>
+                                        <p:attrNameLst>
+                                          <p:attrName>fill.type</p:attrName>
+                                        </p:attrNameLst>
+                                      </p:cBhvr>
+                                      <p:to>
+                                        <p:strVal val="solid"/>
+                                      </p:to>
+                                    </p:set>
+                                    <p:set>
+                                      <p:cBhvr>
+                                        <p:cTn id="42" dur="2000" fill="hold"/>
+                                        <p:tgtEl>
+                                          <p:spTgt spid="7"/>
+                                        </p:tgtEl>
+                                        <p:attrNameLst>
+                                          <p:attrName>fill.on</p:attrName>
+                                        </p:attrNameLst>
+                                      </p:cBhvr>
+                                      <p:to>
+                                        <p:strVal val="true"/>
+                                      </p:to>
+                                    </p:set>
+                                  </p:childTnLst>
+                                </p:cTn>
+                              </p:par>
+                            </p:childTnLst>
+                          </p:cTn>
+                        </p:par>
+                      </p:childTnLst>
+                    </p:cTn>
+                  </p:par>
+                </p:childTnLst>
+              </p:cTn>
+              <p:prevCondLst>
+                <p:cond evt="onPrev" delay="0">
+                  <p:tgtEl>
+                    <p:sldTgt/>
+                  </p:tgtEl>
+                </p:cond>
+              </p:prevCondLst>
+              <p:nextCondLst>
+                <p:cond evt="onNext" delay="0">
+                  <p:tgtEl>
+                    <p:sldTgt/>
+                  </p:tgtEl>
+                </p:cond>
+              </p:nextCondLst>
+            </p:seq>
+          </p:childTnLst>
+        </p:cTn>
       </p:par>
     </p:tnLst>
   </p:timing>
@@ -8709,7 +11868,7 @@
           <a:p>
             <a:r>
               <a:rPr lang="en-US" dirty="0" smtClean="0"/>
-              <a:t>TCP Data Flow</a:t>
+              <a:t>Four Way Close</a:t>
             </a:r>
             <a:endParaRPr lang="en-US" dirty="0"/>
           </a:p>
@@ -8732,16 +11891,70 @@
           <a:p>
             <a:r>
               <a:rPr lang="en-US" smtClean="0"/>
-              <a:t>A Look Inside FreeBSD with DTrace</a:t>
+              <a:t>Introduction to Operating Systems</a:t>
             </a:r>
             <a:endParaRPr lang="en-US"/>
+          </a:p>
+        </p:txBody>
+      </p:sp>
+      <p:sp>
+        <p:nvSpPr>
+          <p:cNvPr id="4" name="Text Placeholder 3"/>
+          <p:cNvSpPr>
+            <a:spLocks noGrp="1"/>
+          </p:cNvSpPr>
+          <p:nvPr>
+            <p:ph type="body" idx="4294967295"/>
+          </p:nvPr>
+        </p:nvSpPr>
+        <p:spPr/>
+        <p:txBody>
+          <a:bodyPr/>
+          <a:lstStyle/>
+          <a:p>
+            <a:r>
+              <a:rPr lang="en-US" dirty="0" smtClean="0"/>
+              <a:t>Closing a connection between two nodes</a:t>
+            </a:r>
+          </a:p>
+          <a:p>
+            <a:r>
+              <a:rPr lang="en-US" dirty="0" smtClean="0"/>
+              <a:t>Each node must close its side of the connection</a:t>
+            </a:r>
+          </a:p>
+          <a:p>
+            <a:r>
+              <a:rPr lang="en-US" dirty="0" smtClean="0"/>
+              <a:t>More complicated than opening a connection. </a:t>
+            </a:r>
+          </a:p>
+          <a:p>
+            <a:r>
+              <a:rPr lang="en-US" dirty="0" smtClean="0"/>
+              <a:t>Connections may be left half open</a:t>
+            </a:r>
+          </a:p>
+          <a:p>
+            <a:pPr lvl="1"/>
+            <a:r>
+              <a:rPr lang="en-US" dirty="0" smtClean="0"/>
+              <a:t>as they are full duplex</a:t>
+            </a:r>
+          </a:p>
+          <a:p>
+            <a:pPr lvl="1"/>
+            <a:r>
+              <a:rPr lang="en-US" dirty="0" smtClean="0"/>
+              <a:t>But this is not very common</a:t>
+            </a:r>
           </a:p>
         </p:txBody>
       </p:sp>
     </p:spTree>
     <p:extLst>
       <p:ext uri="{BB962C8B-B14F-4D97-AF65-F5344CB8AC3E}">
-        <p14:creationId xmlns:p14="http://schemas.microsoft.com/office/powerpoint/2010/main" val="1550454414"/>
+        <p14:creationId xmlns:p14="http://schemas.microsoft.com/office/powerpoint/2010/main" val="1384675985"/>
       </p:ext>
     </p:extLst>
   </p:cSld>
@@ -8792,7 +12005,7 @@
           <a:p>
             <a:r>
               <a:rPr lang="en-US" dirty="0" smtClean="0"/>
-              <a:t>The Sliding Window</a:t>
+              <a:t>Closing a Connection</a:t>
             </a:r>
             <a:endParaRPr lang="en-US" dirty="0"/>
           </a:p>
@@ -8815,16 +12028,944 @@
           <a:p>
             <a:r>
               <a:rPr lang="en-US" smtClean="0"/>
-              <a:t>A Look Inside FreeBSD with DTrace</a:t>
+              <a:t>Introduction to Operating Systems</a:t>
             </a:r>
             <a:endParaRPr lang="en-US"/>
+          </a:p>
+        </p:txBody>
+      </p:sp>
+      <p:cxnSp>
+        <p:nvCxnSpPr>
+          <p:cNvPr id="4" name="Straight Arrow Connector 3"/>
+          <p:cNvCxnSpPr/>
+          <p:nvPr/>
+        </p:nvCxnSpPr>
+        <p:spPr>
+          <a:xfrm>
+            <a:off x="4698989" y="1998921"/>
+            <a:ext cx="31898" cy="4167962"/>
+          </a:xfrm>
+          <a:prstGeom prst="straightConnector1">
+            <a:avLst/>
+          </a:prstGeom>
+          <a:ln w="38100">
+            <a:solidFill>
+              <a:schemeClr val="tx1"/>
+            </a:solidFill>
+            <a:tailEnd type="triangle"/>
+          </a:ln>
+        </p:spPr>
+        <p:style>
+          <a:lnRef idx="1">
+            <a:schemeClr val="accent1"/>
+          </a:lnRef>
+          <a:fillRef idx="0">
+            <a:schemeClr val="accent1"/>
+          </a:fillRef>
+          <a:effectRef idx="0">
+            <a:schemeClr val="accent1"/>
+          </a:effectRef>
+          <a:fontRef idx="minor">
+            <a:schemeClr val="tx1"/>
+          </a:fontRef>
+        </p:style>
+      </p:cxnSp>
+      <p:cxnSp>
+        <p:nvCxnSpPr>
+          <p:cNvPr id="5" name="Straight Arrow Connector 4"/>
+          <p:cNvCxnSpPr/>
+          <p:nvPr/>
+        </p:nvCxnSpPr>
+        <p:spPr>
+          <a:xfrm>
+            <a:off x="7583956" y="1998921"/>
+            <a:ext cx="31898" cy="4167962"/>
+          </a:xfrm>
+          <a:prstGeom prst="straightConnector1">
+            <a:avLst/>
+          </a:prstGeom>
+          <a:ln w="38100">
+            <a:solidFill>
+              <a:schemeClr val="tx1"/>
+            </a:solidFill>
+            <a:tailEnd type="triangle"/>
+          </a:ln>
+        </p:spPr>
+        <p:style>
+          <a:lnRef idx="1">
+            <a:schemeClr val="accent1"/>
+          </a:lnRef>
+          <a:fillRef idx="0">
+            <a:schemeClr val="accent1"/>
+          </a:fillRef>
+          <a:effectRef idx="0">
+            <a:schemeClr val="accent1"/>
+          </a:effectRef>
+          <a:fontRef idx="minor">
+            <a:schemeClr val="tx1"/>
+          </a:fontRef>
+        </p:style>
+      </p:cxnSp>
+      <p:sp>
+        <p:nvSpPr>
+          <p:cNvPr id="8" name="Rectangle 7"/>
+          <p:cNvSpPr/>
+          <p:nvPr/>
+        </p:nvSpPr>
+        <p:spPr>
+          <a:xfrm>
+            <a:off x="7705463" y="3170198"/>
+            <a:ext cx="1594884" cy="523542"/>
+          </a:xfrm>
+          <a:prstGeom prst="rect">
+            <a:avLst/>
+          </a:prstGeom>
+          <a:solidFill>
+            <a:srgbClr val="00B050"/>
+          </a:solidFill>
+          <a:ln>
+            <a:solidFill>
+              <a:srgbClr val="00B050"/>
+            </a:solidFill>
+          </a:ln>
+        </p:spPr>
+        <p:style>
+          <a:lnRef idx="2">
+            <a:schemeClr val="accent1">
+              <a:shade val="50000"/>
+            </a:schemeClr>
+          </a:lnRef>
+          <a:fillRef idx="1">
+            <a:schemeClr val="accent1"/>
+          </a:fillRef>
+          <a:effectRef idx="0">
+            <a:schemeClr val="accent1"/>
+          </a:effectRef>
+          <a:fontRef idx="minor">
+            <a:schemeClr val="lt1"/>
+          </a:fontRef>
+        </p:style>
+        <p:txBody>
+          <a:bodyPr rtlCol="0" anchor="ctr"/>
+          <a:lstStyle/>
+          <a:p>
+            <a:pPr algn="ctr"/>
+            <a:r>
+              <a:rPr lang="en-US" smtClean="0"/>
+              <a:t>CLOSE WAIT</a:t>
+            </a:r>
+            <a:endParaRPr lang="en-US" dirty="0"/>
+          </a:p>
+        </p:txBody>
+      </p:sp>
+      <p:sp>
+        <p:nvSpPr>
+          <p:cNvPr id="9" name="Rectangle 8"/>
+          <p:cNvSpPr/>
+          <p:nvPr/>
+        </p:nvSpPr>
+        <p:spPr>
+          <a:xfrm>
+            <a:off x="2944617" y="2789631"/>
+            <a:ext cx="1594884" cy="523542"/>
+          </a:xfrm>
+          <a:prstGeom prst="rect">
+            <a:avLst/>
+          </a:prstGeom>
+          <a:solidFill>
+            <a:srgbClr val="00B050"/>
+          </a:solidFill>
+          <a:ln>
+            <a:solidFill>
+              <a:srgbClr val="00B050"/>
+            </a:solidFill>
+          </a:ln>
+        </p:spPr>
+        <p:style>
+          <a:lnRef idx="2">
+            <a:schemeClr val="accent1">
+              <a:shade val="50000"/>
+            </a:schemeClr>
+          </a:lnRef>
+          <a:fillRef idx="1">
+            <a:schemeClr val="accent1"/>
+          </a:fillRef>
+          <a:effectRef idx="0">
+            <a:schemeClr val="accent1"/>
+          </a:effectRef>
+          <a:fontRef idx="minor">
+            <a:schemeClr val="lt1"/>
+          </a:fontRef>
+        </p:style>
+        <p:txBody>
+          <a:bodyPr rtlCol="0" anchor="ctr"/>
+          <a:lstStyle/>
+          <a:p>
+            <a:pPr algn="ctr"/>
+            <a:r>
+              <a:rPr lang="en-US" dirty="0" smtClean="0"/>
+              <a:t>FIN WAIT 1</a:t>
+            </a:r>
+            <a:endParaRPr lang="en-US" dirty="0"/>
+          </a:p>
+        </p:txBody>
+      </p:sp>
+      <p:sp>
+        <p:nvSpPr>
+          <p:cNvPr id="10" name="Rectangle 9"/>
+          <p:cNvSpPr/>
+          <p:nvPr/>
+        </p:nvSpPr>
+        <p:spPr>
+          <a:xfrm>
+            <a:off x="2944617" y="1956289"/>
+            <a:ext cx="1594884" cy="523542"/>
+          </a:xfrm>
+          <a:prstGeom prst="rect">
+            <a:avLst/>
+          </a:prstGeom>
+          <a:solidFill>
+            <a:srgbClr val="00B050"/>
+          </a:solidFill>
+          <a:ln>
+            <a:solidFill>
+              <a:srgbClr val="00B050"/>
+            </a:solidFill>
+          </a:ln>
+        </p:spPr>
+        <p:style>
+          <a:lnRef idx="2">
+            <a:schemeClr val="accent1">
+              <a:shade val="50000"/>
+            </a:schemeClr>
+          </a:lnRef>
+          <a:fillRef idx="1">
+            <a:schemeClr val="accent1"/>
+          </a:fillRef>
+          <a:effectRef idx="0">
+            <a:schemeClr val="accent1"/>
+          </a:effectRef>
+          <a:fontRef idx="minor">
+            <a:schemeClr val="lt1"/>
+          </a:fontRef>
+        </p:style>
+        <p:txBody>
+          <a:bodyPr rtlCol="0" anchor="ctr"/>
+          <a:lstStyle/>
+          <a:p>
+            <a:pPr algn="ctr"/>
+            <a:r>
+              <a:rPr lang="en-US" dirty="0" smtClean="0"/>
+              <a:t>ESTABLISHED</a:t>
+            </a:r>
+            <a:endParaRPr lang="en-US" dirty="0"/>
+          </a:p>
+        </p:txBody>
+      </p:sp>
+      <p:sp>
+        <p:nvSpPr>
+          <p:cNvPr id="11" name="Rectangle 10"/>
+          <p:cNvSpPr/>
+          <p:nvPr/>
+        </p:nvSpPr>
+        <p:spPr>
+          <a:xfrm>
+            <a:off x="7711547" y="1999245"/>
+            <a:ext cx="1594884" cy="523542"/>
+          </a:xfrm>
+          <a:prstGeom prst="rect">
+            <a:avLst/>
+          </a:prstGeom>
+          <a:solidFill>
+            <a:srgbClr val="00B050"/>
+          </a:solidFill>
+          <a:ln>
+            <a:solidFill>
+              <a:srgbClr val="00B050"/>
+            </a:solidFill>
+          </a:ln>
+        </p:spPr>
+        <p:style>
+          <a:lnRef idx="2">
+            <a:schemeClr val="accent1">
+              <a:shade val="50000"/>
+            </a:schemeClr>
+          </a:lnRef>
+          <a:fillRef idx="1">
+            <a:schemeClr val="accent1"/>
+          </a:fillRef>
+          <a:effectRef idx="0">
+            <a:schemeClr val="accent1"/>
+          </a:effectRef>
+          <a:fontRef idx="minor">
+            <a:schemeClr val="lt1"/>
+          </a:fontRef>
+        </p:style>
+        <p:txBody>
+          <a:bodyPr rtlCol="0" anchor="ctr"/>
+          <a:lstStyle/>
+          <a:p>
+            <a:pPr algn="ctr"/>
+            <a:r>
+              <a:rPr lang="en-US" dirty="0" smtClean="0"/>
+              <a:t>ESTABLISHED</a:t>
+            </a:r>
+            <a:endParaRPr lang="en-US" dirty="0"/>
+          </a:p>
+        </p:txBody>
+      </p:sp>
+      <p:grpSp>
+        <p:nvGrpSpPr>
+          <p:cNvPr id="12" name="Group 11"/>
+          <p:cNvGrpSpPr/>
+          <p:nvPr/>
+        </p:nvGrpSpPr>
+        <p:grpSpPr>
+          <a:xfrm>
+            <a:off x="4698989" y="2255565"/>
+            <a:ext cx="2884967" cy="827877"/>
+            <a:chOff x="4827181" y="1925956"/>
+            <a:chExt cx="2884967" cy="827877"/>
+          </a:xfrm>
+        </p:grpSpPr>
+        <p:cxnSp>
+          <p:nvCxnSpPr>
+            <p:cNvPr id="13" name="Straight Arrow Connector 12"/>
+            <p:cNvCxnSpPr/>
+            <p:nvPr/>
+          </p:nvCxnSpPr>
+          <p:spPr>
+            <a:xfrm>
+              <a:off x="4827181" y="1931083"/>
+              <a:ext cx="2884967" cy="822750"/>
+            </a:xfrm>
+            <a:prstGeom prst="straightConnector1">
+              <a:avLst/>
+            </a:prstGeom>
+            <a:ln w="38100">
+              <a:solidFill>
+                <a:schemeClr val="tx1"/>
+              </a:solidFill>
+              <a:tailEnd type="triangle"/>
+            </a:ln>
+          </p:spPr>
+          <p:style>
+            <a:lnRef idx="1">
+              <a:schemeClr val="accent1"/>
+            </a:lnRef>
+            <a:fillRef idx="0">
+              <a:schemeClr val="accent1"/>
+            </a:fillRef>
+            <a:effectRef idx="0">
+              <a:schemeClr val="accent1"/>
+            </a:effectRef>
+            <a:fontRef idx="minor">
+              <a:schemeClr val="tx1"/>
+            </a:fontRef>
+          </p:style>
+        </p:cxnSp>
+        <p:sp>
+          <p:nvSpPr>
+            <p:cNvPr id="14" name="TextBox 13"/>
+            <p:cNvSpPr txBox="1"/>
+            <p:nvPr/>
+          </p:nvSpPr>
+          <p:spPr>
+            <a:xfrm>
+              <a:off x="5964933" y="1925956"/>
+              <a:ext cx="530915" cy="369332"/>
+            </a:xfrm>
+            <a:prstGeom prst="rect">
+              <a:avLst/>
+            </a:prstGeom>
+            <a:noFill/>
+          </p:spPr>
+          <p:txBody>
+            <a:bodyPr wrap="none" rtlCol="0">
+              <a:spAutoFit/>
+            </a:bodyPr>
+            <a:lstStyle/>
+            <a:p>
+              <a:r>
+                <a:rPr lang="en-US" dirty="0" smtClean="0"/>
+                <a:t>FIN</a:t>
+              </a:r>
+              <a:endParaRPr lang="en-US" dirty="0"/>
+            </a:p>
+          </p:txBody>
+        </p:sp>
+      </p:grpSp>
+      <p:grpSp>
+        <p:nvGrpSpPr>
+          <p:cNvPr id="15" name="Group 14"/>
+          <p:cNvGrpSpPr/>
+          <p:nvPr/>
+        </p:nvGrpSpPr>
+        <p:grpSpPr>
+          <a:xfrm>
+            <a:off x="4706963" y="3225163"/>
+            <a:ext cx="2884967" cy="942813"/>
+            <a:chOff x="4843130" y="3022000"/>
+            <a:chExt cx="2884967" cy="942813"/>
+          </a:xfrm>
+        </p:grpSpPr>
+        <p:cxnSp>
+          <p:nvCxnSpPr>
+            <p:cNvPr id="16" name="Straight Arrow Connector 15"/>
+            <p:cNvCxnSpPr/>
+            <p:nvPr/>
+          </p:nvCxnSpPr>
+          <p:spPr>
+            <a:xfrm flipH="1">
+              <a:off x="4843130" y="3189767"/>
+              <a:ext cx="2884967" cy="775046"/>
+            </a:xfrm>
+            <a:prstGeom prst="straightConnector1">
+              <a:avLst/>
+            </a:prstGeom>
+            <a:ln w="38100">
+              <a:solidFill>
+                <a:schemeClr val="tx1"/>
+              </a:solidFill>
+              <a:tailEnd type="triangle"/>
+            </a:ln>
+          </p:spPr>
+          <p:style>
+            <a:lnRef idx="1">
+              <a:schemeClr val="accent1"/>
+            </a:lnRef>
+            <a:fillRef idx="0">
+              <a:schemeClr val="accent1"/>
+            </a:fillRef>
+            <a:effectRef idx="0">
+              <a:schemeClr val="accent1"/>
+            </a:effectRef>
+            <a:fontRef idx="minor">
+              <a:schemeClr val="tx1"/>
+            </a:fontRef>
+          </p:style>
+        </p:cxnSp>
+        <p:sp>
+          <p:nvSpPr>
+            <p:cNvPr id="17" name="TextBox 16"/>
+            <p:cNvSpPr txBox="1"/>
+            <p:nvPr/>
+          </p:nvSpPr>
+          <p:spPr>
+            <a:xfrm>
+              <a:off x="5719400" y="3022000"/>
+              <a:ext cx="643509" cy="369332"/>
+            </a:xfrm>
+            <a:prstGeom prst="rect">
+              <a:avLst/>
+            </a:prstGeom>
+            <a:noFill/>
+          </p:spPr>
+          <p:txBody>
+            <a:bodyPr wrap="none" rtlCol="0">
+              <a:spAutoFit/>
+            </a:bodyPr>
+            <a:lstStyle/>
+            <a:p>
+              <a:r>
+                <a:rPr lang="en-US" dirty="0" smtClean="0"/>
+                <a:t>ACK</a:t>
+              </a:r>
+              <a:endParaRPr lang="en-US" dirty="0"/>
+            </a:p>
+          </p:txBody>
+        </p:sp>
+      </p:grpSp>
+      <p:grpSp>
+        <p:nvGrpSpPr>
+          <p:cNvPr id="18" name="Group 17"/>
+          <p:cNvGrpSpPr/>
+          <p:nvPr/>
+        </p:nvGrpSpPr>
+        <p:grpSpPr>
+          <a:xfrm>
+            <a:off x="4698989" y="5209604"/>
+            <a:ext cx="2900916" cy="769042"/>
+            <a:chOff x="4859079" y="4217992"/>
+            <a:chExt cx="2900916" cy="769042"/>
+          </a:xfrm>
+        </p:grpSpPr>
+        <p:cxnSp>
+          <p:nvCxnSpPr>
+            <p:cNvPr id="19" name="Straight Arrow Connector 18"/>
+            <p:cNvCxnSpPr/>
+            <p:nvPr/>
+          </p:nvCxnSpPr>
+          <p:spPr>
+            <a:xfrm>
+              <a:off x="4859079" y="4359713"/>
+              <a:ext cx="2900916" cy="627321"/>
+            </a:xfrm>
+            <a:prstGeom prst="straightConnector1">
+              <a:avLst/>
+            </a:prstGeom>
+            <a:ln w="38100">
+              <a:solidFill>
+                <a:schemeClr val="tx1"/>
+              </a:solidFill>
+              <a:tailEnd type="triangle"/>
+            </a:ln>
+          </p:spPr>
+          <p:style>
+            <a:lnRef idx="1">
+              <a:schemeClr val="accent1"/>
+            </a:lnRef>
+            <a:fillRef idx="0">
+              <a:schemeClr val="accent1"/>
+            </a:fillRef>
+            <a:effectRef idx="0">
+              <a:schemeClr val="accent1"/>
+            </a:effectRef>
+            <a:fontRef idx="minor">
+              <a:schemeClr val="tx1"/>
+            </a:fontRef>
+          </p:style>
+        </p:cxnSp>
+        <p:sp>
+          <p:nvSpPr>
+            <p:cNvPr id="20" name="TextBox 19"/>
+            <p:cNvSpPr txBox="1"/>
+            <p:nvPr/>
+          </p:nvSpPr>
+          <p:spPr>
+            <a:xfrm>
+              <a:off x="5963859" y="4217992"/>
+              <a:ext cx="643509" cy="369332"/>
+            </a:xfrm>
+            <a:prstGeom prst="rect">
+              <a:avLst/>
+            </a:prstGeom>
+            <a:noFill/>
+          </p:spPr>
+          <p:txBody>
+            <a:bodyPr wrap="none" rtlCol="0">
+              <a:spAutoFit/>
+            </a:bodyPr>
+            <a:lstStyle/>
+            <a:p>
+              <a:r>
+                <a:rPr lang="en-US" dirty="0" smtClean="0"/>
+                <a:t>ACK</a:t>
+              </a:r>
+              <a:endParaRPr lang="en-US" dirty="0"/>
+            </a:p>
+          </p:txBody>
+        </p:sp>
+      </p:grpSp>
+      <p:sp>
+        <p:nvSpPr>
+          <p:cNvPr id="21" name="TextBox 20"/>
+          <p:cNvSpPr txBox="1"/>
+          <p:nvPr/>
+        </p:nvSpPr>
+        <p:spPr>
+          <a:xfrm>
+            <a:off x="4274753" y="1415297"/>
+            <a:ext cx="880369" cy="430887"/>
+          </a:xfrm>
+          <a:prstGeom prst="rect">
+            <a:avLst/>
+          </a:prstGeom>
+          <a:noFill/>
+        </p:spPr>
+        <p:txBody>
+          <a:bodyPr wrap="none" rtlCol="0">
+            <a:spAutoFit/>
+          </a:bodyPr>
+          <a:lstStyle/>
+          <a:p>
+            <a:r>
+              <a:rPr lang="en-US" sz="2200" dirty="0" smtClean="0"/>
+              <a:t>Client</a:t>
+            </a:r>
+            <a:endParaRPr lang="en-US" sz="2200" dirty="0"/>
+          </a:p>
+        </p:txBody>
+      </p:sp>
+      <p:sp>
+        <p:nvSpPr>
+          <p:cNvPr id="22" name="TextBox 21"/>
+          <p:cNvSpPr txBox="1"/>
+          <p:nvPr/>
+        </p:nvSpPr>
+        <p:spPr>
+          <a:xfrm>
+            <a:off x="7116841" y="1417747"/>
+            <a:ext cx="934230" cy="430887"/>
+          </a:xfrm>
+          <a:prstGeom prst="rect">
+            <a:avLst/>
+          </a:prstGeom>
+          <a:noFill/>
+        </p:spPr>
+        <p:txBody>
+          <a:bodyPr wrap="none" rtlCol="0">
+            <a:spAutoFit/>
+          </a:bodyPr>
+          <a:lstStyle/>
+          <a:p>
+            <a:r>
+              <a:rPr lang="en-US" sz="2200" dirty="0" smtClean="0"/>
+              <a:t>Server</a:t>
+            </a:r>
+            <a:endParaRPr lang="en-US" sz="2200" dirty="0"/>
+          </a:p>
+        </p:txBody>
+      </p:sp>
+      <p:grpSp>
+        <p:nvGrpSpPr>
+          <p:cNvPr id="23" name="Group 22"/>
+          <p:cNvGrpSpPr/>
+          <p:nvPr/>
+        </p:nvGrpSpPr>
+        <p:grpSpPr>
+          <a:xfrm>
+            <a:off x="4713570" y="4113508"/>
+            <a:ext cx="2884967" cy="942813"/>
+            <a:chOff x="4843130" y="3022000"/>
+            <a:chExt cx="2884967" cy="942813"/>
+          </a:xfrm>
+        </p:grpSpPr>
+        <p:cxnSp>
+          <p:nvCxnSpPr>
+            <p:cNvPr id="24" name="Straight Arrow Connector 23"/>
+            <p:cNvCxnSpPr/>
+            <p:nvPr/>
+          </p:nvCxnSpPr>
+          <p:spPr>
+            <a:xfrm flipH="1">
+              <a:off x="4843130" y="3189767"/>
+              <a:ext cx="2884967" cy="775046"/>
+            </a:xfrm>
+            <a:prstGeom prst="straightConnector1">
+              <a:avLst/>
+            </a:prstGeom>
+            <a:ln w="38100">
+              <a:solidFill>
+                <a:schemeClr val="tx1"/>
+              </a:solidFill>
+              <a:tailEnd type="triangle"/>
+            </a:ln>
+          </p:spPr>
+          <p:style>
+            <a:lnRef idx="1">
+              <a:schemeClr val="accent1"/>
+            </a:lnRef>
+            <a:fillRef idx="0">
+              <a:schemeClr val="accent1"/>
+            </a:fillRef>
+            <a:effectRef idx="0">
+              <a:schemeClr val="accent1"/>
+            </a:effectRef>
+            <a:fontRef idx="minor">
+              <a:schemeClr val="tx1"/>
+            </a:fontRef>
+          </p:style>
+        </p:cxnSp>
+        <p:sp>
+          <p:nvSpPr>
+            <p:cNvPr id="25" name="TextBox 24"/>
+            <p:cNvSpPr txBox="1"/>
+            <p:nvPr/>
+          </p:nvSpPr>
+          <p:spPr>
+            <a:xfrm>
+              <a:off x="5719400" y="3022000"/>
+              <a:ext cx="530915" cy="369332"/>
+            </a:xfrm>
+            <a:prstGeom prst="rect">
+              <a:avLst/>
+            </a:prstGeom>
+            <a:noFill/>
+          </p:spPr>
+          <p:txBody>
+            <a:bodyPr wrap="none" rtlCol="0">
+              <a:spAutoFit/>
+            </a:bodyPr>
+            <a:lstStyle/>
+            <a:p>
+              <a:r>
+                <a:rPr lang="en-US" dirty="0" smtClean="0"/>
+                <a:t>FIN</a:t>
+              </a:r>
+              <a:endParaRPr lang="en-US" dirty="0"/>
+            </a:p>
+          </p:txBody>
+        </p:sp>
+      </p:grpSp>
+      <p:sp>
+        <p:nvSpPr>
+          <p:cNvPr id="26" name="Rectangle 25"/>
+          <p:cNvSpPr/>
+          <p:nvPr/>
+        </p:nvSpPr>
+        <p:spPr>
+          <a:xfrm>
+            <a:off x="7705463" y="4722534"/>
+            <a:ext cx="1594884" cy="523542"/>
+          </a:xfrm>
+          <a:prstGeom prst="rect">
+            <a:avLst/>
+          </a:prstGeom>
+          <a:solidFill>
+            <a:srgbClr val="00B050"/>
+          </a:solidFill>
+          <a:ln>
+            <a:solidFill>
+              <a:srgbClr val="00B050"/>
+            </a:solidFill>
+          </a:ln>
+        </p:spPr>
+        <p:style>
+          <a:lnRef idx="2">
+            <a:schemeClr val="accent1">
+              <a:shade val="50000"/>
+            </a:schemeClr>
+          </a:lnRef>
+          <a:fillRef idx="1">
+            <a:schemeClr val="accent1"/>
+          </a:fillRef>
+          <a:effectRef idx="0">
+            <a:schemeClr val="accent1"/>
+          </a:effectRef>
+          <a:fontRef idx="minor">
+            <a:schemeClr val="lt1"/>
+          </a:fontRef>
+        </p:style>
+        <p:txBody>
+          <a:bodyPr rtlCol="0" anchor="ctr"/>
+          <a:lstStyle/>
+          <a:p>
+            <a:pPr algn="ctr"/>
+            <a:r>
+              <a:rPr lang="en-US" dirty="0" smtClean="0"/>
+              <a:t>LAST ACK</a:t>
+            </a:r>
+            <a:endParaRPr lang="en-US" dirty="0"/>
+          </a:p>
+        </p:txBody>
+      </p:sp>
+      <p:sp>
+        <p:nvSpPr>
+          <p:cNvPr id="27" name="Rectangle 26"/>
+          <p:cNvSpPr/>
+          <p:nvPr/>
+        </p:nvSpPr>
+        <p:spPr>
+          <a:xfrm>
+            <a:off x="2944617" y="3906205"/>
+            <a:ext cx="1594884" cy="523542"/>
+          </a:xfrm>
+          <a:prstGeom prst="rect">
+            <a:avLst/>
+          </a:prstGeom>
+          <a:solidFill>
+            <a:srgbClr val="00B050"/>
+          </a:solidFill>
+          <a:ln>
+            <a:solidFill>
+              <a:srgbClr val="00B050"/>
+            </a:solidFill>
+          </a:ln>
+        </p:spPr>
+        <p:style>
+          <a:lnRef idx="2">
+            <a:schemeClr val="accent1">
+              <a:shade val="50000"/>
+            </a:schemeClr>
+          </a:lnRef>
+          <a:fillRef idx="1">
+            <a:schemeClr val="accent1"/>
+          </a:fillRef>
+          <a:effectRef idx="0">
+            <a:schemeClr val="accent1"/>
+          </a:effectRef>
+          <a:fontRef idx="minor">
+            <a:schemeClr val="lt1"/>
+          </a:fontRef>
+        </p:style>
+        <p:txBody>
+          <a:bodyPr rtlCol="0" anchor="ctr"/>
+          <a:lstStyle/>
+          <a:p>
+            <a:pPr algn="ctr"/>
+            <a:r>
+              <a:rPr lang="en-US" dirty="0" smtClean="0"/>
+              <a:t>FIN </a:t>
+            </a:r>
+            <a:r>
+              <a:rPr lang="en-US" smtClean="0"/>
+              <a:t>WAIT 2</a:t>
+            </a:r>
+            <a:endParaRPr lang="en-US" dirty="0"/>
+          </a:p>
+        </p:txBody>
+      </p:sp>
+      <p:sp>
+        <p:nvSpPr>
+          <p:cNvPr id="28" name="Rectangle 27"/>
+          <p:cNvSpPr/>
+          <p:nvPr/>
+        </p:nvSpPr>
+        <p:spPr>
+          <a:xfrm>
+            <a:off x="2973202" y="4761008"/>
+            <a:ext cx="1594884" cy="523542"/>
+          </a:xfrm>
+          <a:prstGeom prst="rect">
+            <a:avLst/>
+          </a:prstGeom>
+          <a:solidFill>
+            <a:srgbClr val="00B050"/>
+          </a:solidFill>
+          <a:ln>
+            <a:solidFill>
+              <a:srgbClr val="00B050"/>
+            </a:solidFill>
+          </a:ln>
+        </p:spPr>
+        <p:style>
+          <a:lnRef idx="2">
+            <a:schemeClr val="accent1">
+              <a:shade val="50000"/>
+            </a:schemeClr>
+          </a:lnRef>
+          <a:fillRef idx="1">
+            <a:schemeClr val="accent1"/>
+          </a:fillRef>
+          <a:effectRef idx="0">
+            <a:schemeClr val="accent1"/>
+          </a:effectRef>
+          <a:fontRef idx="minor">
+            <a:schemeClr val="lt1"/>
+          </a:fontRef>
+        </p:style>
+        <p:txBody>
+          <a:bodyPr rtlCol="0" anchor="ctr"/>
+          <a:lstStyle/>
+          <a:p>
+            <a:pPr algn="ctr"/>
+            <a:r>
+              <a:rPr lang="en-US" dirty="0" smtClean="0"/>
+              <a:t>TIME WAIT</a:t>
+            </a:r>
+            <a:endParaRPr lang="en-US" dirty="0"/>
+          </a:p>
+        </p:txBody>
+      </p:sp>
+      <p:sp>
+        <p:nvSpPr>
+          <p:cNvPr id="29" name="Rectangle 28"/>
+          <p:cNvSpPr/>
+          <p:nvPr/>
+        </p:nvSpPr>
+        <p:spPr>
+          <a:xfrm>
+            <a:off x="7712181" y="5643341"/>
+            <a:ext cx="1594884" cy="523542"/>
+          </a:xfrm>
+          <a:prstGeom prst="rect">
+            <a:avLst/>
+          </a:prstGeom>
+          <a:solidFill>
+            <a:srgbClr val="00B050"/>
+          </a:solidFill>
+          <a:ln>
+            <a:solidFill>
+              <a:srgbClr val="00B050"/>
+            </a:solidFill>
+          </a:ln>
+        </p:spPr>
+        <p:style>
+          <a:lnRef idx="2">
+            <a:schemeClr val="accent1">
+              <a:shade val="50000"/>
+            </a:schemeClr>
+          </a:lnRef>
+          <a:fillRef idx="1">
+            <a:schemeClr val="accent1"/>
+          </a:fillRef>
+          <a:effectRef idx="0">
+            <a:schemeClr val="accent1"/>
+          </a:effectRef>
+          <a:fontRef idx="minor">
+            <a:schemeClr val="lt1"/>
+          </a:fontRef>
+        </p:style>
+        <p:txBody>
+          <a:bodyPr rtlCol="0" anchor="ctr"/>
+          <a:lstStyle/>
+          <a:p>
+            <a:pPr algn="ctr"/>
+            <a:r>
+              <a:rPr lang="en-US" smtClean="0"/>
+              <a:t>CLOSED</a:t>
+            </a:r>
+            <a:endParaRPr lang="en-US" dirty="0"/>
+          </a:p>
+        </p:txBody>
+      </p:sp>
+      <p:sp>
+        <p:nvSpPr>
+          <p:cNvPr id="30" name="Rectangle 29"/>
+          <p:cNvSpPr/>
+          <p:nvPr/>
+        </p:nvSpPr>
+        <p:spPr>
+          <a:xfrm>
+            <a:off x="2963006" y="5643341"/>
+            <a:ext cx="1594884" cy="523542"/>
+          </a:xfrm>
+          <a:prstGeom prst="rect">
+            <a:avLst/>
+          </a:prstGeom>
+          <a:solidFill>
+            <a:srgbClr val="00B050"/>
+          </a:solidFill>
+          <a:ln>
+            <a:solidFill>
+              <a:srgbClr val="00B050"/>
+            </a:solidFill>
+          </a:ln>
+        </p:spPr>
+        <p:style>
+          <a:lnRef idx="2">
+            <a:schemeClr val="accent1">
+              <a:shade val="50000"/>
+            </a:schemeClr>
+          </a:lnRef>
+          <a:fillRef idx="1">
+            <a:schemeClr val="accent1"/>
+          </a:fillRef>
+          <a:effectRef idx="0">
+            <a:schemeClr val="accent1"/>
+          </a:effectRef>
+          <a:fontRef idx="minor">
+            <a:schemeClr val="lt1"/>
+          </a:fontRef>
+        </p:style>
+        <p:txBody>
+          <a:bodyPr rtlCol="0" anchor="ctr"/>
+          <a:lstStyle/>
+          <a:p>
+            <a:pPr algn="ctr"/>
+            <a:r>
+              <a:rPr lang="en-US" smtClean="0"/>
+              <a:t>CLOSED</a:t>
+            </a:r>
+            <a:endParaRPr lang="en-US" dirty="0"/>
           </a:p>
         </p:txBody>
       </p:sp>
     </p:spTree>
     <p:extLst>
       <p:ext uri="{BB962C8B-B14F-4D97-AF65-F5344CB8AC3E}">
-        <p14:creationId xmlns:p14="http://schemas.microsoft.com/office/powerpoint/2010/main" val="791559181"/>
+        <p14:creationId xmlns:p14="http://schemas.microsoft.com/office/powerpoint/2010/main" val="810355155"/>
       </p:ext>
     </p:extLst>
   </p:cSld>
@@ -8834,9 +12975,628 @@
   <p:timing>
     <p:tnLst>
       <p:par>
-        <p:cTn id="1" dur="indefinite" restart="never" nodeType="tmRoot"/>
+        <p:cTn id="1" dur="indefinite" restart="never" nodeType="tmRoot">
+          <p:childTnLst>
+            <p:seq concurrent="1" nextAc="seek">
+              <p:cTn id="2" dur="indefinite" nodeType="mainSeq">
+                <p:childTnLst>
+                  <p:par>
+                    <p:cTn id="3" fill="hold">
+                      <p:stCondLst>
+                        <p:cond delay="indefinite"/>
+                      </p:stCondLst>
+                      <p:childTnLst>
+                        <p:par>
+                          <p:cTn id="4" fill="hold">
+                            <p:stCondLst>
+                              <p:cond delay="0"/>
+                            </p:stCondLst>
+                            <p:childTnLst>
+                              <p:par>
+                                <p:cTn id="5" presetID="1" presetClass="entr" presetSubtype="0" fill="hold" nodeType="clickEffect">
+                                  <p:stCondLst>
+                                    <p:cond delay="0"/>
+                                  </p:stCondLst>
+                                  <p:childTnLst>
+                                    <p:set>
+                                      <p:cBhvr>
+                                        <p:cTn id="6" dur="1" fill="hold">
+                                          <p:stCondLst>
+                                            <p:cond delay="0"/>
+                                          </p:stCondLst>
+                                        </p:cTn>
+                                        <p:tgtEl>
+                                          <p:spTgt spid="12"/>
+                                        </p:tgtEl>
+                                        <p:attrNameLst>
+                                          <p:attrName>style.visibility</p:attrName>
+                                        </p:attrNameLst>
+                                      </p:cBhvr>
+                                      <p:to>
+                                        <p:strVal val="visible"/>
+                                      </p:to>
+                                    </p:set>
+                                  </p:childTnLst>
+                                </p:cTn>
+                              </p:par>
+                            </p:childTnLst>
+                          </p:cTn>
+                        </p:par>
+                      </p:childTnLst>
+                    </p:cTn>
+                  </p:par>
+                  <p:par>
+                    <p:cTn id="7" fill="hold">
+                      <p:stCondLst>
+                        <p:cond delay="indefinite"/>
+                      </p:stCondLst>
+                      <p:childTnLst>
+                        <p:par>
+                          <p:cTn id="8" fill="hold">
+                            <p:stCondLst>
+                              <p:cond delay="0"/>
+                            </p:stCondLst>
+                            <p:childTnLst>
+                              <p:par>
+                                <p:cTn id="9" presetID="1" presetClass="exit" presetSubtype="0" fill="hold" grpId="0" nodeType="clickEffect">
+                                  <p:stCondLst>
+                                    <p:cond delay="0"/>
+                                  </p:stCondLst>
+                                  <p:childTnLst>
+                                    <p:set>
+                                      <p:cBhvr>
+                                        <p:cTn id="10" dur="1" fill="hold">
+                                          <p:stCondLst>
+                                            <p:cond delay="0"/>
+                                          </p:stCondLst>
+                                        </p:cTn>
+                                        <p:tgtEl>
+                                          <p:spTgt spid="10"/>
+                                        </p:tgtEl>
+                                        <p:attrNameLst>
+                                          <p:attrName>style.visibility</p:attrName>
+                                        </p:attrNameLst>
+                                      </p:cBhvr>
+                                      <p:to>
+                                        <p:strVal val="hidden"/>
+                                      </p:to>
+                                    </p:set>
+                                  </p:childTnLst>
+                                </p:cTn>
+                              </p:par>
+                            </p:childTnLst>
+                          </p:cTn>
+                        </p:par>
+                      </p:childTnLst>
+                    </p:cTn>
+                  </p:par>
+                  <p:par>
+                    <p:cTn id="11" fill="hold">
+                      <p:stCondLst>
+                        <p:cond delay="indefinite"/>
+                      </p:stCondLst>
+                      <p:childTnLst>
+                        <p:par>
+                          <p:cTn id="12" fill="hold">
+                            <p:stCondLst>
+                              <p:cond delay="0"/>
+                            </p:stCondLst>
+                            <p:childTnLst>
+                              <p:par>
+                                <p:cTn id="13" presetID="1" presetClass="entr" presetSubtype="0" fill="hold" grpId="0" nodeType="clickEffect">
+                                  <p:stCondLst>
+                                    <p:cond delay="0"/>
+                                  </p:stCondLst>
+                                  <p:childTnLst>
+                                    <p:set>
+                                      <p:cBhvr>
+                                        <p:cTn id="14" dur="1" fill="hold">
+                                          <p:stCondLst>
+                                            <p:cond delay="0"/>
+                                          </p:stCondLst>
+                                        </p:cTn>
+                                        <p:tgtEl>
+                                          <p:spTgt spid="9"/>
+                                        </p:tgtEl>
+                                        <p:attrNameLst>
+                                          <p:attrName>style.visibility</p:attrName>
+                                        </p:attrNameLst>
+                                      </p:cBhvr>
+                                      <p:to>
+                                        <p:strVal val="visible"/>
+                                      </p:to>
+                                    </p:set>
+                                  </p:childTnLst>
+                                </p:cTn>
+                              </p:par>
+                            </p:childTnLst>
+                          </p:cTn>
+                        </p:par>
+                      </p:childTnLst>
+                    </p:cTn>
+                  </p:par>
+                  <p:par>
+                    <p:cTn id="15" fill="hold">
+                      <p:stCondLst>
+                        <p:cond delay="indefinite"/>
+                      </p:stCondLst>
+                      <p:childTnLst>
+                        <p:par>
+                          <p:cTn id="16" fill="hold">
+                            <p:stCondLst>
+                              <p:cond delay="0"/>
+                            </p:stCondLst>
+                            <p:childTnLst>
+                              <p:par>
+                                <p:cTn id="17" presetID="1" presetClass="entr" presetSubtype="0" fill="hold" grpId="0" nodeType="clickEffect">
+                                  <p:stCondLst>
+                                    <p:cond delay="0"/>
+                                  </p:stCondLst>
+                                  <p:childTnLst>
+                                    <p:set>
+                                      <p:cBhvr>
+                                        <p:cTn id="18" dur="1" fill="hold">
+                                          <p:stCondLst>
+                                            <p:cond delay="0"/>
+                                          </p:stCondLst>
+                                        </p:cTn>
+                                        <p:tgtEl>
+                                          <p:spTgt spid="8"/>
+                                        </p:tgtEl>
+                                        <p:attrNameLst>
+                                          <p:attrName>style.visibility</p:attrName>
+                                        </p:attrNameLst>
+                                      </p:cBhvr>
+                                      <p:to>
+                                        <p:strVal val="visible"/>
+                                      </p:to>
+                                    </p:set>
+                                  </p:childTnLst>
+                                </p:cTn>
+                              </p:par>
+                            </p:childTnLst>
+                          </p:cTn>
+                        </p:par>
+                      </p:childTnLst>
+                    </p:cTn>
+                  </p:par>
+                  <p:par>
+                    <p:cTn id="19" fill="hold">
+                      <p:stCondLst>
+                        <p:cond delay="indefinite"/>
+                      </p:stCondLst>
+                      <p:childTnLst>
+                        <p:par>
+                          <p:cTn id="20" fill="hold">
+                            <p:stCondLst>
+                              <p:cond delay="0"/>
+                            </p:stCondLst>
+                            <p:childTnLst>
+                              <p:par>
+                                <p:cTn id="21" presetID="1" presetClass="exit" presetSubtype="0" fill="hold" grpId="0" nodeType="clickEffect">
+                                  <p:stCondLst>
+                                    <p:cond delay="0"/>
+                                  </p:stCondLst>
+                                  <p:childTnLst>
+                                    <p:set>
+                                      <p:cBhvr>
+                                        <p:cTn id="22" dur="1" fill="hold">
+                                          <p:stCondLst>
+                                            <p:cond delay="0"/>
+                                          </p:stCondLst>
+                                        </p:cTn>
+                                        <p:tgtEl>
+                                          <p:spTgt spid="11"/>
+                                        </p:tgtEl>
+                                        <p:attrNameLst>
+                                          <p:attrName>style.visibility</p:attrName>
+                                        </p:attrNameLst>
+                                      </p:cBhvr>
+                                      <p:to>
+                                        <p:strVal val="hidden"/>
+                                      </p:to>
+                                    </p:set>
+                                  </p:childTnLst>
+                                </p:cTn>
+                              </p:par>
+                            </p:childTnLst>
+                          </p:cTn>
+                        </p:par>
+                      </p:childTnLst>
+                    </p:cTn>
+                  </p:par>
+                  <p:par>
+                    <p:cTn id="23" fill="hold">
+                      <p:stCondLst>
+                        <p:cond delay="indefinite"/>
+                      </p:stCondLst>
+                      <p:childTnLst>
+                        <p:par>
+                          <p:cTn id="24" fill="hold">
+                            <p:stCondLst>
+                              <p:cond delay="0"/>
+                            </p:stCondLst>
+                            <p:childTnLst>
+                              <p:par>
+                                <p:cTn id="25" presetID="1" presetClass="entr" presetSubtype="0" fill="hold" nodeType="clickEffect">
+                                  <p:stCondLst>
+                                    <p:cond delay="0"/>
+                                  </p:stCondLst>
+                                  <p:childTnLst>
+                                    <p:set>
+                                      <p:cBhvr>
+                                        <p:cTn id="26" dur="1" fill="hold">
+                                          <p:stCondLst>
+                                            <p:cond delay="0"/>
+                                          </p:stCondLst>
+                                        </p:cTn>
+                                        <p:tgtEl>
+                                          <p:spTgt spid="15"/>
+                                        </p:tgtEl>
+                                        <p:attrNameLst>
+                                          <p:attrName>style.visibility</p:attrName>
+                                        </p:attrNameLst>
+                                      </p:cBhvr>
+                                      <p:to>
+                                        <p:strVal val="visible"/>
+                                      </p:to>
+                                    </p:set>
+                                  </p:childTnLst>
+                                </p:cTn>
+                              </p:par>
+                            </p:childTnLst>
+                          </p:cTn>
+                        </p:par>
+                      </p:childTnLst>
+                    </p:cTn>
+                  </p:par>
+                  <p:par>
+                    <p:cTn id="27" fill="hold">
+                      <p:stCondLst>
+                        <p:cond delay="indefinite"/>
+                      </p:stCondLst>
+                      <p:childTnLst>
+                        <p:par>
+                          <p:cTn id="28" fill="hold">
+                            <p:stCondLst>
+                              <p:cond delay="0"/>
+                            </p:stCondLst>
+                            <p:childTnLst>
+                              <p:par>
+                                <p:cTn id="29" presetID="1" presetClass="entr" presetSubtype="0" fill="hold" grpId="0" nodeType="clickEffect">
+                                  <p:stCondLst>
+                                    <p:cond delay="0"/>
+                                  </p:stCondLst>
+                                  <p:childTnLst>
+                                    <p:set>
+                                      <p:cBhvr>
+                                        <p:cTn id="30" dur="1" fill="hold">
+                                          <p:stCondLst>
+                                            <p:cond delay="0"/>
+                                          </p:stCondLst>
+                                        </p:cTn>
+                                        <p:tgtEl>
+                                          <p:spTgt spid="27"/>
+                                        </p:tgtEl>
+                                        <p:attrNameLst>
+                                          <p:attrName>style.visibility</p:attrName>
+                                        </p:attrNameLst>
+                                      </p:cBhvr>
+                                      <p:to>
+                                        <p:strVal val="visible"/>
+                                      </p:to>
+                                    </p:set>
+                                  </p:childTnLst>
+                                </p:cTn>
+                              </p:par>
+                            </p:childTnLst>
+                          </p:cTn>
+                        </p:par>
+                      </p:childTnLst>
+                    </p:cTn>
+                  </p:par>
+                  <p:par>
+                    <p:cTn id="31" fill="hold">
+                      <p:stCondLst>
+                        <p:cond delay="indefinite"/>
+                      </p:stCondLst>
+                      <p:childTnLst>
+                        <p:par>
+                          <p:cTn id="32" fill="hold">
+                            <p:stCondLst>
+                              <p:cond delay="0"/>
+                            </p:stCondLst>
+                            <p:childTnLst>
+                              <p:par>
+                                <p:cTn id="33" presetID="1" presetClass="entr" presetSubtype="0" fill="hold" nodeType="clickEffect">
+                                  <p:stCondLst>
+                                    <p:cond delay="0"/>
+                                  </p:stCondLst>
+                                  <p:childTnLst>
+                                    <p:set>
+                                      <p:cBhvr>
+                                        <p:cTn id="34" dur="1" fill="hold">
+                                          <p:stCondLst>
+                                            <p:cond delay="0"/>
+                                          </p:stCondLst>
+                                        </p:cTn>
+                                        <p:tgtEl>
+                                          <p:spTgt spid="23"/>
+                                        </p:tgtEl>
+                                        <p:attrNameLst>
+                                          <p:attrName>style.visibility</p:attrName>
+                                        </p:attrNameLst>
+                                      </p:cBhvr>
+                                      <p:to>
+                                        <p:strVal val="visible"/>
+                                      </p:to>
+                                    </p:set>
+                                  </p:childTnLst>
+                                </p:cTn>
+                              </p:par>
+                            </p:childTnLst>
+                          </p:cTn>
+                        </p:par>
+                      </p:childTnLst>
+                    </p:cTn>
+                  </p:par>
+                  <p:par>
+                    <p:cTn id="35" fill="hold">
+                      <p:stCondLst>
+                        <p:cond delay="indefinite"/>
+                      </p:stCondLst>
+                      <p:childTnLst>
+                        <p:par>
+                          <p:cTn id="36" fill="hold">
+                            <p:stCondLst>
+                              <p:cond delay="0"/>
+                            </p:stCondLst>
+                            <p:childTnLst>
+                              <p:par>
+                                <p:cTn id="37" presetID="1" presetClass="entr" presetSubtype="0" fill="hold" grpId="0" nodeType="clickEffect">
+                                  <p:stCondLst>
+                                    <p:cond delay="0"/>
+                                  </p:stCondLst>
+                                  <p:childTnLst>
+                                    <p:set>
+                                      <p:cBhvr>
+                                        <p:cTn id="38" dur="1" fill="hold">
+                                          <p:stCondLst>
+                                            <p:cond delay="0"/>
+                                          </p:stCondLst>
+                                        </p:cTn>
+                                        <p:tgtEl>
+                                          <p:spTgt spid="28"/>
+                                        </p:tgtEl>
+                                        <p:attrNameLst>
+                                          <p:attrName>style.visibility</p:attrName>
+                                        </p:attrNameLst>
+                                      </p:cBhvr>
+                                      <p:to>
+                                        <p:strVal val="visible"/>
+                                      </p:to>
+                                    </p:set>
+                                  </p:childTnLst>
+                                </p:cTn>
+                              </p:par>
+                            </p:childTnLst>
+                          </p:cTn>
+                        </p:par>
+                      </p:childTnLst>
+                    </p:cTn>
+                  </p:par>
+                  <p:par>
+                    <p:cTn id="39" fill="hold">
+                      <p:stCondLst>
+                        <p:cond delay="indefinite"/>
+                      </p:stCondLst>
+                      <p:childTnLst>
+                        <p:par>
+                          <p:cTn id="40" fill="hold">
+                            <p:stCondLst>
+                              <p:cond delay="0"/>
+                            </p:stCondLst>
+                            <p:childTnLst>
+                              <p:par>
+                                <p:cTn id="41" presetID="1" presetClass="entr" presetSubtype="0" fill="hold" grpId="1" nodeType="clickEffect">
+                                  <p:stCondLst>
+                                    <p:cond delay="0"/>
+                                  </p:stCondLst>
+                                  <p:childTnLst>
+                                    <p:set>
+                                      <p:cBhvr>
+                                        <p:cTn id="42" dur="1" fill="hold">
+                                          <p:stCondLst>
+                                            <p:cond delay="0"/>
+                                          </p:stCondLst>
+                                        </p:cTn>
+                                        <p:tgtEl>
+                                          <p:spTgt spid="26"/>
+                                        </p:tgtEl>
+                                        <p:attrNameLst>
+                                          <p:attrName>style.visibility</p:attrName>
+                                        </p:attrNameLst>
+                                      </p:cBhvr>
+                                      <p:to>
+                                        <p:strVal val="visible"/>
+                                      </p:to>
+                                    </p:set>
+                                  </p:childTnLst>
+                                </p:cTn>
+                              </p:par>
+                            </p:childTnLst>
+                          </p:cTn>
+                        </p:par>
+                      </p:childTnLst>
+                    </p:cTn>
+                  </p:par>
+                  <p:par>
+                    <p:cTn id="43" fill="hold">
+                      <p:stCondLst>
+                        <p:cond delay="indefinite"/>
+                      </p:stCondLst>
+                      <p:childTnLst>
+                        <p:par>
+                          <p:cTn id="44" fill="hold">
+                            <p:stCondLst>
+                              <p:cond delay="0"/>
+                            </p:stCondLst>
+                            <p:childTnLst>
+                              <p:par>
+                                <p:cTn id="45" presetID="1" presetClass="entr" presetSubtype="0" fill="hold" nodeType="clickEffect">
+                                  <p:stCondLst>
+                                    <p:cond delay="0"/>
+                                  </p:stCondLst>
+                                  <p:childTnLst>
+                                    <p:set>
+                                      <p:cBhvr>
+                                        <p:cTn id="46" dur="1" fill="hold">
+                                          <p:stCondLst>
+                                            <p:cond delay="0"/>
+                                          </p:stCondLst>
+                                        </p:cTn>
+                                        <p:tgtEl>
+                                          <p:spTgt spid="18"/>
+                                        </p:tgtEl>
+                                        <p:attrNameLst>
+                                          <p:attrName>style.visibility</p:attrName>
+                                        </p:attrNameLst>
+                                      </p:cBhvr>
+                                      <p:to>
+                                        <p:strVal val="visible"/>
+                                      </p:to>
+                                    </p:set>
+                                  </p:childTnLst>
+                                </p:cTn>
+                              </p:par>
+                            </p:childTnLst>
+                          </p:cTn>
+                        </p:par>
+                      </p:childTnLst>
+                    </p:cTn>
+                  </p:par>
+                  <p:par>
+                    <p:cTn id="47" fill="hold">
+                      <p:stCondLst>
+                        <p:cond delay="indefinite"/>
+                      </p:stCondLst>
+                      <p:childTnLst>
+                        <p:par>
+                          <p:cTn id="48" fill="hold">
+                            <p:stCondLst>
+                              <p:cond delay="0"/>
+                            </p:stCondLst>
+                            <p:childTnLst>
+                              <p:par>
+                                <p:cTn id="49" presetID="1" presetClass="entr" presetSubtype="0" fill="hold" grpId="0" nodeType="clickEffect">
+                                  <p:stCondLst>
+                                    <p:cond delay="0"/>
+                                  </p:stCondLst>
+                                  <p:childTnLst>
+                                    <p:set>
+                                      <p:cBhvr>
+                                        <p:cTn id="50" dur="1" fill="hold">
+                                          <p:stCondLst>
+                                            <p:cond delay="0"/>
+                                          </p:stCondLst>
+                                        </p:cTn>
+                                        <p:tgtEl>
+                                          <p:spTgt spid="30"/>
+                                        </p:tgtEl>
+                                        <p:attrNameLst>
+                                          <p:attrName>style.visibility</p:attrName>
+                                        </p:attrNameLst>
+                                      </p:cBhvr>
+                                      <p:to>
+                                        <p:strVal val="visible"/>
+                                      </p:to>
+                                    </p:set>
+                                  </p:childTnLst>
+                                </p:cTn>
+                              </p:par>
+                            </p:childTnLst>
+                          </p:cTn>
+                        </p:par>
+                      </p:childTnLst>
+                    </p:cTn>
+                  </p:par>
+                  <p:par>
+                    <p:cTn id="51" fill="hold">
+                      <p:stCondLst>
+                        <p:cond delay="indefinite"/>
+                      </p:stCondLst>
+                      <p:childTnLst>
+                        <p:par>
+                          <p:cTn id="52" fill="hold">
+                            <p:stCondLst>
+                              <p:cond delay="0"/>
+                            </p:stCondLst>
+                            <p:childTnLst>
+                              <p:par>
+                                <p:cTn id="53" presetID="1" presetClass="entr" presetSubtype="0" fill="hold" grpId="0" nodeType="clickEffect">
+                                  <p:stCondLst>
+                                    <p:cond delay="0"/>
+                                  </p:stCondLst>
+                                  <p:childTnLst>
+                                    <p:set>
+                                      <p:cBhvr>
+                                        <p:cTn id="54" dur="1" fill="hold">
+                                          <p:stCondLst>
+                                            <p:cond delay="0"/>
+                                          </p:stCondLst>
+                                        </p:cTn>
+                                        <p:tgtEl>
+                                          <p:spTgt spid="29"/>
+                                        </p:tgtEl>
+                                        <p:attrNameLst>
+                                          <p:attrName>style.visibility</p:attrName>
+                                        </p:attrNameLst>
+                                      </p:cBhvr>
+                                      <p:to>
+                                        <p:strVal val="visible"/>
+                                      </p:to>
+                                    </p:set>
+                                  </p:childTnLst>
+                                </p:cTn>
+                              </p:par>
+                            </p:childTnLst>
+                          </p:cTn>
+                        </p:par>
+                      </p:childTnLst>
+                    </p:cTn>
+                  </p:par>
+                </p:childTnLst>
+              </p:cTn>
+              <p:prevCondLst>
+                <p:cond evt="onPrev" delay="0">
+                  <p:tgtEl>
+                    <p:sldTgt/>
+                  </p:tgtEl>
+                </p:cond>
+              </p:prevCondLst>
+              <p:nextCondLst>
+                <p:cond evt="onNext" delay="0">
+                  <p:tgtEl>
+                    <p:sldTgt/>
+                  </p:tgtEl>
+                </p:cond>
+              </p:nextCondLst>
+            </p:seq>
+          </p:childTnLst>
+        </p:cTn>
       </p:par>
     </p:tnLst>
+    <p:bldLst>
+      <p:bldP spid="8" grpId="0" animBg="1"/>
+      <p:bldP spid="9" grpId="0" animBg="1"/>
+      <p:bldP spid="10" grpId="0" animBg="1"/>
+      <p:bldP spid="11" grpId="0" animBg="1"/>
+      <p:bldP spid="26" grpId="1" animBg="1"/>
+      <p:bldP spid="27" grpId="0" animBg="1"/>
+      <p:bldP spid="28" grpId="0" animBg="1"/>
+      <p:bldP spid="29" grpId="0" animBg="1"/>
+      <p:bldP spid="30" grpId="0" animBg="1"/>
+    </p:bldLst>
   </p:timing>
 </p:sld>
 </file>
@@ -8875,7 +13635,7 @@
           <a:p>
             <a:r>
               <a:rPr lang="en-US" dirty="0" smtClean="0"/>
-              <a:t>Four Way Close</a:t>
+              <a:t>TCP Closing States</a:t>
             </a:r>
             <a:endParaRPr lang="en-US" dirty="0"/>
           </a:p>
@@ -8898,16 +13658,252 @@
           <a:p>
             <a:r>
               <a:rPr lang="en-US" smtClean="0"/>
-              <a:t>A Look Inside FreeBSD with DTrace</a:t>
+              <a:t>Introduction to Operating Systems</a:t>
             </a:r>
             <a:endParaRPr lang="en-US"/>
           </a:p>
         </p:txBody>
       </p:sp>
+      <p:graphicFrame>
+        <p:nvGraphicFramePr>
+          <p:cNvPr id="5" name="Table 4"/>
+          <p:cNvGraphicFramePr>
+            <a:graphicFrameLocks noGrp="1"/>
+          </p:cNvGraphicFramePr>
+          <p:nvPr>
+            <p:extLst>
+              <p:ext uri="{D42A27DB-BD31-4B8C-83A1-F6EECF244321}">
+                <p14:modId xmlns:p14="http://schemas.microsoft.com/office/powerpoint/2010/main" val="1585213986"/>
+              </p:ext>
+            </p:extLst>
+          </p:nvPr>
+        </p:nvGraphicFramePr>
+        <p:xfrm>
+          <a:off x="1852073" y="1585458"/>
+          <a:ext cx="8548814" cy="2225040"/>
+        </p:xfrm>
+        <a:graphic>
+          <a:graphicData uri="http://schemas.openxmlformats.org/drawingml/2006/table">
+            <a:tbl>
+              <a:tblPr firstRow="1" bandRow="1">
+                <a:tableStyleId>{5C22544A-7EE6-4342-B048-85BDC9FD1C3A}</a:tableStyleId>
+              </a:tblPr>
+              <a:tblGrid>
+                <a:gridCol w="4274407"/>
+                <a:gridCol w="4274407"/>
+              </a:tblGrid>
+              <a:tr h="370840">
+                <a:tc>
+                  <a:txBody>
+                    <a:bodyPr/>
+                    <a:lstStyle/>
+                    <a:p>
+                      <a:r>
+                        <a:rPr lang="en-US" dirty="0" smtClean="0"/>
+                        <a:t>State</a:t>
+                      </a:r>
+                      <a:endParaRPr lang="en-US" dirty="0"/>
+                    </a:p>
+                  </a:txBody>
+                  <a:tcPr/>
+                </a:tc>
+                <a:tc>
+                  <a:txBody>
+                    <a:bodyPr/>
+                    <a:lstStyle/>
+                    <a:p>
+                      <a:r>
+                        <a:rPr lang="en-US" dirty="0" smtClean="0"/>
+                        <a:t>Meaning</a:t>
+                      </a:r>
+                      <a:endParaRPr lang="en-US" dirty="0"/>
+                    </a:p>
+                  </a:txBody>
+                  <a:tcPr/>
+                </a:tc>
+              </a:tr>
+              <a:tr h="370840">
+                <a:tc>
+                  <a:txBody>
+                    <a:bodyPr/>
+                    <a:lstStyle/>
+                    <a:p>
+                      <a:r>
+                        <a:rPr lang="en-US" dirty="0" smtClean="0"/>
+                        <a:t>FIN WAIT 1</a:t>
+                      </a:r>
+                      <a:endParaRPr lang="en-US" dirty="0"/>
+                    </a:p>
+                  </a:txBody>
+                  <a:tcPr/>
+                </a:tc>
+                <a:tc>
+                  <a:txBody>
+                    <a:bodyPr/>
+                    <a:lstStyle/>
+                    <a:p>
+                      <a:r>
+                        <a:rPr lang="en-US" dirty="0" smtClean="0"/>
+                        <a:t>Client</a:t>
+                      </a:r>
+                      <a:r>
+                        <a:rPr lang="en-US" baseline="0" dirty="0" smtClean="0"/>
+                        <a:t> has initiated a close</a:t>
+                      </a:r>
+                      <a:endParaRPr lang="en-US" dirty="0"/>
+                    </a:p>
+                  </a:txBody>
+                  <a:tcPr/>
+                </a:tc>
+              </a:tr>
+              <a:tr h="370840">
+                <a:tc>
+                  <a:txBody>
+                    <a:bodyPr/>
+                    <a:lstStyle/>
+                    <a:p>
+                      <a:r>
+                        <a:rPr lang="en-US" dirty="0" smtClean="0"/>
+                        <a:t>FIN WAIT 2</a:t>
+                      </a:r>
+                      <a:endParaRPr lang="en-US" dirty="0"/>
+                    </a:p>
+                  </a:txBody>
+                  <a:tcPr/>
+                </a:tc>
+                <a:tc>
+                  <a:txBody>
+                    <a:bodyPr/>
+                    <a:lstStyle/>
+                    <a:p>
+                      <a:r>
+                        <a:rPr lang="en-US" dirty="0" smtClean="0"/>
+                        <a:t>Client has ACK of its FIN</a:t>
+                      </a:r>
+                      <a:endParaRPr lang="en-US" dirty="0"/>
+                    </a:p>
+                  </a:txBody>
+                  <a:tcPr/>
+                </a:tc>
+              </a:tr>
+              <a:tr h="370840">
+                <a:tc>
+                  <a:txBody>
+                    <a:bodyPr/>
+                    <a:lstStyle/>
+                    <a:p>
+                      <a:r>
+                        <a:rPr lang="en-US" dirty="0" smtClean="0"/>
+                        <a:t>CLOSE WAIT</a:t>
+                      </a:r>
+                      <a:endParaRPr lang="en-US" dirty="0"/>
+                    </a:p>
+                  </a:txBody>
+                  <a:tcPr/>
+                </a:tc>
+                <a:tc>
+                  <a:txBody>
+                    <a:bodyPr/>
+                    <a:lstStyle/>
+                    <a:p>
+                      <a:r>
+                        <a:rPr lang="en-US" dirty="0" smtClean="0"/>
+                        <a:t>Server has </a:t>
+                      </a:r>
+                      <a:r>
+                        <a:rPr lang="en-US" dirty="0" err="1" smtClean="0"/>
+                        <a:t>ACK’d</a:t>
+                      </a:r>
+                      <a:r>
+                        <a:rPr lang="en-US" dirty="0" smtClean="0"/>
+                        <a:t> Client’s FIN</a:t>
+                      </a:r>
+                      <a:endParaRPr lang="en-US" dirty="0"/>
+                    </a:p>
+                  </a:txBody>
+                  <a:tcPr/>
+                </a:tc>
+              </a:tr>
+              <a:tr h="370840">
+                <a:tc>
+                  <a:txBody>
+                    <a:bodyPr/>
+                    <a:lstStyle/>
+                    <a:p>
+                      <a:r>
+                        <a:rPr lang="en-US" dirty="0" smtClean="0"/>
+                        <a:t>LAST</a:t>
+                      </a:r>
+                      <a:r>
+                        <a:rPr lang="en-US" baseline="0" dirty="0" smtClean="0"/>
+                        <a:t> ACK</a:t>
+                      </a:r>
+                      <a:endParaRPr lang="en-US" dirty="0"/>
+                    </a:p>
+                  </a:txBody>
+                  <a:tcPr/>
+                </a:tc>
+                <a:tc>
+                  <a:txBody>
+                    <a:bodyPr/>
+                    <a:lstStyle/>
+                    <a:p>
+                      <a:r>
+                        <a:rPr lang="en-US" dirty="0" smtClean="0"/>
+                        <a:t>Server awaits</a:t>
+                      </a:r>
+                      <a:r>
+                        <a:rPr lang="en-US" baseline="0" dirty="0" smtClean="0"/>
+                        <a:t> ACK of its FIN</a:t>
+                      </a:r>
+                      <a:endParaRPr lang="en-US" dirty="0"/>
+                    </a:p>
+                  </a:txBody>
+                  <a:tcPr/>
+                </a:tc>
+              </a:tr>
+              <a:tr h="370840">
+                <a:tc>
+                  <a:txBody>
+                    <a:bodyPr/>
+                    <a:lstStyle/>
+                    <a:p>
+                      <a:r>
+                        <a:rPr lang="en-US" dirty="0" smtClean="0"/>
+                        <a:t>TIME WAIT</a:t>
+                      </a:r>
+                      <a:endParaRPr lang="en-US" dirty="0"/>
+                    </a:p>
+                  </a:txBody>
+                  <a:tcPr/>
+                </a:tc>
+                <a:tc>
+                  <a:txBody>
+                    <a:bodyPr/>
+                    <a:lstStyle/>
+                    <a:p>
+                      <a:r>
+                        <a:rPr lang="en-US" dirty="0" smtClean="0"/>
+                        <a:t>Wai</a:t>
+                      </a:r>
+                      <a:r>
+                        <a:rPr lang="en-US" baseline="0" dirty="0" smtClean="0"/>
+                        <a:t>t for packets to drain from the network</a:t>
+                      </a:r>
+                      <a:endParaRPr lang="en-US" dirty="0"/>
+                    </a:p>
+                  </a:txBody>
+                  <a:tcPr/>
+                </a:tc>
+              </a:tr>
+            </a:tbl>
+          </a:graphicData>
+        </a:graphic>
+      </p:graphicFrame>
     </p:spTree>
     <p:extLst>
       <p:ext uri="{BB962C8B-B14F-4D97-AF65-F5344CB8AC3E}">
-        <p14:creationId xmlns:p14="http://schemas.microsoft.com/office/powerpoint/2010/main" val="1384675985"/>
+        <p14:creationId xmlns:p14="http://schemas.microsoft.com/office/powerpoint/2010/main" val="1938793512"/>
       </p:ext>
     </p:extLst>
   </p:cSld>
@@ -8957,8 +13953,12 @@
           <a:lstStyle/>
           <a:p>
             <a:r>
+              <a:rPr lang="en-US" dirty="0" err="1" smtClean="0"/>
+              <a:t>DTrace</a:t>
+            </a:r>
+            <a:r>
               <a:rPr lang="en-US" dirty="0" smtClean="0"/>
-              <a:t>Closing a Connection</a:t>
+              <a:t> and Networking Walkthrough</a:t>
             </a:r>
             <a:endParaRPr lang="en-US" dirty="0"/>
           </a:p>
@@ -8981,7 +13981,7 @@
           <a:p>
             <a:r>
               <a:rPr lang="en-US" smtClean="0"/>
-              <a:t>A Look Inside FreeBSD with DTrace</a:t>
+              <a:t>Introduction to Operating Systems</a:t>
             </a:r>
             <a:endParaRPr lang="en-US"/>
           </a:p>
@@ -8990,7 +13990,7 @@
     </p:spTree>
     <p:extLst>
       <p:ext uri="{BB962C8B-B14F-4D97-AF65-F5344CB8AC3E}">
-        <p14:creationId xmlns:p14="http://schemas.microsoft.com/office/powerpoint/2010/main" val="810355155"/>
+        <p14:creationId xmlns:p14="http://schemas.microsoft.com/office/powerpoint/2010/main" val="1282689633"/>
       </p:ext>
     </p:extLst>
   </p:cSld>
@@ -9041,7 +14041,7 @@
           <a:p>
             <a:r>
               <a:rPr lang="en-US" dirty="0" smtClean="0"/>
-              <a:t>TCP Closing States</a:t>
+              <a:t>Communication Review</a:t>
             </a:r>
             <a:endParaRPr lang="en-US" dirty="0"/>
           </a:p>
@@ -9049,6 +14049,53 @@
       </p:sp>
       <p:sp>
         <p:nvSpPr>
+          <p:cNvPr id="4" name="Content Placeholder 3"/>
+          <p:cNvSpPr>
+            <a:spLocks noGrp="1"/>
+          </p:cNvSpPr>
+          <p:nvPr>
+            <p:ph idx="1"/>
+          </p:nvPr>
+        </p:nvSpPr>
+        <p:spPr/>
+        <p:txBody>
+          <a:bodyPr/>
+          <a:lstStyle/>
+          <a:p>
+            <a:r>
+              <a:rPr lang="en-US" dirty="0" smtClean="0"/>
+              <a:t>Signals</a:t>
+            </a:r>
+          </a:p>
+          <a:p>
+            <a:r>
+              <a:rPr lang="en-US" dirty="0" smtClean="0"/>
+              <a:t>Pipes</a:t>
+            </a:r>
+          </a:p>
+          <a:p>
+            <a:r>
+              <a:rPr lang="en-US" dirty="0" smtClean="0"/>
+              <a:t>Sockets</a:t>
+            </a:r>
+          </a:p>
+          <a:p>
+            <a:r>
+              <a:rPr lang="en-US" dirty="0" smtClean="0"/>
+              <a:t>The Network Stack</a:t>
+            </a:r>
+          </a:p>
+          <a:p>
+            <a:r>
+              <a:rPr lang="en-US" dirty="0" smtClean="0"/>
+              <a:t>TCP and its States</a:t>
+            </a:r>
+            <a:endParaRPr lang="en-US" dirty="0"/>
+          </a:p>
+        </p:txBody>
+      </p:sp>
+      <p:sp>
+        <p:nvSpPr>
           <p:cNvPr id="3" name="Footer Placeholder 2"/>
           <p:cNvSpPr>
             <a:spLocks noGrp="1"/>
@@ -9064,7 +14111,7 @@
           <a:p>
             <a:r>
               <a:rPr lang="en-US" smtClean="0"/>
-              <a:t>A Look Inside FreeBSD with DTrace</a:t>
+              <a:t>Introduction to Operating Systems</a:t>
             </a:r>
             <a:endParaRPr lang="en-US"/>
           </a:p>
@@ -9073,177 +14120,7 @@
     </p:spTree>
     <p:extLst>
       <p:ext uri="{BB962C8B-B14F-4D97-AF65-F5344CB8AC3E}">
-        <p14:creationId xmlns:p14="http://schemas.microsoft.com/office/powerpoint/2010/main" val="1938793512"/>
-      </p:ext>
-    </p:extLst>
-  </p:cSld>
-  <p:clrMapOvr>
-    <a:masterClrMapping/>
-  </p:clrMapOvr>
-  <p:timing>
-    <p:tnLst>
-      <p:par>
-        <p:cTn id="1" dur="indefinite" restart="never" nodeType="tmRoot"/>
-      </p:par>
-    </p:tnLst>
-  </p:timing>
-</p:sld>
-</file>
-
-<file path=ppt/slides/slide38.xml><?xml version="1.0" encoding="utf-8"?>
-<p:sld xmlns:a="http://schemas.openxmlformats.org/drawingml/2006/main" xmlns:r="http://schemas.openxmlformats.org/officeDocument/2006/relationships" xmlns:p="http://schemas.openxmlformats.org/presentationml/2006/main">
-  <p:cSld>
-    <p:spTree>
-      <p:nvGrpSpPr>
-        <p:cNvPr id="1" name=""/>
-        <p:cNvGrpSpPr/>
-        <p:nvPr/>
-      </p:nvGrpSpPr>
-      <p:grpSpPr>
-        <a:xfrm>
-          <a:off x="0" y="0"/>
-          <a:ext cx="0" cy="0"/>
-          <a:chOff x="0" y="0"/>
-          <a:chExt cx="0" cy="0"/>
-        </a:xfrm>
-      </p:grpSpPr>
-      <p:sp>
-        <p:nvSpPr>
-          <p:cNvPr id="2" name="Title 1"/>
-          <p:cNvSpPr>
-            <a:spLocks noGrp="1"/>
-          </p:cNvSpPr>
-          <p:nvPr>
-            <p:ph type="title"/>
-          </p:nvPr>
-        </p:nvSpPr>
-        <p:spPr/>
-        <p:txBody>
-          <a:bodyPr/>
-          <a:lstStyle/>
-          <a:p>
-            <a:r>
-              <a:rPr lang="en-US" dirty="0" smtClean="0"/>
-              <a:t>Close State Transitions</a:t>
-            </a:r>
-            <a:endParaRPr lang="en-US" dirty="0"/>
-          </a:p>
-        </p:txBody>
-      </p:sp>
-      <p:sp>
-        <p:nvSpPr>
-          <p:cNvPr id="3" name="Footer Placeholder 2"/>
-          <p:cNvSpPr>
-            <a:spLocks noGrp="1"/>
-          </p:cNvSpPr>
-          <p:nvPr>
-            <p:ph type="ftr" sz="quarter" idx="11"/>
-          </p:nvPr>
-        </p:nvSpPr>
-        <p:spPr/>
-        <p:txBody>
-          <a:bodyPr/>
-          <a:lstStyle/>
-          <a:p>
-            <a:r>
-              <a:rPr lang="en-US" smtClean="0"/>
-              <a:t>A Look Inside FreeBSD with DTrace</a:t>
-            </a:r>
-            <a:endParaRPr lang="en-US"/>
-          </a:p>
-        </p:txBody>
-      </p:sp>
-    </p:spTree>
-    <p:extLst>
-      <p:ext uri="{BB962C8B-B14F-4D97-AF65-F5344CB8AC3E}">
-        <p14:creationId xmlns:p14="http://schemas.microsoft.com/office/powerpoint/2010/main" val="1849717398"/>
-      </p:ext>
-    </p:extLst>
-  </p:cSld>
-  <p:clrMapOvr>
-    <a:masterClrMapping/>
-  </p:clrMapOvr>
-  <p:timing>
-    <p:tnLst>
-      <p:par>
-        <p:cTn id="1" dur="indefinite" restart="never" nodeType="tmRoot"/>
-      </p:par>
-    </p:tnLst>
-  </p:timing>
-</p:sld>
-</file>
-
-<file path=ppt/slides/slide39.xml><?xml version="1.0" encoding="utf-8"?>
-<p:sld xmlns:a="http://schemas.openxmlformats.org/drawingml/2006/main" xmlns:r="http://schemas.openxmlformats.org/officeDocument/2006/relationships" xmlns:p="http://schemas.openxmlformats.org/presentationml/2006/main">
-  <p:cSld>
-    <p:spTree>
-      <p:nvGrpSpPr>
-        <p:cNvPr id="1" name=""/>
-        <p:cNvGrpSpPr/>
-        <p:nvPr/>
-      </p:nvGrpSpPr>
-      <p:grpSpPr>
-        <a:xfrm>
-          <a:off x="0" y="0"/>
-          <a:ext cx="0" cy="0"/>
-          <a:chOff x="0" y="0"/>
-          <a:chExt cx="0" cy="0"/>
-        </a:xfrm>
-      </p:grpSpPr>
-      <p:sp>
-        <p:nvSpPr>
-          <p:cNvPr id="2" name="Title 1"/>
-          <p:cNvSpPr>
-            <a:spLocks noGrp="1"/>
-          </p:cNvSpPr>
-          <p:nvPr>
-            <p:ph type="title"/>
-          </p:nvPr>
-        </p:nvSpPr>
-        <p:spPr/>
-        <p:txBody>
-          <a:bodyPr/>
-          <a:lstStyle/>
-          <a:p>
-            <a:r>
-              <a:rPr lang="en-US" dirty="0" err="1" smtClean="0"/>
-              <a:t>DTrace</a:t>
-            </a:r>
-            <a:r>
-              <a:rPr lang="en-US" dirty="0" smtClean="0"/>
-              <a:t> and Networking Walkthrough</a:t>
-            </a:r>
-            <a:endParaRPr lang="en-US" dirty="0"/>
-          </a:p>
-        </p:txBody>
-      </p:sp>
-      <p:sp>
-        <p:nvSpPr>
-          <p:cNvPr id="3" name="Footer Placeholder 2"/>
-          <p:cNvSpPr>
-            <a:spLocks noGrp="1"/>
-          </p:cNvSpPr>
-          <p:nvPr>
-            <p:ph type="ftr" sz="quarter" idx="11"/>
-          </p:nvPr>
-        </p:nvSpPr>
-        <p:spPr/>
-        <p:txBody>
-          <a:bodyPr/>
-          <a:lstStyle/>
-          <a:p>
-            <a:r>
-              <a:rPr lang="en-US" smtClean="0"/>
-              <a:t>A Look Inside FreeBSD with DTrace</a:t>
-            </a:r>
-            <a:endParaRPr lang="en-US"/>
-          </a:p>
-        </p:txBody>
-      </p:sp>
-    </p:spTree>
-    <p:extLst>
-      <p:ext uri="{BB962C8B-B14F-4D97-AF65-F5344CB8AC3E}">
-        <p14:creationId xmlns:p14="http://schemas.microsoft.com/office/powerpoint/2010/main" val="1282689633"/>
+        <p14:creationId xmlns:p14="http://schemas.microsoft.com/office/powerpoint/2010/main" val="459928030"/>
       </p:ext>
     </p:extLst>
   </p:cSld>
@@ -9293,8 +14170,43 @@
           <a:lstStyle/>
           <a:p>
             <a:r>
+              <a:rPr lang="en-US" smtClean="0"/>
+              <a:t>Relationship to Networking</a:t>
+            </a:r>
+            <a:endParaRPr lang="en-US" dirty="0"/>
+          </a:p>
+        </p:txBody>
+      </p:sp>
+      <p:sp>
+        <p:nvSpPr>
+          <p:cNvPr id="4" name="Text Placeholder 3"/>
+          <p:cNvSpPr>
+            <a:spLocks noGrp="1"/>
+          </p:cNvSpPr>
+          <p:nvPr>
+            <p:ph idx="1"/>
+          </p:nvPr>
+        </p:nvSpPr>
+        <p:spPr/>
+        <p:txBody>
+          <a:bodyPr/>
+          <a:lstStyle/>
+          <a:p>
+            <a:r>
               <a:rPr lang="en-US" dirty="0" smtClean="0"/>
-              <a:t>Goals of IPC</a:t>
+              <a:t>Extension of mechanisms across machines</a:t>
+            </a:r>
+          </a:p>
+          <a:p>
+            <a:r>
+              <a:rPr lang="en-US" dirty="0" smtClean="0"/>
+              <a:t>Everything is a byte stream</a:t>
+            </a:r>
+          </a:p>
+          <a:p>
+            <a:r>
+              <a:rPr lang="en-US" dirty="0" smtClean="0"/>
+              <a:t>No record boundaries</a:t>
             </a:r>
             <a:endParaRPr lang="en-US" dirty="0"/>
           </a:p>
@@ -9317,7 +14229,7 @@
           <a:p>
             <a:r>
               <a:rPr lang="en-US" smtClean="0"/>
-              <a:t>A Look Inside FreeBSD with DTrace</a:t>
+              <a:t>Introduction to Operating Systems</a:t>
             </a:r>
             <a:endParaRPr lang="en-US"/>
           </a:p>
@@ -9326,254 +14238,13 @@
     </p:spTree>
     <p:extLst>
       <p:ext uri="{BB962C8B-B14F-4D97-AF65-F5344CB8AC3E}">
-        <p14:creationId xmlns:p14="http://schemas.microsoft.com/office/powerpoint/2010/main" val="1570897971"/>
+        <p14:creationId xmlns:p14="http://schemas.microsoft.com/office/powerpoint/2010/main" val="90365008"/>
       </p:ext>
     </p:extLst>
   </p:cSld>
   <p:clrMapOvr>
     <a:masterClrMapping/>
   </p:clrMapOvr>
-</p:sld>
-</file>
-
-<file path=ppt/slides/slide40.xml><?xml version="1.0" encoding="utf-8"?>
-<p:sld xmlns:a="http://schemas.openxmlformats.org/drawingml/2006/main" xmlns:r="http://schemas.openxmlformats.org/officeDocument/2006/relationships" xmlns:p="http://schemas.openxmlformats.org/presentationml/2006/main">
-  <p:cSld>
-    <p:spTree>
-      <p:nvGrpSpPr>
-        <p:cNvPr id="1" name=""/>
-        <p:cNvGrpSpPr/>
-        <p:nvPr/>
-      </p:nvGrpSpPr>
-      <p:grpSpPr>
-        <a:xfrm>
-          <a:off x="0" y="0"/>
-          <a:ext cx="0" cy="0"/>
-          <a:chOff x="0" y="0"/>
-          <a:chExt cx="0" cy="0"/>
-        </a:xfrm>
-      </p:grpSpPr>
-      <p:sp>
-        <p:nvSpPr>
-          <p:cNvPr id="2" name="Title 1"/>
-          <p:cNvSpPr>
-            <a:spLocks noGrp="1"/>
-          </p:cNvSpPr>
-          <p:nvPr>
-            <p:ph type="title"/>
-          </p:nvPr>
-        </p:nvSpPr>
-        <p:spPr/>
-        <p:txBody>
-          <a:bodyPr/>
-          <a:lstStyle/>
-          <a:p>
-            <a:r>
-              <a:rPr lang="en-US" smtClean="0"/>
-              <a:t>Communication Review</a:t>
-            </a:r>
-            <a:endParaRPr lang="en-US"/>
-          </a:p>
-        </p:txBody>
-      </p:sp>
-      <p:sp>
-        <p:nvSpPr>
-          <p:cNvPr id="3" name="Footer Placeholder 2"/>
-          <p:cNvSpPr>
-            <a:spLocks noGrp="1"/>
-          </p:cNvSpPr>
-          <p:nvPr>
-            <p:ph type="ftr" sz="quarter" idx="11"/>
-          </p:nvPr>
-        </p:nvSpPr>
-        <p:spPr/>
-        <p:txBody>
-          <a:bodyPr/>
-          <a:lstStyle/>
-          <a:p>
-            <a:r>
-              <a:rPr lang="en-US" smtClean="0"/>
-              <a:t>A Look Inside FreeBSD with DTrace</a:t>
-            </a:r>
-            <a:endParaRPr lang="en-US"/>
-          </a:p>
-        </p:txBody>
-      </p:sp>
-    </p:spTree>
-    <p:extLst>
-      <p:ext uri="{BB962C8B-B14F-4D97-AF65-F5344CB8AC3E}">
-        <p14:creationId xmlns:p14="http://schemas.microsoft.com/office/powerpoint/2010/main" val="459928030"/>
-      </p:ext>
-    </p:extLst>
-  </p:cSld>
-  <p:clrMapOvr>
-    <a:masterClrMapping/>
-  </p:clrMapOvr>
-  <p:timing>
-    <p:tnLst>
-      <p:par>
-        <p:cTn id="1" dur="indefinite" restart="never" nodeType="tmRoot"/>
-      </p:par>
-    </p:tnLst>
-  </p:timing>
-</p:sld>
-</file>
-
-<file path=ppt/slides/slide41.xml><?xml version="1.0" encoding="utf-8"?>
-<p:sld xmlns:a="http://schemas.openxmlformats.org/drawingml/2006/main" xmlns:r="http://schemas.openxmlformats.org/officeDocument/2006/relationships" xmlns:p="http://schemas.openxmlformats.org/presentationml/2006/main">
-  <p:cSld>
-    <p:spTree>
-      <p:nvGrpSpPr>
-        <p:cNvPr id="1" name=""/>
-        <p:cNvGrpSpPr/>
-        <p:nvPr/>
-      </p:nvGrpSpPr>
-      <p:grpSpPr>
-        <a:xfrm>
-          <a:off x="0" y="0"/>
-          <a:ext cx="0" cy="0"/>
-          <a:chOff x="0" y="0"/>
-          <a:chExt cx="0" cy="0"/>
-        </a:xfrm>
-      </p:grpSpPr>
-      <p:sp>
-        <p:nvSpPr>
-          <p:cNvPr id="2" name="Title 1"/>
-          <p:cNvSpPr>
-            <a:spLocks noGrp="1"/>
-          </p:cNvSpPr>
-          <p:nvPr>
-            <p:ph type="title"/>
-          </p:nvPr>
-        </p:nvSpPr>
-        <p:spPr/>
-        <p:txBody>
-          <a:bodyPr/>
-          <a:lstStyle/>
-          <a:p>
-            <a:endParaRPr lang="en-US"/>
-          </a:p>
-        </p:txBody>
-      </p:sp>
-      <p:sp>
-        <p:nvSpPr>
-          <p:cNvPr id="3" name="Footer Placeholder 2"/>
-          <p:cNvSpPr>
-            <a:spLocks noGrp="1"/>
-          </p:cNvSpPr>
-          <p:nvPr>
-            <p:ph type="ftr" sz="quarter" idx="11"/>
-          </p:nvPr>
-        </p:nvSpPr>
-        <p:spPr/>
-        <p:txBody>
-          <a:bodyPr/>
-          <a:lstStyle/>
-          <a:p>
-            <a:r>
-              <a:rPr lang="en-US" smtClean="0"/>
-              <a:t>A Look Inside FreeBSD with DTrace</a:t>
-            </a:r>
-            <a:endParaRPr lang="en-US"/>
-          </a:p>
-        </p:txBody>
-      </p:sp>
-    </p:spTree>
-    <p:extLst>
-      <p:ext uri="{BB962C8B-B14F-4D97-AF65-F5344CB8AC3E}">
-        <p14:creationId xmlns:p14="http://schemas.microsoft.com/office/powerpoint/2010/main" val="411802923"/>
-      </p:ext>
-    </p:extLst>
-  </p:cSld>
-  <p:clrMapOvr>
-    <a:masterClrMapping/>
-  </p:clrMapOvr>
-  <p:timing>
-    <p:tnLst>
-      <p:par>
-        <p:cTn id="1" dur="indefinite" restart="never" nodeType="tmRoot"/>
-      </p:par>
-    </p:tnLst>
-  </p:timing>
-</p:sld>
-</file>
-
-<file path=ppt/slides/slide42.xml><?xml version="1.0" encoding="utf-8"?>
-<p:sld xmlns:a="http://schemas.openxmlformats.org/drawingml/2006/main" xmlns:r="http://schemas.openxmlformats.org/officeDocument/2006/relationships" xmlns:p="http://schemas.openxmlformats.org/presentationml/2006/main">
-  <p:cSld>
-    <p:spTree>
-      <p:nvGrpSpPr>
-        <p:cNvPr id="1" name=""/>
-        <p:cNvGrpSpPr/>
-        <p:nvPr/>
-      </p:nvGrpSpPr>
-      <p:grpSpPr>
-        <a:xfrm>
-          <a:off x="0" y="0"/>
-          <a:ext cx="0" cy="0"/>
-          <a:chOff x="0" y="0"/>
-          <a:chExt cx="0" cy="0"/>
-        </a:xfrm>
-      </p:grpSpPr>
-      <p:sp>
-        <p:nvSpPr>
-          <p:cNvPr id="2" name="Title 1"/>
-          <p:cNvSpPr>
-            <a:spLocks noGrp="1"/>
-          </p:cNvSpPr>
-          <p:nvPr>
-            <p:ph type="title"/>
-          </p:nvPr>
-        </p:nvSpPr>
-        <p:spPr/>
-        <p:txBody>
-          <a:bodyPr/>
-          <a:lstStyle/>
-          <a:p>
-            <a:endParaRPr lang="en-US"/>
-          </a:p>
-        </p:txBody>
-      </p:sp>
-      <p:sp>
-        <p:nvSpPr>
-          <p:cNvPr id="3" name="Footer Placeholder 2"/>
-          <p:cNvSpPr>
-            <a:spLocks noGrp="1"/>
-          </p:cNvSpPr>
-          <p:nvPr>
-            <p:ph type="ftr" sz="quarter" idx="11"/>
-          </p:nvPr>
-        </p:nvSpPr>
-        <p:spPr/>
-        <p:txBody>
-          <a:bodyPr/>
-          <a:lstStyle/>
-          <a:p>
-            <a:r>
-              <a:rPr lang="en-US" smtClean="0"/>
-              <a:t>A Look Inside FreeBSD with DTrace</a:t>
-            </a:r>
-            <a:endParaRPr lang="en-US"/>
-          </a:p>
-        </p:txBody>
-      </p:sp>
-    </p:spTree>
-    <p:extLst>
-      <p:ext uri="{BB962C8B-B14F-4D97-AF65-F5344CB8AC3E}">
-        <p14:creationId xmlns:p14="http://schemas.microsoft.com/office/powerpoint/2010/main" val="1469510349"/>
-      </p:ext>
-    </p:extLst>
-  </p:cSld>
-  <p:clrMapOvr>
-    <a:masterClrMapping/>
-  </p:clrMapOvr>
-  <p:timing>
-    <p:tnLst>
-      <p:par>
-        <p:cTn id="1" dur="indefinite" restart="never" nodeType="tmRoot"/>
-      </p:par>
-    </p:tnLst>
-  </p:timing>
 </p:sld>
 </file>
 
@@ -9611,7 +14282,7 @@
           <a:p>
             <a:r>
               <a:rPr lang="en-US" dirty="0" smtClean="0"/>
-              <a:t>Mechanisms</a:t>
+              <a:t>Signals</a:t>
             </a:r>
             <a:endParaRPr lang="en-US" dirty="0"/>
           </a:p>
@@ -9619,6 +14290,41 @@
       </p:sp>
       <p:sp>
         <p:nvSpPr>
+          <p:cNvPr id="4" name="Text Placeholder 3"/>
+          <p:cNvSpPr>
+            <a:spLocks noGrp="1"/>
+          </p:cNvSpPr>
+          <p:nvPr>
+            <p:ph idx="1"/>
+          </p:nvPr>
+        </p:nvSpPr>
+        <p:spPr/>
+        <p:txBody>
+          <a:bodyPr/>
+          <a:lstStyle/>
+          <a:p>
+            <a:r>
+              <a:rPr lang="en-US" dirty="0" smtClean="0"/>
+              <a:t>Based on hardware interrupt model</a:t>
+            </a:r>
+          </a:p>
+          <a:p>
+            <a:r>
+              <a:rPr lang="en-US" dirty="0" smtClean="0"/>
+              <a:t>Not useful for data transfer</a:t>
+            </a:r>
+          </a:p>
+          <a:p>
+            <a:r>
+              <a:rPr lang="en-US" dirty="0" smtClean="0"/>
+              <a:t>Catch and process</a:t>
+            </a:r>
+            <a:endParaRPr lang="en-US" dirty="0"/>
+          </a:p>
+        </p:txBody>
+      </p:sp>
+      <p:sp>
+        <p:nvSpPr>
           <p:cNvPr id="3" name="Footer Placeholder 2"/>
           <p:cNvSpPr>
             <a:spLocks noGrp="1"/>
@@ -9634,7 +14340,7 @@
           <a:p>
             <a:r>
               <a:rPr lang="en-US" smtClean="0"/>
-              <a:t>A Look Inside FreeBSD with DTrace</a:t>
+              <a:t>Introduction to Operating Systems</a:t>
             </a:r>
             <a:endParaRPr lang="en-US"/>
           </a:p>
@@ -9643,7 +14349,7 @@
     </p:spTree>
     <p:extLst>
       <p:ext uri="{BB962C8B-B14F-4D97-AF65-F5344CB8AC3E}">
-        <p14:creationId xmlns:p14="http://schemas.microsoft.com/office/powerpoint/2010/main" val="422467323"/>
+        <p14:creationId xmlns:p14="http://schemas.microsoft.com/office/powerpoint/2010/main" val="450614633"/>
       </p:ext>
     </p:extLst>
   </p:cSld>
@@ -9687,7 +14393,7 @@
           <a:p>
             <a:r>
               <a:rPr lang="en-US" dirty="0" smtClean="0"/>
-              <a:t>Relationship to Networking</a:t>
+              <a:t>Signal Handling</a:t>
             </a:r>
             <a:endParaRPr lang="en-US" dirty="0"/>
           </a:p>
@@ -9695,6 +14401,45 @@
       </p:sp>
       <p:sp>
         <p:nvSpPr>
+          <p:cNvPr id="4" name="Text Placeholder 3"/>
+          <p:cNvSpPr>
+            <a:spLocks noGrp="1"/>
+          </p:cNvSpPr>
+          <p:nvPr>
+            <p:ph idx="1"/>
+          </p:nvPr>
+        </p:nvSpPr>
+        <p:spPr/>
+        <p:txBody>
+          <a:bodyPr/>
+          <a:lstStyle/>
+          <a:p>
+            <a:r>
+              <a:rPr lang="en-US" dirty="0" smtClean="0"/>
+              <a:t>Source raises a signal</a:t>
+            </a:r>
+          </a:p>
+          <a:p>
+            <a:r>
+              <a:rPr lang="en-US" dirty="0"/>
+              <a:t>D</a:t>
+            </a:r>
+            <a:r>
+              <a:rPr lang="en-US" dirty="0" smtClean="0"/>
+              <a:t>estination catches the signal    </a:t>
+            </a:r>
+          </a:p>
+          <a:p>
+            <a:r>
+              <a:rPr lang="en-US" dirty="0" smtClean="0"/>
+              <a:t>Uncaught signals cause a program to exit</a:t>
+            </a:r>
+            <a:endParaRPr lang="en-US" dirty="0"/>
+          </a:p>
+        </p:txBody>
+      </p:sp>
+      <p:sp>
+        <p:nvSpPr>
           <p:cNvPr id="3" name="Footer Placeholder 2"/>
           <p:cNvSpPr>
             <a:spLocks noGrp="1"/>
@@ -9710,7 +14455,7 @@
           <a:p>
             <a:r>
               <a:rPr lang="en-US" smtClean="0"/>
-              <a:t>A Look Inside FreeBSD with DTrace</a:t>
+              <a:t>Introduction to Operating Systems</a:t>
             </a:r>
             <a:endParaRPr lang="en-US"/>
           </a:p>
@@ -9719,7 +14464,7 @@
     </p:spTree>
     <p:extLst>
       <p:ext uri="{BB962C8B-B14F-4D97-AF65-F5344CB8AC3E}">
-        <p14:creationId xmlns:p14="http://schemas.microsoft.com/office/powerpoint/2010/main" val="90365008"/>
+        <p14:creationId xmlns:p14="http://schemas.microsoft.com/office/powerpoint/2010/main" val="533148149"/>
       </p:ext>
     </p:extLst>
   </p:cSld>
@@ -9763,7 +14508,7 @@
           <a:p>
             <a:r>
               <a:rPr lang="en-US" dirty="0" smtClean="0"/>
-              <a:t>Signals</a:t>
+              <a:t>Available Signals</a:t>
             </a:r>
             <a:endParaRPr lang="en-US" dirty="0"/>
           </a:p>
@@ -9771,6 +14516,25 @@
       </p:sp>
       <p:sp>
         <p:nvSpPr>
+          <p:cNvPr id="4" name="Content Placeholder 3"/>
+          <p:cNvSpPr>
+            <a:spLocks noGrp="1"/>
+          </p:cNvSpPr>
+          <p:nvPr>
+            <p:ph idx="1"/>
+          </p:nvPr>
+        </p:nvSpPr>
+        <p:spPr/>
+        <p:txBody>
+          <a:bodyPr/>
+          <a:lstStyle/>
+          <a:p>
+            <a:endParaRPr lang="en-US"/>
+          </a:p>
+        </p:txBody>
+      </p:sp>
+      <p:sp>
+        <p:nvSpPr>
           <p:cNvPr id="3" name="Footer Placeholder 2"/>
           <p:cNvSpPr>
             <a:spLocks noGrp="1"/>
@@ -9786,7 +14550,7 @@
           <a:p>
             <a:r>
               <a:rPr lang="en-US" smtClean="0"/>
-              <a:t>A Look Inside FreeBSD with DTrace</a:t>
+              <a:t>Introduction to Operating Systems</a:t>
             </a:r>
             <a:endParaRPr lang="en-US"/>
           </a:p>
@@ -9795,7 +14559,7 @@
     </p:spTree>
     <p:extLst>
       <p:ext uri="{BB962C8B-B14F-4D97-AF65-F5344CB8AC3E}">
-        <p14:creationId xmlns:p14="http://schemas.microsoft.com/office/powerpoint/2010/main" val="450614633"/>
+        <p14:creationId xmlns:p14="http://schemas.microsoft.com/office/powerpoint/2010/main" val="1291891928"/>
       </p:ext>
     </p:extLst>
   </p:cSld>
@@ -9839,7 +14603,7 @@
           <a:p>
             <a:r>
               <a:rPr lang="en-US" dirty="0" smtClean="0"/>
-              <a:t>Signal Handling</a:t>
+              <a:t>Tracing Signals</a:t>
             </a:r>
             <a:endParaRPr lang="en-US" dirty="0"/>
           </a:p>
@@ -9847,6 +14611,25 @@
       </p:sp>
       <p:sp>
         <p:nvSpPr>
+          <p:cNvPr id="4" name="Content Placeholder 3"/>
+          <p:cNvSpPr>
+            <a:spLocks noGrp="1"/>
+          </p:cNvSpPr>
+          <p:nvPr>
+            <p:ph idx="1"/>
+          </p:nvPr>
+        </p:nvSpPr>
+        <p:spPr/>
+        <p:txBody>
+          <a:bodyPr/>
+          <a:lstStyle/>
+          <a:p>
+            <a:endParaRPr lang="en-US"/>
+          </a:p>
+        </p:txBody>
+      </p:sp>
+      <p:sp>
+        <p:nvSpPr>
           <p:cNvPr id="3" name="Footer Placeholder 2"/>
           <p:cNvSpPr>
             <a:spLocks noGrp="1"/>
@@ -9862,7 +14645,7 @@
           <a:p>
             <a:r>
               <a:rPr lang="en-US" smtClean="0"/>
-              <a:t>A Look Inside FreeBSD with DTrace</a:t>
+              <a:t>Introduction to Operating Systems</a:t>
             </a:r>
             <a:endParaRPr lang="en-US"/>
           </a:p>
@@ -9871,7 +14654,7 @@
     </p:spTree>
     <p:extLst>
       <p:ext uri="{BB962C8B-B14F-4D97-AF65-F5344CB8AC3E}">
-        <p14:creationId xmlns:p14="http://schemas.microsoft.com/office/powerpoint/2010/main" val="533148149"/>
+        <p14:creationId xmlns:p14="http://schemas.microsoft.com/office/powerpoint/2010/main" val="1717655612"/>
       </p:ext>
     </p:extLst>
   </p:cSld>
@@ -9915,7 +14698,7 @@
           <a:p>
             <a:r>
               <a:rPr lang="en-US" dirty="0" smtClean="0"/>
-              <a:t>Available Signals</a:t>
+              <a:t>Pipes</a:t>
             </a:r>
             <a:endParaRPr lang="en-US" dirty="0"/>
           </a:p>
@@ -9923,6 +14706,62 @@
       </p:sp>
       <p:sp>
         <p:nvSpPr>
+          <p:cNvPr id="4" name="Text Placeholder 3"/>
+          <p:cNvSpPr>
+            <a:spLocks noGrp="1"/>
+          </p:cNvSpPr>
+          <p:nvPr>
+            <p:ph idx="1"/>
+          </p:nvPr>
+        </p:nvSpPr>
+        <p:spPr/>
+        <p:txBody>
+          <a:bodyPr/>
+          <a:lstStyle/>
+          <a:p>
+            <a:r>
+              <a:rPr lang="en-US" dirty="0" smtClean="0"/>
+              <a:t>Earliest bulk data IPC</a:t>
+            </a:r>
+          </a:p>
+          <a:p>
+            <a:r>
+              <a:rPr lang="en-US" dirty="0" smtClean="0"/>
+              <a:t>Key innovation of UNIX systems</a:t>
+            </a:r>
+          </a:p>
+          <a:p>
+            <a:r>
+              <a:rPr lang="en-US" dirty="0" smtClean="0"/>
+              <a:t>Depends on file descriptors</a:t>
+            </a:r>
+            <a:endParaRPr lang="en-US" dirty="0"/>
+          </a:p>
+          <a:p>
+            <a:pPr lvl="1"/>
+            <a:r>
+              <a:rPr lang="en-US" dirty="0" smtClean="0"/>
+              <a:t>STDIN (0)</a:t>
+            </a:r>
+          </a:p>
+          <a:p>
+            <a:pPr lvl="1"/>
+            <a:r>
+              <a:rPr lang="en-US" dirty="0" smtClean="0"/>
+              <a:t>STDOUT (1)</a:t>
+            </a:r>
+          </a:p>
+          <a:p>
+            <a:pPr lvl="1"/>
+            <a:r>
+              <a:rPr lang="en-US" dirty="0" smtClean="0"/>
+              <a:t>STDERR (2)</a:t>
+            </a:r>
+          </a:p>
+        </p:txBody>
+      </p:sp>
+      <p:sp>
+        <p:nvSpPr>
           <p:cNvPr id="3" name="Footer Placeholder 2"/>
           <p:cNvSpPr>
             <a:spLocks noGrp="1"/>
@@ -9938,7 +14777,7 @@
           <a:p>
             <a:r>
               <a:rPr lang="en-US" smtClean="0"/>
-              <a:t>A Look Inside FreeBSD with DTrace</a:t>
+              <a:t>Introduction to Operating Systems</a:t>
             </a:r>
             <a:endParaRPr lang="en-US"/>
           </a:p>
@@ -9947,7 +14786,7 @@
     </p:spTree>
     <p:extLst>
       <p:ext uri="{BB962C8B-B14F-4D97-AF65-F5344CB8AC3E}">
-        <p14:creationId xmlns:p14="http://schemas.microsoft.com/office/powerpoint/2010/main" val="1291891928"/>
+        <p14:creationId xmlns:p14="http://schemas.microsoft.com/office/powerpoint/2010/main" val="1631286513"/>
       </p:ext>
     </p:extLst>
   </p:cSld>
